--- a/Documents/presentation.pptx
+++ b/Documents/presentation.pptx
@@ -50,7 +50,7 @@
         <a:uFillTx/>
       </a:defRPr>
     </a:defPPr>
-    <a:lvl1pPr marL="0" marR="0" indent="0" algn="ctr" defTabSz="2438338" rtl="0" fontAlgn="auto" latinLnBrk="0" hangingPunct="0">
+    <a:lvl1pPr marL="0" marR="0" indent="0" algn="ctr" defTabSz="2438337" rtl="0" fontAlgn="auto" latinLnBrk="0" hangingPunct="0">
       <a:lnSpc>
         <a:spcPct val="100000"/>
       </a:lnSpc>
@@ -70,17 +70,17 @@
           <a:noFill/>
         </a:ln>
         <a:solidFill>
-          <a:srgbClr val="FFFFFF"/>
+          <a:srgbClr val="000000"/>
         </a:solidFill>
         <a:effectLst/>
         <a:uFillTx/>
-        <a:latin typeface="+mn-lt"/>
-        <a:ea typeface="+mn-ea"/>
-        <a:cs typeface="+mn-cs"/>
+        <a:latin typeface="+mj-lt"/>
+        <a:ea typeface="+mj-ea"/>
+        <a:cs typeface="+mj-cs"/>
         <a:sym typeface="Helvetica Neue"/>
       </a:defRPr>
     </a:lvl1pPr>
-    <a:lvl2pPr marL="0" marR="0" indent="457200" algn="ctr" defTabSz="2438338" rtl="0" fontAlgn="auto" latinLnBrk="0" hangingPunct="0">
+    <a:lvl2pPr marL="0" marR="0" indent="0" algn="ctr" defTabSz="2438337" rtl="0" fontAlgn="auto" latinLnBrk="0" hangingPunct="0">
       <a:lnSpc>
         <a:spcPct val="100000"/>
       </a:lnSpc>
@@ -100,17 +100,17 @@
           <a:noFill/>
         </a:ln>
         <a:solidFill>
-          <a:srgbClr val="FFFFFF"/>
+          <a:srgbClr val="000000"/>
         </a:solidFill>
         <a:effectLst/>
         <a:uFillTx/>
-        <a:latin typeface="+mn-lt"/>
-        <a:ea typeface="+mn-ea"/>
-        <a:cs typeface="+mn-cs"/>
+        <a:latin typeface="+mj-lt"/>
+        <a:ea typeface="+mj-ea"/>
+        <a:cs typeface="+mj-cs"/>
         <a:sym typeface="Helvetica Neue"/>
       </a:defRPr>
     </a:lvl2pPr>
-    <a:lvl3pPr marL="0" marR="0" indent="914400" algn="ctr" defTabSz="2438338" rtl="0" fontAlgn="auto" latinLnBrk="0" hangingPunct="0">
+    <a:lvl3pPr marL="0" marR="0" indent="0" algn="ctr" defTabSz="2438337" rtl="0" fontAlgn="auto" latinLnBrk="0" hangingPunct="0">
       <a:lnSpc>
         <a:spcPct val="100000"/>
       </a:lnSpc>
@@ -130,17 +130,17 @@
           <a:noFill/>
         </a:ln>
         <a:solidFill>
-          <a:srgbClr val="FFFFFF"/>
+          <a:srgbClr val="000000"/>
         </a:solidFill>
         <a:effectLst/>
         <a:uFillTx/>
-        <a:latin typeface="+mn-lt"/>
-        <a:ea typeface="+mn-ea"/>
-        <a:cs typeface="+mn-cs"/>
+        <a:latin typeface="+mj-lt"/>
+        <a:ea typeface="+mj-ea"/>
+        <a:cs typeface="+mj-cs"/>
         <a:sym typeface="Helvetica Neue"/>
       </a:defRPr>
     </a:lvl3pPr>
-    <a:lvl4pPr marL="0" marR="0" indent="1371600" algn="ctr" defTabSz="2438338" rtl="0" fontAlgn="auto" latinLnBrk="0" hangingPunct="0">
+    <a:lvl4pPr marL="0" marR="0" indent="0" algn="ctr" defTabSz="2438337" rtl="0" fontAlgn="auto" latinLnBrk="0" hangingPunct="0">
       <a:lnSpc>
         <a:spcPct val="100000"/>
       </a:lnSpc>
@@ -160,17 +160,17 @@
           <a:noFill/>
         </a:ln>
         <a:solidFill>
-          <a:srgbClr val="FFFFFF"/>
+          <a:srgbClr val="000000"/>
         </a:solidFill>
         <a:effectLst/>
         <a:uFillTx/>
-        <a:latin typeface="+mn-lt"/>
-        <a:ea typeface="+mn-ea"/>
-        <a:cs typeface="+mn-cs"/>
+        <a:latin typeface="+mj-lt"/>
+        <a:ea typeface="+mj-ea"/>
+        <a:cs typeface="+mj-cs"/>
         <a:sym typeface="Helvetica Neue"/>
       </a:defRPr>
     </a:lvl4pPr>
-    <a:lvl5pPr marL="0" marR="0" indent="1828800" algn="ctr" defTabSz="2438338" rtl="0" fontAlgn="auto" latinLnBrk="0" hangingPunct="0">
+    <a:lvl5pPr marL="0" marR="0" indent="0" algn="ctr" defTabSz="2438337" rtl="0" fontAlgn="auto" latinLnBrk="0" hangingPunct="0">
       <a:lnSpc>
         <a:spcPct val="100000"/>
       </a:lnSpc>
@@ -190,17 +190,17 @@
           <a:noFill/>
         </a:ln>
         <a:solidFill>
-          <a:srgbClr val="FFFFFF"/>
+          <a:srgbClr val="000000"/>
         </a:solidFill>
         <a:effectLst/>
         <a:uFillTx/>
-        <a:latin typeface="+mn-lt"/>
-        <a:ea typeface="+mn-ea"/>
-        <a:cs typeface="+mn-cs"/>
+        <a:latin typeface="+mj-lt"/>
+        <a:ea typeface="+mj-ea"/>
+        <a:cs typeface="+mj-cs"/>
         <a:sym typeface="Helvetica Neue"/>
       </a:defRPr>
     </a:lvl5pPr>
-    <a:lvl6pPr marL="0" marR="0" indent="2286000" algn="ctr" defTabSz="2438338" rtl="0" fontAlgn="auto" latinLnBrk="0" hangingPunct="0">
+    <a:lvl6pPr marL="0" marR="0" indent="0" algn="ctr" defTabSz="2438337" rtl="0" fontAlgn="auto" latinLnBrk="0" hangingPunct="0">
       <a:lnSpc>
         <a:spcPct val="100000"/>
       </a:lnSpc>
@@ -220,17 +220,17 @@
           <a:noFill/>
         </a:ln>
         <a:solidFill>
-          <a:srgbClr val="FFFFFF"/>
+          <a:srgbClr val="000000"/>
         </a:solidFill>
         <a:effectLst/>
         <a:uFillTx/>
-        <a:latin typeface="+mn-lt"/>
-        <a:ea typeface="+mn-ea"/>
-        <a:cs typeface="+mn-cs"/>
+        <a:latin typeface="+mj-lt"/>
+        <a:ea typeface="+mj-ea"/>
+        <a:cs typeface="+mj-cs"/>
         <a:sym typeface="Helvetica Neue"/>
       </a:defRPr>
     </a:lvl6pPr>
-    <a:lvl7pPr marL="0" marR="0" indent="2743200" algn="ctr" defTabSz="2438338" rtl="0" fontAlgn="auto" latinLnBrk="0" hangingPunct="0">
+    <a:lvl7pPr marL="0" marR="0" indent="0" algn="ctr" defTabSz="2438337" rtl="0" fontAlgn="auto" latinLnBrk="0" hangingPunct="0">
       <a:lnSpc>
         <a:spcPct val="100000"/>
       </a:lnSpc>
@@ -250,17 +250,17 @@
           <a:noFill/>
         </a:ln>
         <a:solidFill>
-          <a:srgbClr val="FFFFFF"/>
+          <a:srgbClr val="000000"/>
         </a:solidFill>
         <a:effectLst/>
         <a:uFillTx/>
-        <a:latin typeface="+mn-lt"/>
-        <a:ea typeface="+mn-ea"/>
-        <a:cs typeface="+mn-cs"/>
+        <a:latin typeface="+mj-lt"/>
+        <a:ea typeface="+mj-ea"/>
+        <a:cs typeface="+mj-cs"/>
         <a:sym typeface="Helvetica Neue"/>
       </a:defRPr>
     </a:lvl7pPr>
-    <a:lvl8pPr marL="0" marR="0" indent="3200400" algn="ctr" defTabSz="2438338" rtl="0" fontAlgn="auto" latinLnBrk="0" hangingPunct="0">
+    <a:lvl8pPr marL="0" marR="0" indent="0" algn="ctr" defTabSz="2438337" rtl="0" fontAlgn="auto" latinLnBrk="0" hangingPunct="0">
       <a:lnSpc>
         <a:spcPct val="100000"/>
       </a:lnSpc>
@@ -280,17 +280,17 @@
           <a:noFill/>
         </a:ln>
         <a:solidFill>
-          <a:srgbClr val="FFFFFF"/>
+          <a:srgbClr val="000000"/>
         </a:solidFill>
         <a:effectLst/>
         <a:uFillTx/>
-        <a:latin typeface="+mn-lt"/>
-        <a:ea typeface="+mn-ea"/>
-        <a:cs typeface="+mn-cs"/>
+        <a:latin typeface="+mj-lt"/>
+        <a:ea typeface="+mj-ea"/>
+        <a:cs typeface="+mj-cs"/>
         <a:sym typeface="Helvetica Neue"/>
       </a:defRPr>
     </a:lvl8pPr>
-    <a:lvl9pPr marL="0" marR="0" indent="3657600" algn="ctr" defTabSz="2438338" rtl="0" fontAlgn="auto" latinLnBrk="0" hangingPunct="0">
+    <a:lvl9pPr marL="0" marR="0" indent="0" algn="ctr" defTabSz="2438337" rtl="0" fontAlgn="auto" latinLnBrk="0" hangingPunct="0">
       <a:lnSpc>
         <a:spcPct val="100000"/>
       </a:lnSpc>
@@ -310,13 +310,13 @@
           <a:noFill/>
         </a:ln>
         <a:solidFill>
-          <a:srgbClr val="FFFFFF"/>
+          <a:srgbClr val="000000"/>
         </a:solidFill>
         <a:effectLst/>
         <a:uFillTx/>
-        <a:latin typeface="+mn-lt"/>
-        <a:ea typeface="+mn-ea"/>
-        <a:cs typeface="+mn-cs"/>
+        <a:latin typeface="+mj-lt"/>
+        <a:ea typeface="+mj-ea"/>
+        <a:cs typeface="+mj-cs"/>
         <a:sym typeface="Helvetica Neue"/>
       </a:defRPr>
     </a:lvl9pPr>
@@ -404,9 +404,9 @@
         <a:spcPct val="117999"/>
       </a:lnSpc>
       <a:defRPr sz="2200">
-        <a:latin typeface="+mn-lt"/>
-        <a:ea typeface="+mn-ea"/>
-        <a:cs typeface="+mn-cs"/>
+        <a:latin typeface="+mj-lt"/>
+        <a:ea typeface="+mj-ea"/>
+        <a:cs typeface="+mj-cs"/>
         <a:sym typeface="Helvetica Neue"/>
       </a:defRPr>
     </a:lvl1pPr>
@@ -415,9 +415,9 @@
         <a:spcPct val="117999"/>
       </a:lnSpc>
       <a:defRPr sz="2200">
-        <a:latin typeface="+mn-lt"/>
-        <a:ea typeface="+mn-ea"/>
-        <a:cs typeface="+mn-cs"/>
+        <a:latin typeface="+mj-lt"/>
+        <a:ea typeface="+mj-ea"/>
+        <a:cs typeface="+mj-cs"/>
         <a:sym typeface="Helvetica Neue"/>
       </a:defRPr>
     </a:lvl2pPr>
@@ -426,9 +426,9 @@
         <a:spcPct val="117999"/>
       </a:lnSpc>
       <a:defRPr sz="2200">
-        <a:latin typeface="+mn-lt"/>
-        <a:ea typeface="+mn-ea"/>
-        <a:cs typeface="+mn-cs"/>
+        <a:latin typeface="+mj-lt"/>
+        <a:ea typeface="+mj-ea"/>
+        <a:cs typeface="+mj-cs"/>
         <a:sym typeface="Helvetica Neue"/>
       </a:defRPr>
     </a:lvl3pPr>
@@ -437,9 +437,9 @@
         <a:spcPct val="117999"/>
       </a:lnSpc>
       <a:defRPr sz="2200">
-        <a:latin typeface="+mn-lt"/>
-        <a:ea typeface="+mn-ea"/>
-        <a:cs typeface="+mn-cs"/>
+        <a:latin typeface="+mj-lt"/>
+        <a:ea typeface="+mj-ea"/>
+        <a:cs typeface="+mj-cs"/>
         <a:sym typeface="Helvetica Neue"/>
       </a:defRPr>
     </a:lvl4pPr>
@@ -448,9 +448,9 @@
         <a:spcPct val="117999"/>
       </a:lnSpc>
       <a:defRPr sz="2200">
-        <a:latin typeface="+mn-lt"/>
-        <a:ea typeface="+mn-ea"/>
-        <a:cs typeface="+mn-cs"/>
+        <a:latin typeface="+mj-lt"/>
+        <a:ea typeface="+mj-ea"/>
+        <a:cs typeface="+mj-cs"/>
         <a:sym typeface="Helvetica Neue"/>
       </a:defRPr>
     </a:lvl5pPr>
@@ -459,9 +459,9 @@
         <a:spcPct val="117999"/>
       </a:lnSpc>
       <a:defRPr sz="2200">
-        <a:latin typeface="+mn-lt"/>
-        <a:ea typeface="+mn-ea"/>
-        <a:cs typeface="+mn-cs"/>
+        <a:latin typeface="+mj-lt"/>
+        <a:ea typeface="+mj-ea"/>
+        <a:cs typeface="+mj-cs"/>
         <a:sym typeface="Helvetica Neue"/>
       </a:defRPr>
     </a:lvl6pPr>
@@ -470,9 +470,9 @@
         <a:spcPct val="117999"/>
       </a:lnSpc>
       <a:defRPr sz="2200">
-        <a:latin typeface="+mn-lt"/>
-        <a:ea typeface="+mn-ea"/>
-        <a:cs typeface="+mn-cs"/>
+        <a:latin typeface="+mj-lt"/>
+        <a:ea typeface="+mj-ea"/>
+        <a:cs typeface="+mj-cs"/>
         <a:sym typeface="Helvetica Neue"/>
       </a:defRPr>
     </a:lvl7pPr>
@@ -481,9 +481,9 @@
         <a:spcPct val="117999"/>
       </a:lnSpc>
       <a:defRPr sz="2200">
-        <a:latin typeface="+mn-lt"/>
-        <a:ea typeface="+mn-ea"/>
-        <a:cs typeface="+mn-cs"/>
+        <a:latin typeface="+mj-lt"/>
+        <a:ea typeface="+mj-ea"/>
+        <a:cs typeface="+mj-cs"/>
         <a:sym typeface="Helvetica Neue"/>
       </a:defRPr>
     </a:lvl8pPr>
@@ -492,9 +492,9 @@
         <a:spcPct val="117999"/>
       </a:lnSpc>
       <a:defRPr sz="2200">
-        <a:latin typeface="+mn-lt"/>
-        <a:ea typeface="+mn-ea"/>
-        <a:cs typeface="+mn-cs"/>
+        <a:latin typeface="+mj-lt"/>
+        <a:ea typeface="+mj-ea"/>
+        <a:cs typeface="+mj-cs"/>
         <a:sym typeface="Helvetica Neue"/>
       </a:defRPr>
     </a:lvl9pPr>
@@ -503,7 +503,7 @@
 </file>
 
 <file path=ppt/slideLayouts/slideLayout1.xml><?xml version="1.0" encoding="utf-8"?>
-<p:sldLayout xmlns:a="http://schemas.openxmlformats.org/drawingml/2006/main" xmlns:r="http://schemas.openxmlformats.org/officeDocument/2006/relationships" xmlns:p="http://schemas.openxmlformats.org/presentationml/2006/main" xmlns:m="http://schemas.openxmlformats.org/officeDocument/2006/math" xmlns:a14="http://schemas.microsoft.com/office/drawing/2010/main" type="title" showMasterSp="1" showMasterPhAnim="1">
+<p:sldLayout xmlns:a="http://schemas.openxmlformats.org/drawingml/2006/main" xmlns:r="http://schemas.openxmlformats.org/officeDocument/2006/relationships" xmlns:p="http://schemas.openxmlformats.org/presentationml/2006/main" xmlns:m="http://schemas.openxmlformats.org/officeDocument/2006/math" xmlns:a14="http://schemas.microsoft.com/office/drawing/2010/main" type="tx" showMasterSp="1" showMasterPhAnim="1">
   <p:cSld name="标题">
     <p:spTree>
       <p:nvGrpSpPr>
@@ -521,23 +521,23 @@
       </p:grpSpPr>
       <p:sp>
         <p:nvSpPr>
-          <p:cNvPr id="11" name="作者和日期"/>
+          <p:cNvPr id="11" name="Body Level One…"/>
           <p:cNvSpPr txBox="1"/>
           <p:nvPr>
-            <p:ph type="body" sz="quarter" idx="21" hasCustomPrompt="1"/>
+            <p:ph type="body" sz="quarter" idx="1" hasCustomPrompt="1"/>
           </p:nvPr>
         </p:nvSpPr>
         <p:spPr>
           <a:xfrm>
-            <a:off x="1206498" y="11839048"/>
-            <a:ext cx="21971003" cy="636979"/>
+            <a:off x="1206497" y="11839047"/>
+            <a:ext cx="21971005" cy="636980"/>
           </a:xfrm>
           <a:prstGeom prst="rect">
             <a:avLst/>
           </a:prstGeom>
         </p:spPr>
         <p:txBody>
-          <a:bodyPr lIns="45719" tIns="45719" rIns="45719" bIns="45719" anchor="b"/>
+          <a:bodyPr lIns="45718" tIns="45718" rIns="45718" bIns="45718" numCol="1" spcCol="38100" anchor="b"/>
           <a:lstStyle>
             <a:lvl1pPr marL="0" indent="0" defTabSz="701675">
               <a:lnSpc>
@@ -548,13 +548,73 @@
               </a:spcBef>
               <a:buSzTx/>
               <a:buNone/>
-              <a:defRPr b="1" sz="3060"/>
+              <a:defRPr b="1" sz="3000"/>
             </a:lvl1pPr>
+            <a:lvl2pPr marL="990600" indent="-381000" defTabSz="701675">
+              <a:lnSpc>
+                <a:spcPct val="100000"/>
+              </a:lnSpc>
+              <a:spcBef>
+                <a:spcPts val="0"/>
+              </a:spcBef>
+              <a:defRPr b="1" sz="3000"/>
+            </a:lvl2pPr>
+            <a:lvl3pPr marL="1600200" indent="-381000" defTabSz="701675">
+              <a:lnSpc>
+                <a:spcPct val="100000"/>
+              </a:lnSpc>
+              <a:spcBef>
+                <a:spcPts val="0"/>
+              </a:spcBef>
+              <a:defRPr b="1" sz="3000"/>
+            </a:lvl3pPr>
+            <a:lvl4pPr marL="2209800" indent="-381000" defTabSz="701675">
+              <a:lnSpc>
+                <a:spcPct val="100000"/>
+              </a:lnSpc>
+              <a:spcBef>
+                <a:spcPts val="0"/>
+              </a:spcBef>
+              <a:defRPr b="1" sz="3000"/>
+            </a:lvl4pPr>
+            <a:lvl5pPr marL="2819400" indent="-381000" defTabSz="701675">
+              <a:lnSpc>
+                <a:spcPct val="100000"/>
+              </a:lnSpc>
+              <a:spcBef>
+                <a:spcPts val="0"/>
+              </a:spcBef>
+              <a:defRPr b="1" sz="3000"/>
+            </a:lvl5pPr>
           </a:lstStyle>
           <a:p>
             <a:pPr/>
             <a:r>
               <a:t>作者和日期</a:t>
+            </a:r>
+          </a:p>
+          <a:p>
+            <a:pPr lvl="1"/>
+            <a:r>
+              <a:t/>
+            </a:r>
+          </a:p>
+          <a:p>
+            <a:pPr lvl="2"/>
+            <a:r>
+              <a:t/>
+            </a:r>
+          </a:p>
+          <a:p>
+            <a:pPr lvl="3"/>
+            <a:r>
+              <a:t/>
+            </a:r>
+          </a:p>
+          <a:p>
+            <a:pPr lvl="4"/>
+            <a:r>
+              <a:t/>
             </a:r>
           </a:p>
         </p:txBody>
@@ -570,7 +630,7 @@
         <p:spPr>
           <a:xfrm>
             <a:off x="1206496" y="2574991"/>
-            <a:ext cx="21971004" cy="4648201"/>
+            <a:ext cx="21971005" cy="4648202"/>
           </a:xfrm>
           <a:prstGeom prst="rect">
             <a:avLst/>
@@ -596,20 +656,20 @@
           <p:cNvPr id="13" name="正文级别 1…"/>
           <p:cNvSpPr txBox="1"/>
           <p:nvPr>
-            <p:ph type="body" sz="quarter" idx="1" hasCustomPrompt="1"/>
+            <p:ph type="body" sz="quarter" idx="21" hasCustomPrompt="1"/>
           </p:nvPr>
         </p:nvSpPr>
         <p:spPr>
           <a:xfrm>
             <a:off x="1206500" y="7196865"/>
-            <a:ext cx="21971000" cy="1905001"/>
+            <a:ext cx="21971000" cy="1905002"/>
           </a:xfrm>
           <a:prstGeom prst="rect">
             <a:avLst/>
           </a:prstGeom>
         </p:spPr>
         <p:txBody>
-          <a:bodyPr/>
+          <a:bodyPr numCol="1" spcCol="38100"/>
           <a:lstStyle>
             <a:lvl1pPr marL="0" indent="0" defTabSz="825500">
               <a:lnSpc>
@@ -622,86 +682,18 @@
               <a:buNone/>
               <a:defRPr b="1" sz="5500"/>
             </a:lvl1pPr>
-            <a:lvl2pPr marL="0" indent="457200" defTabSz="825500">
-              <a:lnSpc>
-                <a:spcPct val="100000"/>
-              </a:lnSpc>
-              <a:spcBef>
-                <a:spcPts val="0"/>
-              </a:spcBef>
-              <a:buSzTx/>
-              <a:buNone/>
-              <a:defRPr b="1" sz="5500"/>
-            </a:lvl2pPr>
-            <a:lvl3pPr marL="0" indent="914400" defTabSz="825500">
-              <a:lnSpc>
-                <a:spcPct val="100000"/>
-              </a:lnSpc>
-              <a:spcBef>
-                <a:spcPts val="0"/>
-              </a:spcBef>
-              <a:buSzTx/>
-              <a:buNone/>
-              <a:defRPr b="1" sz="5500"/>
-            </a:lvl3pPr>
-            <a:lvl4pPr marL="0" indent="1371600" defTabSz="825500">
-              <a:lnSpc>
-                <a:spcPct val="100000"/>
-              </a:lnSpc>
-              <a:spcBef>
-                <a:spcPts val="0"/>
-              </a:spcBef>
-              <a:buSzTx/>
-              <a:buNone/>
-              <a:defRPr b="1" sz="5500"/>
-            </a:lvl4pPr>
-            <a:lvl5pPr marL="0" indent="1828800" defTabSz="825500">
-              <a:lnSpc>
-                <a:spcPct val="100000"/>
-              </a:lnSpc>
-              <a:spcBef>
-                <a:spcPts val="0"/>
-              </a:spcBef>
-              <a:buSzTx/>
-              <a:buNone/>
-              <a:defRPr b="1" sz="5500"/>
-            </a:lvl5pPr>
           </a:lstStyle>
           <a:p>
             <a:pPr/>
             <a:r>
               <a:t>演示文稿副标题</a:t>
-            </a:r>
-          </a:p>
-          <a:p>
-            <a:pPr lvl="1"/>
-            <a:r>
-              <a:t/>
-            </a:r>
-          </a:p>
-          <a:p>
-            <a:pPr lvl="2"/>
-            <a:r>
-              <a:t/>
-            </a:r>
-          </a:p>
-          <a:p>
-            <a:pPr lvl="3"/>
-            <a:r>
-              <a:t/>
-            </a:r>
-          </a:p>
-          <a:p>
-            <a:pPr lvl="4"/>
-            <a:r>
-              <a:t/>
             </a:r>
           </a:p>
         </p:txBody>
       </p:sp>
       <p:sp>
         <p:nvSpPr>
-          <p:cNvPr id="14" name="幻灯片编号"/>
+          <p:cNvPr id="14" name="Slide Number"/>
           <p:cNvSpPr txBox="1"/>
           <p:nvPr>
             <p:ph type="sldNum" sz="quarter" idx="2"/>
@@ -753,7 +745,7 @@
       </p:grpSpPr>
       <p:sp>
         <p:nvSpPr>
-          <p:cNvPr id="98" name="正文级别 1…"/>
+          <p:cNvPr id="98" name="Body Level One…"/>
           <p:cNvSpPr txBox="1"/>
           <p:nvPr>
             <p:ph type="body" sz="half" idx="1" hasCustomPrompt="1"/>
@@ -769,7 +761,7 @@
           </a:prstGeom>
         </p:spPr>
         <p:txBody>
-          <a:bodyPr anchor="ctr"/>
+          <a:bodyPr numCol="1" spcCol="38100" anchor="ctr"/>
           <a:lstStyle>
             <a:lvl1pPr marL="0" indent="0" algn="ctr">
               <a:lnSpc>
@@ -787,7 +779,7 @@
                 <a:sym typeface="Helvetica Neue Medium"/>
               </a:defRPr>
             </a:lvl1pPr>
-            <a:lvl2pPr marL="0" indent="457200" algn="ctr">
+            <a:lvl2pPr marL="0" indent="0" algn="ctr">
               <a:lnSpc>
                 <a:spcPct val="80000"/>
               </a:lnSpc>
@@ -803,7 +795,7 @@
                 <a:sym typeface="Helvetica Neue Medium"/>
               </a:defRPr>
             </a:lvl2pPr>
-            <a:lvl3pPr marL="0" indent="914400" algn="ctr">
+            <a:lvl3pPr marL="0" indent="0" algn="ctr">
               <a:lnSpc>
                 <a:spcPct val="80000"/>
               </a:lnSpc>
@@ -819,7 +811,7 @@
                 <a:sym typeface="Helvetica Neue Medium"/>
               </a:defRPr>
             </a:lvl3pPr>
-            <a:lvl4pPr marL="0" indent="1371600" algn="ctr">
+            <a:lvl4pPr marL="0" indent="0" algn="ctr">
               <a:lnSpc>
                 <a:spcPct val="80000"/>
               </a:lnSpc>
@@ -835,7 +827,7 @@
                 <a:sym typeface="Helvetica Neue Medium"/>
               </a:defRPr>
             </a:lvl4pPr>
-            <a:lvl5pPr marL="0" indent="1828800" algn="ctr">
+            <a:lvl5pPr marL="0" indent="0" algn="ctr">
               <a:lnSpc>
                 <a:spcPct val="80000"/>
               </a:lnSpc>
@@ -886,7 +878,7 @@
       </p:sp>
       <p:sp>
         <p:nvSpPr>
-          <p:cNvPr id="99" name="幻灯片编号"/>
+          <p:cNvPr id="99" name="Slide Number"/>
           <p:cNvSpPr txBox="1"/>
           <p:nvPr>
             <p:ph type="sldNum" sz="quarter" idx="2"/>
@@ -934,23 +926,23 @@
       </p:grpSpPr>
       <p:sp>
         <p:nvSpPr>
-          <p:cNvPr id="106" name="事实信息"/>
+          <p:cNvPr id="106" name="Body Level One…"/>
           <p:cNvSpPr txBox="1"/>
           <p:nvPr>
-            <p:ph type="body" sz="quarter" idx="21" hasCustomPrompt="1"/>
+            <p:ph type="body" sz="quarter" idx="1" hasCustomPrompt="1"/>
           </p:nvPr>
         </p:nvSpPr>
         <p:spPr>
           <a:xfrm>
             <a:off x="1206500" y="8262180"/>
-            <a:ext cx="21971000" cy="934780"/>
+            <a:ext cx="21971000" cy="934781"/>
           </a:xfrm>
           <a:prstGeom prst="rect">
             <a:avLst/>
           </a:prstGeom>
         </p:spPr>
         <p:txBody>
-          <a:bodyPr lIns="45719" tIns="45719" rIns="45719" bIns="45719"/>
+          <a:bodyPr lIns="45718" tIns="45718" rIns="45718" bIns="45718" numCol="1" spcCol="38100"/>
           <a:lstStyle>
             <a:lvl1pPr marL="0" indent="0" algn="ctr" defTabSz="726440">
               <a:lnSpc>
@@ -961,13 +953,73 @@
               </a:spcBef>
               <a:buSzTx/>
               <a:buNone/>
-              <a:defRPr b="1" sz="4840"/>
+              <a:defRPr b="1"/>
             </a:lvl1pPr>
+            <a:lvl2pPr algn="ctr" defTabSz="726440">
+              <a:lnSpc>
+                <a:spcPct val="100000"/>
+              </a:lnSpc>
+              <a:spcBef>
+                <a:spcPts val="0"/>
+              </a:spcBef>
+              <a:defRPr b="1"/>
+            </a:lvl2pPr>
+            <a:lvl3pPr algn="ctr" defTabSz="726440">
+              <a:lnSpc>
+                <a:spcPct val="100000"/>
+              </a:lnSpc>
+              <a:spcBef>
+                <a:spcPts val="0"/>
+              </a:spcBef>
+              <a:defRPr b="1"/>
+            </a:lvl3pPr>
+            <a:lvl4pPr algn="ctr" defTabSz="726440">
+              <a:lnSpc>
+                <a:spcPct val="100000"/>
+              </a:lnSpc>
+              <a:spcBef>
+                <a:spcPts val="0"/>
+              </a:spcBef>
+              <a:defRPr b="1"/>
+            </a:lvl4pPr>
+            <a:lvl5pPr algn="ctr" defTabSz="726440">
+              <a:lnSpc>
+                <a:spcPct val="100000"/>
+              </a:lnSpc>
+              <a:spcBef>
+                <a:spcPts val="0"/>
+              </a:spcBef>
+              <a:defRPr b="1"/>
+            </a:lvl5pPr>
           </a:lstStyle>
           <a:p>
             <a:pPr/>
             <a:r>
               <a:t>事实信息</a:t>
+            </a:r>
+          </a:p>
+          <a:p>
+            <a:pPr lvl="1"/>
+            <a:r>
+              <a:t/>
+            </a:r>
+          </a:p>
+          <a:p>
+            <a:pPr lvl="2"/>
+            <a:r>
+              <a:t/>
+            </a:r>
+          </a:p>
+          <a:p>
+            <a:pPr lvl="3"/>
+            <a:r>
+              <a:t/>
+            </a:r>
+          </a:p>
+          <a:p>
+            <a:pPr lvl="4"/>
+            <a:r>
+              <a:t/>
             </a:r>
           </a:p>
         </p:txBody>
@@ -977,22 +1029,23 @@
           <p:cNvPr id="107" name="正文级别 1…"/>
           <p:cNvSpPr txBox="1"/>
           <p:nvPr>
-            <p:ph type="body" idx="1" hasCustomPrompt="1"/>
+            <p:ph type="body" idx="21" hasCustomPrompt="1"/>
           </p:nvPr>
         </p:nvSpPr>
         <p:spPr>
           <a:xfrm>
-            <a:off x="1206500" y="935258"/>
-            <a:ext cx="21971000" cy="7359063"/>
+            <a:off x="1206500" y="935257"/>
+            <a:ext cx="21971000" cy="7359065"/>
           </a:xfrm>
           <a:prstGeom prst="rect">
             <a:avLst/>
           </a:prstGeom>
         </p:spPr>
         <p:txBody>
-          <a:bodyPr anchor="b"/>
-          <a:lstStyle>
-            <a:lvl1pPr marL="0" indent="0" algn="ctr">
+          <a:bodyPr numCol="1" spcCol="38100" anchor="b"/>
+          <a:lstStyle/>
+          <a:p>
+            <a:pPr lvl="4" marL="0" indent="1207008" algn="ctr" defTabSz="1072868">
               <a:lnSpc>
                 <a:spcPct val="80000"/>
               </a:lnSpc>
@@ -1001,88 +1054,18 @@
               </a:spcBef>
               <a:buSzTx/>
               <a:buNone/>
-              <a:defRPr b="1" spc="-250" sz="25000"/>
-            </a:lvl1pPr>
-            <a:lvl2pPr marL="0" indent="457200" algn="ctr">
-              <a:lnSpc>
-                <a:spcPct val="80000"/>
-              </a:lnSpc>
-              <a:spcBef>
-                <a:spcPts val="0"/>
-              </a:spcBef>
-              <a:buSzTx/>
-              <a:buNone/>
-              <a:defRPr b="1" spc="-250" sz="25000"/>
-            </a:lvl2pPr>
-            <a:lvl3pPr marL="0" indent="914400" algn="ctr">
-              <a:lnSpc>
-                <a:spcPct val="80000"/>
-              </a:lnSpc>
-              <a:spcBef>
-                <a:spcPts val="0"/>
-              </a:spcBef>
-              <a:buSzTx/>
-              <a:buNone/>
-              <a:defRPr b="1" spc="-250" sz="25000"/>
-            </a:lvl3pPr>
-            <a:lvl4pPr marL="0" indent="1371600" algn="ctr">
-              <a:lnSpc>
-                <a:spcPct val="80000"/>
-              </a:lnSpc>
-              <a:spcBef>
-                <a:spcPts val="0"/>
-              </a:spcBef>
-              <a:buSzTx/>
-              <a:buNone/>
-              <a:defRPr b="1" spc="-250" sz="25000"/>
-            </a:lvl4pPr>
-            <a:lvl5pPr marL="0" indent="1828800" algn="ctr">
-              <a:lnSpc>
-                <a:spcPct val="80000"/>
-              </a:lnSpc>
-              <a:spcBef>
-                <a:spcPts val="0"/>
-              </a:spcBef>
-              <a:buSzTx/>
-              <a:buNone/>
-              <a:defRPr b="1" spc="-250" sz="25000"/>
-            </a:lvl5pPr>
-          </a:lstStyle>
-          <a:p>
-            <a:pPr/>
-            <a:r>
-              <a:t>100%</a:t>
-            </a:r>
-          </a:p>
-          <a:p>
-            <a:pPr lvl="1"/>
-            <a:r>
-              <a:t/>
-            </a:r>
-          </a:p>
-          <a:p>
-            <a:pPr lvl="2"/>
-            <a:r>
-              <a:t/>
-            </a:r>
-          </a:p>
-          <a:p>
-            <a:pPr lvl="3"/>
-            <a:r>
-              <a:t/>
-            </a:r>
-          </a:p>
-          <a:p>
-            <a:pPr lvl="4"/>
-            <a:r>
-              <a:t/>
+              <a:defRPr b="1" spc="-132" sz="11000"/>
+            </a:pPr>
+            <a:r>
+              <a:t>100%
+</a:t>
             </a:r>
           </a:p>
         </p:txBody>
       </p:sp>
       <p:sp>
         <p:nvSpPr>
-          <p:cNvPr id="108" name="幻灯片编号"/>
+          <p:cNvPr id="108" name="Slide Number"/>
           <p:cNvSpPr txBox="1"/>
           <p:nvPr>
             <p:ph type="sldNum" sz="quarter" idx="2"/>
@@ -1130,23 +1113,23 @@
       </p:grpSpPr>
       <p:sp>
         <p:nvSpPr>
-          <p:cNvPr id="115" name="属性"/>
+          <p:cNvPr id="115" name="Body Level One…"/>
           <p:cNvSpPr txBox="1"/>
           <p:nvPr>
-            <p:ph type="body" sz="quarter" idx="21" hasCustomPrompt="1"/>
+            <p:ph type="body" sz="quarter" idx="1" hasCustomPrompt="1"/>
           </p:nvPr>
         </p:nvSpPr>
         <p:spPr>
           <a:xfrm>
-            <a:off x="2480825" y="10675453"/>
-            <a:ext cx="20149252" cy="636979"/>
+            <a:off x="2480824" y="10675453"/>
+            <a:ext cx="20149254" cy="636980"/>
           </a:xfrm>
           <a:prstGeom prst="rect">
             <a:avLst/>
           </a:prstGeom>
         </p:spPr>
         <p:txBody>
-          <a:bodyPr lIns="45719" tIns="45719" rIns="45719" bIns="45719"/>
+          <a:bodyPr lIns="45718" tIns="45718" rIns="45718" bIns="45718" numCol="1" spcCol="38100"/>
           <a:lstStyle>
             <a:lvl1pPr marL="0" indent="0" defTabSz="701675">
               <a:lnSpc>
@@ -1157,13 +1140,73 @@
               </a:spcBef>
               <a:buSzTx/>
               <a:buNone/>
-              <a:defRPr b="1" sz="3060"/>
+              <a:defRPr b="1" sz="3000"/>
             </a:lvl1pPr>
+            <a:lvl2pPr marL="990600" indent="-381000" defTabSz="701675">
+              <a:lnSpc>
+                <a:spcPct val="100000"/>
+              </a:lnSpc>
+              <a:spcBef>
+                <a:spcPts val="0"/>
+              </a:spcBef>
+              <a:defRPr b="1" sz="3000"/>
+            </a:lvl2pPr>
+            <a:lvl3pPr marL="1600200" indent="-381000" defTabSz="701675">
+              <a:lnSpc>
+                <a:spcPct val="100000"/>
+              </a:lnSpc>
+              <a:spcBef>
+                <a:spcPts val="0"/>
+              </a:spcBef>
+              <a:defRPr b="1" sz="3000"/>
+            </a:lvl3pPr>
+            <a:lvl4pPr marL="2209800" indent="-381000" defTabSz="701675">
+              <a:lnSpc>
+                <a:spcPct val="100000"/>
+              </a:lnSpc>
+              <a:spcBef>
+                <a:spcPts val="0"/>
+              </a:spcBef>
+              <a:defRPr b="1" sz="3000"/>
+            </a:lvl4pPr>
+            <a:lvl5pPr marL="2819400" indent="-381000" defTabSz="701675">
+              <a:lnSpc>
+                <a:spcPct val="100000"/>
+              </a:lnSpc>
+              <a:spcBef>
+                <a:spcPts val="0"/>
+              </a:spcBef>
+              <a:defRPr b="1" sz="3000"/>
+            </a:lvl5pPr>
           </a:lstStyle>
           <a:p>
             <a:pPr/>
             <a:r>
               <a:t>属性</a:t>
+            </a:r>
+          </a:p>
+          <a:p>
+            <a:pPr lvl="1"/>
+            <a:r>
+              <a:t/>
+            </a:r>
+          </a:p>
+          <a:p>
+            <a:pPr lvl="2"/>
+            <a:r>
+              <a:t/>
+            </a:r>
+          </a:p>
+          <a:p>
+            <a:pPr lvl="3"/>
+            <a:r>
+              <a:t/>
+            </a:r>
+          </a:p>
+          <a:p>
+            <a:pPr lvl="4"/>
+            <a:r>
+              <a:t/>
             </a:r>
           </a:p>
         </p:txBody>
@@ -1173,122 +1216,45 @@
           <p:cNvPr id="116" name="正文级别 1…"/>
           <p:cNvSpPr txBox="1"/>
           <p:nvPr>
-            <p:ph type="body" sz="half" idx="1" hasCustomPrompt="1"/>
+            <p:ph type="body" sz="half" idx="21" hasCustomPrompt="1"/>
           </p:nvPr>
         </p:nvSpPr>
         <p:spPr>
           <a:xfrm>
             <a:off x="1753923" y="4939860"/>
-            <a:ext cx="20876154" cy="3836280"/>
+            <a:ext cx="20876154" cy="3836281"/>
           </a:xfrm>
           <a:prstGeom prst="rect">
             <a:avLst/>
           </a:prstGeom>
         </p:spPr>
         <p:txBody>
-          <a:bodyPr anchor="ctr"/>
-          <a:lstStyle>
-            <a:lvl1pPr marL="638923" indent="-469900">
+          <a:bodyPr numCol="1" spcCol="38100" anchor="ctr"/>
+          <a:lstStyle/>
+          <a:p>
+            <a:pPr lvl="4" marL="0" indent="1363980" defTabSz="1463002">
               <a:spcBef>
                 <a:spcPts val="0"/>
               </a:spcBef>
               <a:buSzTx/>
               <a:buNone/>
-              <a:defRPr spc="-170" sz="8500">
+              <a:defRPr spc="-120" sz="5100">
                 <a:latin typeface="Helvetica Neue Medium"/>
                 <a:ea typeface="Helvetica Neue Medium"/>
                 <a:cs typeface="Helvetica Neue Medium"/>
                 <a:sym typeface="Helvetica Neue Medium"/>
               </a:defRPr>
-            </a:lvl1pPr>
-            <a:lvl2pPr marL="638923" indent="-12700">
-              <a:spcBef>
-                <a:spcPts val="0"/>
-              </a:spcBef>
-              <a:buSzTx/>
-              <a:buNone/>
-              <a:defRPr spc="-170" sz="8500">
-                <a:latin typeface="Helvetica Neue Medium"/>
-                <a:ea typeface="Helvetica Neue Medium"/>
-                <a:cs typeface="Helvetica Neue Medium"/>
-                <a:sym typeface="Helvetica Neue Medium"/>
-              </a:defRPr>
-            </a:lvl2pPr>
-            <a:lvl3pPr marL="638923" indent="444500">
-              <a:spcBef>
-                <a:spcPts val="0"/>
-              </a:spcBef>
-              <a:buSzTx/>
-              <a:buNone/>
-              <a:defRPr spc="-170" sz="8500">
-                <a:latin typeface="Helvetica Neue Medium"/>
-                <a:ea typeface="Helvetica Neue Medium"/>
-                <a:cs typeface="Helvetica Neue Medium"/>
-                <a:sym typeface="Helvetica Neue Medium"/>
-              </a:defRPr>
-            </a:lvl3pPr>
-            <a:lvl4pPr marL="638923" indent="901700">
-              <a:spcBef>
-                <a:spcPts val="0"/>
-              </a:spcBef>
-              <a:buSzTx/>
-              <a:buNone/>
-              <a:defRPr spc="-170" sz="8500">
-                <a:latin typeface="Helvetica Neue Medium"/>
-                <a:ea typeface="Helvetica Neue Medium"/>
-                <a:cs typeface="Helvetica Neue Medium"/>
-                <a:sym typeface="Helvetica Neue Medium"/>
-              </a:defRPr>
-            </a:lvl4pPr>
-            <a:lvl5pPr marL="638923" indent="1358900">
-              <a:spcBef>
-                <a:spcPts val="0"/>
-              </a:spcBef>
-              <a:buSzTx/>
-              <a:buNone/>
-              <a:defRPr spc="-170" sz="8500">
-                <a:latin typeface="Helvetica Neue Medium"/>
-                <a:ea typeface="Helvetica Neue Medium"/>
-                <a:cs typeface="Helvetica Neue Medium"/>
-                <a:sym typeface="Helvetica Neue Medium"/>
-              </a:defRPr>
-            </a:lvl5pPr>
-          </a:lstStyle>
-          <a:p>
-            <a:pPr/>
-            <a:r>
-              <a:t>“著名引文”</a:t>
-            </a:r>
-          </a:p>
-          <a:p>
-            <a:pPr lvl="1"/>
-            <a:r>
-              <a:t/>
-            </a:r>
-          </a:p>
-          <a:p>
-            <a:pPr lvl="2"/>
-            <a:r>
-              <a:t/>
-            </a:r>
-          </a:p>
-          <a:p>
-            <a:pPr lvl="3"/>
-            <a:r>
-              <a:t/>
-            </a:r>
-          </a:p>
-          <a:p>
-            <a:pPr lvl="4"/>
-            <a:r>
-              <a:t/>
+            </a:pPr>
+            <a:r>
+              <a:t>“著名引文”
+</a:t>
             </a:r>
           </a:p>
         </p:txBody>
       </p:sp>
       <p:sp>
         <p:nvSpPr>
-          <p:cNvPr id="117" name="幻灯片编号"/>
+          <p:cNvPr id="117" name="Slide Number"/>
           <p:cNvSpPr txBox="1"/>
           <p:nvPr>
             <p:ph type="sldNum" sz="quarter" idx="2"/>
@@ -1345,14 +1311,14 @@
         <p:spPr>
           <a:xfrm>
             <a:off x="15430500" y="7085409"/>
-            <a:ext cx="8128000" cy="5410201"/>
+            <a:ext cx="8128000" cy="5410202"/>
           </a:xfrm>
           <a:prstGeom prst="rect">
             <a:avLst/>
           </a:prstGeom>
         </p:spPr>
         <p:txBody>
-          <a:bodyPr lIns="91439" tIns="45719" rIns="91439" bIns="45719">
+          <a:bodyPr lIns="91439" tIns="45719" rIns="91439" bIns="45719" numCol="1" spcCol="38100">
             <a:noAutofit/>
           </a:bodyPr>
           <a:lstStyle/>
@@ -1379,7 +1345,7 @@
           </a:prstGeom>
         </p:spPr>
         <p:txBody>
-          <a:bodyPr lIns="91439" tIns="45719" rIns="91439" bIns="45719">
+          <a:bodyPr lIns="91439" tIns="45719" rIns="91439" bIns="45719" numCol="1" spcCol="38100">
             <a:noAutofit/>
           </a:bodyPr>
           <a:lstStyle/>
@@ -1406,7 +1372,7 @@
           </a:prstGeom>
         </p:spPr>
         <p:txBody>
-          <a:bodyPr lIns="91439" tIns="45719" rIns="91439" bIns="45719">
+          <a:bodyPr lIns="91439" tIns="45719" rIns="91439" bIns="45719" numCol="1" spcCol="38100">
             <a:noAutofit/>
           </a:bodyPr>
           <a:lstStyle/>
@@ -1417,7 +1383,7 @@
       </p:sp>
       <p:sp>
         <p:nvSpPr>
-          <p:cNvPr id="127" name="幻灯片编号"/>
+          <p:cNvPr id="127" name="Slide Number"/>
           <p:cNvSpPr txBox="1"/>
           <p:nvPr>
             <p:ph type="sldNum" sz="quarter" idx="2"/>
@@ -1481,7 +1447,7 @@
           </a:prstGeom>
         </p:spPr>
         <p:txBody>
-          <a:bodyPr lIns="91439" tIns="45719" rIns="91439" bIns="45719">
+          <a:bodyPr lIns="91439" tIns="45719" rIns="91439" bIns="45719" numCol="1" spcCol="38100">
             <a:noAutofit/>
           </a:bodyPr>
           <a:lstStyle/>
@@ -1492,7 +1458,7 @@
       </p:sp>
       <p:sp>
         <p:nvSpPr>
-          <p:cNvPr id="135" name="幻灯片编号"/>
+          <p:cNvPr id="135" name="Slide Number"/>
           <p:cNvSpPr txBox="1"/>
           <p:nvPr>
             <p:ph type="sldNum" sz="quarter" idx="2"/>
@@ -1540,7 +1506,7 @@
       </p:grpSpPr>
       <p:sp>
         <p:nvSpPr>
-          <p:cNvPr id="142" name="幻灯片编号"/>
+          <p:cNvPr id="142" name="Slide Number"/>
           <p:cNvSpPr txBox="1"/>
           <p:nvPr>
             <p:ph type="sldNum" sz="quarter" idx="2"/>
@@ -1604,7 +1570,7 @@
           </a:prstGeom>
         </p:spPr>
         <p:txBody>
-          <a:bodyPr lIns="91439" tIns="45719" rIns="91439" bIns="45719">
+          <a:bodyPr lIns="91439" tIns="45719" rIns="91439" bIns="45719" numCol="1" spcCol="38100">
             <a:noAutofit/>
           </a:bodyPr>
           <a:lstStyle/>
@@ -1647,23 +1613,23 @@
       </p:sp>
       <p:sp>
         <p:nvSpPr>
-          <p:cNvPr id="23" name="作者和日期"/>
+          <p:cNvPr id="23" name="Body Level One…"/>
           <p:cNvSpPr txBox="1"/>
           <p:nvPr>
-            <p:ph type="body" sz="quarter" idx="22" hasCustomPrompt="1"/>
+            <p:ph type="body" sz="quarter" idx="1" hasCustomPrompt="1"/>
           </p:nvPr>
         </p:nvSpPr>
         <p:spPr>
           <a:xfrm>
             <a:off x="1207690" y="1106137"/>
-            <a:ext cx="21968621" cy="636979"/>
+            <a:ext cx="21968621" cy="636980"/>
           </a:xfrm>
           <a:prstGeom prst="rect">
             <a:avLst/>
           </a:prstGeom>
         </p:spPr>
         <p:txBody>
-          <a:bodyPr lIns="45719" tIns="45719" rIns="45719" bIns="45719"/>
+          <a:bodyPr lIns="45718" tIns="45718" rIns="45718" bIns="45718" numCol="1" spcCol="38100"/>
           <a:lstStyle>
             <a:lvl1pPr marL="0" indent="0" defTabSz="701675">
               <a:lnSpc>
@@ -1674,13 +1640,73 @@
               </a:spcBef>
               <a:buSzTx/>
               <a:buNone/>
-              <a:defRPr b="1" sz="3060"/>
+              <a:defRPr b="1" sz="3000"/>
             </a:lvl1pPr>
+            <a:lvl2pPr marL="990600" indent="-381000" defTabSz="701675">
+              <a:lnSpc>
+                <a:spcPct val="100000"/>
+              </a:lnSpc>
+              <a:spcBef>
+                <a:spcPts val="0"/>
+              </a:spcBef>
+              <a:defRPr b="1" sz="3000"/>
+            </a:lvl2pPr>
+            <a:lvl3pPr marL="1600200" indent="-381000" defTabSz="701675">
+              <a:lnSpc>
+                <a:spcPct val="100000"/>
+              </a:lnSpc>
+              <a:spcBef>
+                <a:spcPts val="0"/>
+              </a:spcBef>
+              <a:defRPr b="1" sz="3000"/>
+            </a:lvl3pPr>
+            <a:lvl4pPr marL="2209800" indent="-381000" defTabSz="701675">
+              <a:lnSpc>
+                <a:spcPct val="100000"/>
+              </a:lnSpc>
+              <a:spcBef>
+                <a:spcPts val="0"/>
+              </a:spcBef>
+              <a:defRPr b="1" sz="3000"/>
+            </a:lvl4pPr>
+            <a:lvl5pPr marL="2819400" indent="-381000" defTabSz="701675">
+              <a:lnSpc>
+                <a:spcPct val="100000"/>
+              </a:lnSpc>
+              <a:spcBef>
+                <a:spcPts val="0"/>
+              </a:spcBef>
+              <a:defRPr b="1" sz="3000"/>
+            </a:lvl5pPr>
           </a:lstStyle>
           <a:p>
             <a:pPr/>
             <a:r>
               <a:t>作者和日期</a:t>
+            </a:r>
+          </a:p>
+          <a:p>
+            <a:pPr lvl="1"/>
+            <a:r>
+              <a:t/>
+            </a:r>
+          </a:p>
+          <a:p>
+            <a:pPr lvl="2"/>
+            <a:r>
+              <a:t/>
+            </a:r>
+          </a:p>
+          <a:p>
+            <a:pPr lvl="3"/>
+            <a:r>
+              <a:t/>
+            </a:r>
+          </a:p>
+          <a:p>
+            <a:pPr lvl="4"/>
+            <a:r>
+              <a:t/>
             </a:r>
           </a:p>
         </p:txBody>
@@ -1690,20 +1716,20 @@
           <p:cNvPr id="24" name="正文级别 1…"/>
           <p:cNvSpPr txBox="1"/>
           <p:nvPr>
-            <p:ph type="body" sz="quarter" idx="1" hasCustomPrompt="1"/>
+            <p:ph type="body" sz="quarter" idx="22" hasCustomPrompt="1"/>
           </p:nvPr>
         </p:nvSpPr>
         <p:spPr>
           <a:xfrm>
-            <a:off x="1206500" y="11609910"/>
-            <a:ext cx="21971000" cy="1144688"/>
+            <a:off x="1206500" y="11609909"/>
+            <a:ext cx="21971000" cy="1144689"/>
           </a:xfrm>
           <a:prstGeom prst="rect">
             <a:avLst/>
           </a:prstGeom>
         </p:spPr>
         <p:txBody>
-          <a:bodyPr/>
+          <a:bodyPr numCol="1" spcCol="38100"/>
           <a:lstStyle>
             <a:lvl1pPr marL="0" indent="0" defTabSz="825500">
               <a:lnSpc>
@@ -1716,86 +1742,18 @@
               <a:buNone/>
               <a:defRPr b="1" sz="5500"/>
             </a:lvl1pPr>
-            <a:lvl2pPr marL="0" indent="457200" defTabSz="825500">
-              <a:lnSpc>
-                <a:spcPct val="100000"/>
-              </a:lnSpc>
-              <a:spcBef>
-                <a:spcPts val="0"/>
-              </a:spcBef>
-              <a:buSzTx/>
-              <a:buNone/>
-              <a:defRPr b="1" sz="5500"/>
-            </a:lvl2pPr>
-            <a:lvl3pPr marL="0" indent="914400" defTabSz="825500">
-              <a:lnSpc>
-                <a:spcPct val="100000"/>
-              </a:lnSpc>
-              <a:spcBef>
-                <a:spcPts val="0"/>
-              </a:spcBef>
-              <a:buSzTx/>
-              <a:buNone/>
-              <a:defRPr b="1" sz="5500"/>
-            </a:lvl3pPr>
-            <a:lvl4pPr marL="0" indent="1371600" defTabSz="825500">
-              <a:lnSpc>
-                <a:spcPct val="100000"/>
-              </a:lnSpc>
-              <a:spcBef>
-                <a:spcPts val="0"/>
-              </a:spcBef>
-              <a:buSzTx/>
-              <a:buNone/>
-              <a:defRPr b="1" sz="5500"/>
-            </a:lvl4pPr>
-            <a:lvl5pPr marL="0" indent="1828800" defTabSz="825500">
-              <a:lnSpc>
-                <a:spcPct val="100000"/>
-              </a:lnSpc>
-              <a:spcBef>
-                <a:spcPts val="0"/>
-              </a:spcBef>
-              <a:buSzTx/>
-              <a:buNone/>
-              <a:defRPr b="1" sz="5500"/>
-            </a:lvl5pPr>
           </a:lstStyle>
           <a:p>
             <a:pPr/>
             <a:r>
               <a:t>演示文稿副标题 </a:t>
-            </a:r>
-          </a:p>
-          <a:p>
-            <a:pPr lvl="1"/>
-            <a:r>
-              <a:t/>
-            </a:r>
-          </a:p>
-          <a:p>
-            <a:pPr lvl="2"/>
-            <a:r>
-              <a:t/>
-            </a:r>
-          </a:p>
-          <a:p>
-            <a:pPr lvl="3"/>
-            <a:r>
-              <a:t/>
-            </a:r>
-          </a:p>
-          <a:p>
-            <a:pPr lvl="4"/>
-            <a:r>
-              <a:t/>
             </a:r>
           </a:p>
         </p:txBody>
       </p:sp>
       <p:sp>
         <p:nvSpPr>
-          <p:cNvPr id="25" name="幻灯片编号"/>
+          <p:cNvPr id="25" name="Slide Number"/>
           <p:cNvSpPr txBox="1"/>
           <p:nvPr>
             <p:ph type="sldNum" sz="quarter" idx="2"/>
@@ -1852,7 +1810,7 @@
         <p:spPr>
           <a:xfrm>
             <a:off x="1206500" y="1270000"/>
-            <a:ext cx="9779000" cy="5882273"/>
+            <a:ext cx="9779000" cy="5882274"/>
           </a:xfrm>
           <a:prstGeom prst="rect">
             <a:avLst/>
@@ -1871,7 +1829,7 @@
       </p:sp>
       <p:sp>
         <p:nvSpPr>
-          <p:cNvPr id="33" name="正文级别 1…"/>
+          <p:cNvPr id="33" name="Body Level One…"/>
           <p:cNvSpPr txBox="1"/>
           <p:nvPr>
             <p:ph type="body" sz="quarter" idx="1" hasCustomPrompt="1"/>
@@ -1887,7 +1845,7 @@
           </a:prstGeom>
         </p:spPr>
         <p:txBody>
-          <a:bodyPr/>
+          <a:bodyPr numCol="1" spcCol="38100"/>
           <a:lstStyle>
             <a:lvl1pPr marL="0" indent="0" defTabSz="825500">
               <a:lnSpc>
@@ -1900,7 +1858,7 @@
               <a:buNone/>
               <a:defRPr b="1" sz="5500"/>
             </a:lvl1pPr>
-            <a:lvl2pPr marL="0" indent="457200" defTabSz="825500">
+            <a:lvl2pPr marL="0" indent="0" defTabSz="825500">
               <a:lnSpc>
                 <a:spcPct val="100000"/>
               </a:lnSpc>
@@ -1911,7 +1869,7 @@
               <a:buNone/>
               <a:defRPr b="1" sz="5500"/>
             </a:lvl2pPr>
-            <a:lvl3pPr marL="0" indent="914400" defTabSz="825500">
+            <a:lvl3pPr marL="0" indent="0" defTabSz="825500">
               <a:lnSpc>
                 <a:spcPct val="100000"/>
               </a:lnSpc>
@@ -1922,7 +1880,7 @@
               <a:buNone/>
               <a:defRPr b="1" sz="5500"/>
             </a:lvl3pPr>
-            <a:lvl4pPr marL="0" indent="1371600" defTabSz="825500">
+            <a:lvl4pPr marL="0" indent="0" defTabSz="825500">
               <a:lnSpc>
                 <a:spcPct val="100000"/>
               </a:lnSpc>
@@ -1933,7 +1891,7 @@
               <a:buNone/>
               <a:defRPr b="1" sz="5500"/>
             </a:lvl4pPr>
-            <a:lvl5pPr marL="0" indent="1828800" defTabSz="825500">
+            <a:lvl5pPr marL="0" indent="0" defTabSz="825500">
               <a:lnSpc>
                 <a:spcPct val="100000"/>
               </a:lnSpc>
@@ -1988,14 +1946,14 @@
         <p:spPr>
           <a:xfrm>
             <a:off x="12052303" y="1270000"/>
-            <a:ext cx="11188406" cy="11209889"/>
+            <a:ext cx="11188407" cy="11209889"/>
           </a:xfrm>
           <a:prstGeom prst="rect">
             <a:avLst/>
           </a:prstGeom>
         </p:spPr>
         <p:txBody>
-          <a:bodyPr lIns="91439" tIns="45719" rIns="91439" bIns="45719">
+          <a:bodyPr lIns="91439" tIns="45719" rIns="91439" bIns="45719" numCol="1" spcCol="38100">
             <a:noAutofit/>
           </a:bodyPr>
           <a:lstStyle/>
@@ -2006,7 +1964,7 @@
       </p:sp>
       <p:sp>
         <p:nvSpPr>
-          <p:cNvPr id="35" name="幻灯片编号"/>
+          <p:cNvPr id="35" name="Slide Number"/>
           <p:cNvSpPr txBox="1"/>
           <p:nvPr>
             <p:ph type="sldNum" sz="quarter" idx="2"/>
@@ -2014,8 +1972,8 @@
         </p:nvSpPr>
         <p:spPr>
           <a:xfrm>
-            <a:off x="12001499" y="13085233"/>
-            <a:ext cx="368505" cy="374600"/>
+            <a:off x="12001500" y="13085233"/>
+            <a:ext cx="368504" cy="374600"/>
           </a:xfrm>
           <a:prstGeom prst="rect">
             <a:avLst/>
@@ -2065,6 +2023,10 @@
           </p:nvPr>
         </p:nvSpPr>
         <p:spPr>
+          <a:xfrm>
+            <a:off x="1206500" y="952500"/>
+            <a:ext cx="21971000" cy="1433164"/>
+          </a:xfrm>
           <a:prstGeom prst="rect">
             <a:avLst/>
           </a:prstGeom>
@@ -2082,23 +2044,23 @@
       </p:sp>
       <p:sp>
         <p:nvSpPr>
-          <p:cNvPr id="43" name="幻灯片副标题"/>
+          <p:cNvPr id="43" name="Body Level One…"/>
           <p:cNvSpPr txBox="1"/>
           <p:nvPr>
-            <p:ph type="body" sz="quarter" idx="21" hasCustomPrompt="1"/>
+            <p:ph type="body" sz="quarter" idx="1" hasCustomPrompt="1"/>
           </p:nvPr>
         </p:nvSpPr>
         <p:spPr>
           <a:xfrm>
-            <a:off x="1206500" y="2245962"/>
-            <a:ext cx="21971000" cy="934780"/>
+            <a:off x="1206500" y="2245961"/>
+            <a:ext cx="21971000" cy="934781"/>
           </a:xfrm>
           <a:prstGeom prst="rect">
             <a:avLst/>
           </a:prstGeom>
         </p:spPr>
         <p:txBody>
-          <a:bodyPr lIns="45719" tIns="45719" rIns="45719" bIns="45719"/>
+          <a:bodyPr lIns="45718" tIns="45718" rIns="45718" bIns="45718" numCol="1" spcCol="38100"/>
           <a:lstStyle>
             <a:lvl1pPr marL="0" indent="0" defTabSz="726440">
               <a:lnSpc>
@@ -2109,13 +2071,73 @@
               </a:spcBef>
               <a:buSzTx/>
               <a:buNone/>
-              <a:defRPr b="1" sz="4840"/>
+              <a:defRPr b="1"/>
             </a:lvl1pPr>
+            <a:lvl2pPr defTabSz="726440">
+              <a:lnSpc>
+                <a:spcPct val="100000"/>
+              </a:lnSpc>
+              <a:spcBef>
+                <a:spcPts val="0"/>
+              </a:spcBef>
+              <a:defRPr b="1"/>
+            </a:lvl2pPr>
+            <a:lvl3pPr defTabSz="726440">
+              <a:lnSpc>
+                <a:spcPct val="100000"/>
+              </a:lnSpc>
+              <a:spcBef>
+                <a:spcPts val="0"/>
+              </a:spcBef>
+              <a:defRPr b="1"/>
+            </a:lvl3pPr>
+            <a:lvl4pPr defTabSz="726440">
+              <a:lnSpc>
+                <a:spcPct val="100000"/>
+              </a:lnSpc>
+              <a:spcBef>
+                <a:spcPts val="0"/>
+              </a:spcBef>
+              <a:defRPr b="1"/>
+            </a:lvl4pPr>
+            <a:lvl5pPr defTabSz="726440">
+              <a:lnSpc>
+                <a:spcPct val="100000"/>
+              </a:lnSpc>
+              <a:spcBef>
+                <a:spcPts val="0"/>
+              </a:spcBef>
+              <a:defRPr b="1"/>
+            </a:lvl5pPr>
           </a:lstStyle>
           <a:p>
             <a:pPr/>
             <a:r>
               <a:t>幻灯片副标题</a:t>
+            </a:r>
+          </a:p>
+          <a:p>
+            <a:pPr lvl="1"/>
+            <a:r>
+              <a:t/>
+            </a:r>
+          </a:p>
+          <a:p>
+            <a:pPr lvl="2"/>
+            <a:r>
+              <a:t/>
+            </a:r>
+          </a:p>
+          <a:p>
+            <a:pPr lvl="3"/>
+            <a:r>
+              <a:t/>
+            </a:r>
+          </a:p>
+          <a:p>
+            <a:pPr lvl="4"/>
+            <a:r>
+              <a:t/>
             </a:r>
           </a:p>
         </p:txBody>
@@ -2125,52 +2147,32 @@
           <p:cNvPr id="44" name="正文级别 1…"/>
           <p:cNvSpPr txBox="1"/>
           <p:nvPr>
-            <p:ph type="body" idx="1" hasCustomPrompt="1"/>
+            <p:ph type="body" idx="21" hasCustomPrompt="1"/>
           </p:nvPr>
         </p:nvSpPr>
         <p:spPr>
+          <a:xfrm>
+            <a:off x="1206500" y="4248503"/>
+            <a:ext cx="21971000" cy="8256014"/>
+          </a:xfrm>
           <a:prstGeom prst="rect">
             <a:avLst/>
           </a:prstGeom>
         </p:spPr>
         <p:txBody>
-          <a:bodyPr/>
+          <a:bodyPr numCol="1" spcCol="38100"/>
           <a:lstStyle/>
           <a:p>
             <a:pPr/>
             <a:r>
               <a:t>幻灯片项目符号文本</a:t>
-            </a:r>
-          </a:p>
-          <a:p>
-            <a:pPr lvl="1"/>
-            <a:r>
-              <a:t/>
-            </a:r>
-          </a:p>
-          <a:p>
-            <a:pPr lvl="2"/>
-            <a:r>
-              <a:t/>
-            </a:r>
-          </a:p>
-          <a:p>
-            <a:pPr lvl="3"/>
-            <a:r>
-              <a:t/>
-            </a:r>
-          </a:p>
-          <a:p>
-            <a:pPr lvl="4"/>
-            <a:r>
-              <a:t/>
             </a:r>
           </a:p>
         </p:txBody>
       </p:sp>
       <p:sp>
         <p:nvSpPr>
-          <p:cNvPr id="45" name="幻灯片编号"/>
+          <p:cNvPr id="45" name="Slide Number"/>
           <p:cNvSpPr txBox="1"/>
           <p:nvPr>
             <p:ph type="sldNum" sz="quarter" idx="2"/>
@@ -2218,7 +2220,7 @@
       </p:grpSpPr>
       <p:sp>
         <p:nvSpPr>
-          <p:cNvPr id="52" name="正文级别 1…"/>
+          <p:cNvPr id="52" name="Body Level One…"/>
           <p:cNvSpPr txBox="1"/>
           <p:nvPr>
             <p:ph type="body" idx="1" hasCustomPrompt="1"/>
@@ -2230,7 +2232,7 @@
           </a:prstGeom>
         </p:spPr>
         <p:txBody>
-          <a:bodyPr numCol="2" spcCol="1098550"/>
+          <a:bodyPr/>
           <a:lstStyle/>
           <a:p>
             <a:pPr/>
@@ -2266,7 +2268,7 @@
       </p:sp>
       <p:sp>
         <p:nvSpPr>
-          <p:cNvPr id="53" name="幻灯片编号"/>
+          <p:cNvPr id="53" name="Slide Number"/>
           <p:cNvSpPr txBox="1"/>
           <p:nvPr>
             <p:ph type="sldNum" sz="quarter" idx="2"/>
@@ -2342,23 +2344,23 @@
       </p:sp>
       <p:sp>
         <p:nvSpPr>
-          <p:cNvPr id="61" name="幻灯片副标题"/>
+          <p:cNvPr id="61" name="Body Level One…"/>
           <p:cNvSpPr txBox="1"/>
           <p:nvPr>
-            <p:ph type="body" sz="quarter" idx="21" hasCustomPrompt="1"/>
+            <p:ph type="body" sz="quarter" idx="1" hasCustomPrompt="1"/>
           </p:nvPr>
         </p:nvSpPr>
         <p:spPr>
           <a:xfrm>
-            <a:off x="1206500" y="2245962"/>
-            <a:ext cx="9779000" cy="934780"/>
+            <a:off x="1206500" y="2245961"/>
+            <a:ext cx="9779000" cy="934781"/>
           </a:xfrm>
           <a:prstGeom prst="rect">
             <a:avLst/>
           </a:prstGeom>
         </p:spPr>
         <p:txBody>
-          <a:bodyPr lIns="45719" tIns="45719" rIns="45719" bIns="45719"/>
+          <a:bodyPr lIns="45718" tIns="45718" rIns="45718" bIns="45718" numCol="1" spcCol="38100"/>
           <a:lstStyle>
             <a:lvl1pPr marL="0" indent="0" defTabSz="726440">
               <a:lnSpc>
@@ -2369,13 +2371,73 @@
               </a:spcBef>
               <a:buSzTx/>
               <a:buNone/>
-              <a:defRPr b="1" sz="4840"/>
+              <a:defRPr b="1"/>
             </a:lvl1pPr>
+            <a:lvl2pPr defTabSz="726440">
+              <a:lnSpc>
+                <a:spcPct val="100000"/>
+              </a:lnSpc>
+              <a:spcBef>
+                <a:spcPts val="0"/>
+              </a:spcBef>
+              <a:defRPr b="1"/>
+            </a:lvl2pPr>
+            <a:lvl3pPr defTabSz="726440">
+              <a:lnSpc>
+                <a:spcPct val="100000"/>
+              </a:lnSpc>
+              <a:spcBef>
+                <a:spcPts val="0"/>
+              </a:spcBef>
+              <a:defRPr b="1"/>
+            </a:lvl3pPr>
+            <a:lvl4pPr defTabSz="726440">
+              <a:lnSpc>
+                <a:spcPct val="100000"/>
+              </a:lnSpc>
+              <a:spcBef>
+                <a:spcPts val="0"/>
+              </a:spcBef>
+              <a:defRPr b="1"/>
+            </a:lvl4pPr>
+            <a:lvl5pPr defTabSz="726440">
+              <a:lnSpc>
+                <a:spcPct val="100000"/>
+              </a:lnSpc>
+              <a:spcBef>
+                <a:spcPts val="0"/>
+              </a:spcBef>
+              <a:defRPr b="1"/>
+            </a:lvl5pPr>
           </a:lstStyle>
           <a:p>
             <a:pPr/>
             <a:r>
               <a:t>幻灯片副标题</a:t>
+            </a:r>
+          </a:p>
+          <a:p>
+            <a:pPr lvl="1"/>
+            <a:r>
+              <a:t/>
+            </a:r>
+          </a:p>
+          <a:p>
+            <a:pPr lvl="2"/>
+            <a:r>
+              <a:t/>
+            </a:r>
+          </a:p>
+          <a:p>
+            <a:pPr lvl="3"/>
+            <a:r>
+              <a:t/>
+            </a:r>
+          </a:p>
+          <a:p>
+            <a:pPr lvl="4"/>
+            <a:r>
+              <a:t/>
             </a:r>
           </a:p>
         </p:txBody>
@@ -2385,49 +2447,25 @@
           <p:cNvPr id="62" name="正文级别 1…"/>
           <p:cNvSpPr txBox="1"/>
           <p:nvPr>
-            <p:ph type="body" sz="half" idx="1" hasCustomPrompt="1"/>
+            <p:ph type="body" sz="half" idx="21" hasCustomPrompt="1"/>
           </p:nvPr>
         </p:nvSpPr>
         <p:spPr>
           <a:xfrm>
-            <a:off x="1206500" y="4248504"/>
-            <a:ext cx="9779000" cy="8256012"/>
+            <a:off x="1206500" y="4248503"/>
+            <a:ext cx="9779000" cy="8256014"/>
           </a:xfrm>
           <a:prstGeom prst="rect">
             <a:avLst/>
           </a:prstGeom>
         </p:spPr>
         <p:txBody>
-          <a:bodyPr/>
+          <a:bodyPr numCol="1" spcCol="38100"/>
           <a:lstStyle/>
           <a:p>
             <a:pPr/>
             <a:r>
               <a:t>幻灯片项目符号文本</a:t>
-            </a:r>
-          </a:p>
-          <a:p>
-            <a:pPr lvl="1"/>
-            <a:r>
-              <a:t/>
-            </a:r>
-          </a:p>
-          <a:p>
-            <a:pPr lvl="2"/>
-            <a:r>
-              <a:t/>
-            </a:r>
-          </a:p>
-          <a:p>
-            <a:pPr lvl="3"/>
-            <a:r>
-              <a:t/>
-            </a:r>
-          </a:p>
-          <a:p>
-            <a:pPr lvl="4"/>
-            <a:r>
-              <a:t/>
             </a:r>
           </a:p>
         </p:txBody>
@@ -2442,15 +2480,15 @@
         </p:nvSpPr>
         <p:spPr>
           <a:xfrm>
-            <a:off x="6380200" y="1263848"/>
-            <a:ext cx="22529801" cy="11193471"/>
+            <a:off x="6380200" y="1263847"/>
+            <a:ext cx="22529802" cy="11193472"/>
           </a:xfrm>
           <a:prstGeom prst="rect">
             <a:avLst/>
           </a:prstGeom>
         </p:spPr>
         <p:txBody>
-          <a:bodyPr lIns="91439" tIns="45719" rIns="91439" bIns="45719">
+          <a:bodyPr lIns="91439" tIns="45719" rIns="91439" bIns="45719" numCol="1" spcCol="38100">
             <a:noAutofit/>
           </a:bodyPr>
           <a:lstStyle/>
@@ -2461,7 +2499,7 @@
       </p:sp>
       <p:sp>
         <p:nvSpPr>
-          <p:cNvPr id="64" name="幻灯片编号"/>
+          <p:cNvPr id="64" name="Slide Number"/>
           <p:cNvSpPr txBox="1"/>
           <p:nvPr>
             <p:ph type="sldNum" sz="quarter" idx="2"/>
@@ -2518,7 +2556,7 @@
         <p:spPr>
           <a:xfrm>
             <a:off x="1206496" y="4533900"/>
-            <a:ext cx="21971004" cy="4648200"/>
+            <a:ext cx="21971005" cy="4648200"/>
           </a:xfrm>
           <a:prstGeom prst="rect">
             <a:avLst/>
@@ -2546,7 +2584,7 @@
       </p:sp>
       <p:sp>
         <p:nvSpPr>
-          <p:cNvPr id="72" name="幻灯片编号"/>
+          <p:cNvPr id="72" name="Slide Number"/>
           <p:cNvSpPr txBox="1"/>
           <p:nvPr>
             <p:ph type="sldNum" sz="quarter" idx="2"/>
@@ -2554,8 +2592,8 @@
         </p:nvSpPr>
         <p:spPr>
           <a:xfrm>
-            <a:off x="12001499" y="13085233"/>
-            <a:ext cx="368505" cy="374600"/>
+            <a:off x="12001500" y="13085233"/>
+            <a:ext cx="368504" cy="374600"/>
           </a:xfrm>
           <a:prstGeom prst="rect">
             <a:avLst/>
@@ -2607,7 +2645,7 @@
         <p:spPr>
           <a:xfrm>
             <a:off x="1206500" y="952500"/>
-            <a:ext cx="21971000" cy="1434949"/>
+            <a:ext cx="21971000" cy="1434950"/>
           </a:xfrm>
           <a:prstGeom prst="rect">
             <a:avLst/>
@@ -2626,23 +2664,23 @@
       </p:sp>
       <p:sp>
         <p:nvSpPr>
-          <p:cNvPr id="80" name="幻灯片副标题"/>
+          <p:cNvPr id="80" name="Body Level One…"/>
           <p:cNvSpPr txBox="1"/>
           <p:nvPr>
-            <p:ph type="body" sz="quarter" idx="21" hasCustomPrompt="1"/>
+            <p:ph type="body" sz="quarter" idx="1" hasCustomPrompt="1"/>
           </p:nvPr>
         </p:nvSpPr>
         <p:spPr>
           <a:xfrm>
-            <a:off x="1206500" y="2245962"/>
-            <a:ext cx="21971000" cy="934780"/>
+            <a:off x="1206500" y="2245961"/>
+            <a:ext cx="21971000" cy="934781"/>
           </a:xfrm>
           <a:prstGeom prst="rect">
             <a:avLst/>
           </a:prstGeom>
         </p:spPr>
         <p:txBody>
-          <a:bodyPr lIns="45719" tIns="45719" rIns="45719" bIns="45719"/>
+          <a:bodyPr lIns="45718" tIns="45718" rIns="45718" bIns="45718" numCol="1" spcCol="38100"/>
           <a:lstStyle>
             <a:lvl1pPr marL="0" indent="0" defTabSz="726440">
               <a:lnSpc>
@@ -2653,20 +2691,80 @@
               </a:spcBef>
               <a:buSzTx/>
               <a:buNone/>
-              <a:defRPr b="1" sz="4840"/>
+              <a:defRPr b="1"/>
             </a:lvl1pPr>
+            <a:lvl2pPr defTabSz="726440">
+              <a:lnSpc>
+                <a:spcPct val="100000"/>
+              </a:lnSpc>
+              <a:spcBef>
+                <a:spcPts val="0"/>
+              </a:spcBef>
+              <a:defRPr b="1"/>
+            </a:lvl2pPr>
+            <a:lvl3pPr defTabSz="726440">
+              <a:lnSpc>
+                <a:spcPct val="100000"/>
+              </a:lnSpc>
+              <a:spcBef>
+                <a:spcPts val="0"/>
+              </a:spcBef>
+              <a:defRPr b="1"/>
+            </a:lvl3pPr>
+            <a:lvl4pPr defTabSz="726440">
+              <a:lnSpc>
+                <a:spcPct val="100000"/>
+              </a:lnSpc>
+              <a:spcBef>
+                <a:spcPts val="0"/>
+              </a:spcBef>
+              <a:defRPr b="1"/>
+            </a:lvl4pPr>
+            <a:lvl5pPr defTabSz="726440">
+              <a:lnSpc>
+                <a:spcPct val="100000"/>
+              </a:lnSpc>
+              <a:spcBef>
+                <a:spcPts val="0"/>
+              </a:spcBef>
+              <a:defRPr b="1"/>
+            </a:lvl5pPr>
           </a:lstStyle>
           <a:p>
             <a:pPr/>
             <a:r>
               <a:t>幻灯片副标题</a:t>
+            </a:r>
+          </a:p>
+          <a:p>
+            <a:pPr lvl="1"/>
+            <a:r>
+              <a:t/>
+            </a:r>
+          </a:p>
+          <a:p>
+            <a:pPr lvl="2"/>
+            <a:r>
+              <a:t/>
+            </a:r>
+          </a:p>
+          <a:p>
+            <a:pPr lvl="3"/>
+            <a:r>
+              <a:t/>
+            </a:r>
+          </a:p>
+          <a:p>
+            <a:pPr lvl="4"/>
+            <a:r>
+              <a:t/>
             </a:r>
           </a:p>
         </p:txBody>
       </p:sp>
       <p:sp>
         <p:nvSpPr>
-          <p:cNvPr id="81" name="幻灯片编号"/>
+          <p:cNvPr id="81" name="Slide Number"/>
           <p:cNvSpPr txBox="1"/>
           <p:nvPr>
             <p:ph type="sldNum" sz="quarter" idx="2"/>
@@ -2742,23 +2840,23 @@
       </p:sp>
       <p:sp>
         <p:nvSpPr>
-          <p:cNvPr id="89" name="议程副标题"/>
+          <p:cNvPr id="89" name="Body Level One…"/>
           <p:cNvSpPr txBox="1"/>
           <p:nvPr>
-            <p:ph type="body" sz="quarter" idx="21" hasCustomPrompt="1"/>
+            <p:ph type="body" sz="quarter" idx="1" hasCustomPrompt="1"/>
           </p:nvPr>
         </p:nvSpPr>
         <p:spPr>
           <a:xfrm>
-            <a:off x="1206500" y="2245962"/>
-            <a:ext cx="21971000" cy="934780"/>
+            <a:off x="1206500" y="2245961"/>
+            <a:ext cx="21971000" cy="934781"/>
           </a:xfrm>
           <a:prstGeom prst="rect">
             <a:avLst/>
           </a:prstGeom>
         </p:spPr>
         <p:txBody>
-          <a:bodyPr lIns="45719" tIns="45719" rIns="45719" bIns="45719"/>
+          <a:bodyPr lIns="45718" tIns="45718" rIns="45718" bIns="45718" numCol="1" spcCol="38100"/>
           <a:lstStyle>
             <a:lvl1pPr marL="0" indent="0" defTabSz="726440">
               <a:lnSpc>
@@ -2769,13 +2867,73 @@
               </a:spcBef>
               <a:buSzTx/>
               <a:buNone/>
-              <a:defRPr b="1" sz="4840"/>
+              <a:defRPr b="1"/>
             </a:lvl1pPr>
+            <a:lvl2pPr defTabSz="726440">
+              <a:lnSpc>
+                <a:spcPct val="100000"/>
+              </a:lnSpc>
+              <a:spcBef>
+                <a:spcPts val="0"/>
+              </a:spcBef>
+              <a:defRPr b="1"/>
+            </a:lvl2pPr>
+            <a:lvl3pPr defTabSz="726440">
+              <a:lnSpc>
+                <a:spcPct val="100000"/>
+              </a:lnSpc>
+              <a:spcBef>
+                <a:spcPts val="0"/>
+              </a:spcBef>
+              <a:defRPr b="1"/>
+            </a:lvl3pPr>
+            <a:lvl4pPr defTabSz="726440">
+              <a:lnSpc>
+                <a:spcPct val="100000"/>
+              </a:lnSpc>
+              <a:spcBef>
+                <a:spcPts val="0"/>
+              </a:spcBef>
+              <a:defRPr b="1"/>
+            </a:lvl4pPr>
+            <a:lvl5pPr defTabSz="726440">
+              <a:lnSpc>
+                <a:spcPct val="100000"/>
+              </a:lnSpc>
+              <a:spcBef>
+                <a:spcPts val="0"/>
+              </a:spcBef>
+              <a:defRPr b="1"/>
+            </a:lvl5pPr>
           </a:lstStyle>
           <a:p>
             <a:pPr/>
             <a:r>
               <a:t>议程副标题</a:t>
+            </a:r>
+          </a:p>
+          <a:p>
+            <a:pPr lvl="1"/>
+            <a:r>
+              <a:t/>
+            </a:r>
+          </a:p>
+          <a:p>
+            <a:pPr lvl="2"/>
+            <a:r>
+              <a:t/>
+            </a:r>
+          </a:p>
+          <a:p>
+            <a:pPr lvl="3"/>
+            <a:r>
+              <a:t/>
+            </a:r>
+          </a:p>
+          <a:p>
+            <a:pPr lvl="4"/>
+            <a:r>
+              <a:t/>
             </a:r>
           </a:p>
         </p:txBody>
@@ -2785,16 +2943,20 @@
           <p:cNvPr id="90" name="正文级别 1…"/>
           <p:cNvSpPr txBox="1"/>
           <p:nvPr>
-            <p:ph type="body" idx="1" hasCustomPrompt="1"/>
+            <p:ph type="body" idx="21" hasCustomPrompt="1"/>
           </p:nvPr>
         </p:nvSpPr>
         <p:spPr>
+          <a:xfrm>
+            <a:off x="1206500" y="4248503"/>
+            <a:ext cx="21971000" cy="8256014"/>
+          </a:xfrm>
           <a:prstGeom prst="rect">
             <a:avLst/>
           </a:prstGeom>
         </p:spPr>
         <p:txBody>
-          <a:bodyPr/>
+          <a:bodyPr numCol="1" spcCol="38100"/>
           <a:lstStyle>
             <a:lvl1pPr marL="0" indent="0" defTabSz="825500">
               <a:lnSpc>
@@ -2805,88 +2967,20 @@
               </a:spcBef>
               <a:buSzTx/>
               <a:buNone/>
-              <a:defRPr spc="-55" sz="5500"/>
+              <a:defRPr spc="-99" sz="5500"/>
             </a:lvl1pPr>
-            <a:lvl2pPr marL="0" indent="457200" defTabSz="825500">
-              <a:lnSpc>
-                <a:spcPct val="100000"/>
-              </a:lnSpc>
-              <a:spcBef>
-                <a:spcPts val="1800"/>
-              </a:spcBef>
-              <a:buSzTx/>
-              <a:buNone/>
-              <a:defRPr spc="-55" sz="5500"/>
-            </a:lvl2pPr>
-            <a:lvl3pPr marL="0" indent="914400" defTabSz="825500">
-              <a:lnSpc>
-                <a:spcPct val="100000"/>
-              </a:lnSpc>
-              <a:spcBef>
-                <a:spcPts val="1800"/>
-              </a:spcBef>
-              <a:buSzTx/>
-              <a:buNone/>
-              <a:defRPr spc="-55" sz="5500"/>
-            </a:lvl3pPr>
-            <a:lvl4pPr marL="0" indent="1371600" defTabSz="825500">
-              <a:lnSpc>
-                <a:spcPct val="100000"/>
-              </a:lnSpc>
-              <a:spcBef>
-                <a:spcPts val="1800"/>
-              </a:spcBef>
-              <a:buSzTx/>
-              <a:buNone/>
-              <a:defRPr spc="-55" sz="5500"/>
-            </a:lvl4pPr>
-            <a:lvl5pPr marL="0" indent="1828800" defTabSz="825500">
-              <a:lnSpc>
-                <a:spcPct val="100000"/>
-              </a:lnSpc>
-              <a:spcBef>
-                <a:spcPts val="1800"/>
-              </a:spcBef>
-              <a:buSzTx/>
-              <a:buNone/>
-              <a:defRPr spc="-55" sz="5500"/>
-            </a:lvl5pPr>
           </a:lstStyle>
           <a:p>
             <a:pPr/>
             <a:r>
               <a:t>议程主题</a:t>
-            </a:r>
-          </a:p>
-          <a:p>
-            <a:pPr lvl="1"/>
-            <a:r>
-              <a:t/>
-            </a:r>
-          </a:p>
-          <a:p>
-            <a:pPr lvl="2"/>
-            <a:r>
-              <a:t/>
-            </a:r>
-          </a:p>
-          <a:p>
-            <a:pPr lvl="3"/>
-            <a:r>
-              <a:t/>
-            </a:r>
-          </a:p>
-          <a:p>
-            <a:pPr lvl="4"/>
-            <a:r>
-              <a:t/>
             </a:r>
           </a:p>
         </p:txBody>
       </p:sp>
       <p:sp>
         <p:nvSpPr>
-          <p:cNvPr id="91" name="幻灯片编号"/>
+          <p:cNvPr id="91" name="Slide Number"/>
           <p:cNvSpPr txBox="1"/>
           <p:nvPr>
             <p:ph type="sldNum" sz="quarter" idx="2"/>
@@ -2941,16 +3035,78 @@
       </p:grpSpPr>
       <p:sp>
         <p:nvSpPr>
-          <p:cNvPr id="2" name="幻灯片标题"/>
+          <p:cNvPr id="2" name="Body Level One…"/>
           <p:cNvSpPr txBox="1"/>
           <p:nvPr>
-            <p:ph type="title" hasCustomPrompt="1"/>
+            <p:ph type="body" idx="1" hasCustomPrompt="1"/>
           </p:nvPr>
         </p:nvSpPr>
         <p:spPr>
           <a:xfrm>
-            <a:off x="1206500" y="952500"/>
-            <a:ext cx="21971000" cy="1433163"/>
+            <a:off x="1206500" y="4248503"/>
+            <a:ext cx="21971000" cy="8256014"/>
+          </a:xfrm>
+          <a:prstGeom prst="rect">
+            <a:avLst/>
+          </a:prstGeom>
+          <a:ln w="12700">
+            <a:miter lim="400000"/>
+          </a:ln>
+          <a:extLst>
+            <a:ext uri="{C572A759-6A51-4108-AA02-DFA0A04FC94B}">
+              <ma14:wrappingTextBoxFlag xmlns:ma14="http://schemas.microsoft.com/office/mac/drawingml/2011/main" val="1"/>
+            </a:ext>
+          </a:extLst>
+        </p:spPr>
+        <p:txBody>
+          <a:bodyPr lIns="50800" tIns="50800" rIns="50800" bIns="50800" numCol="2" spcCol="1098550">
+            <a:normAutofit fontScale="100000" lnSpcReduction="0"/>
+          </a:bodyPr>
+          <a:lstStyle/>
+          <a:p>
+            <a:pPr/>
+            <a:r>
+              <a:t>幻灯片项目符号文本</a:t>
+            </a:r>
+          </a:p>
+          <a:p>
+            <a:pPr lvl="1"/>
+            <a:r>
+              <a:t/>
+            </a:r>
+          </a:p>
+          <a:p>
+            <a:pPr lvl="2"/>
+            <a:r>
+              <a:t/>
+            </a:r>
+          </a:p>
+          <a:p>
+            <a:pPr lvl="3"/>
+            <a:r>
+              <a:t/>
+            </a:r>
+          </a:p>
+          <a:p>
+            <a:pPr lvl="4"/>
+            <a:r>
+              <a:t/>
+            </a:r>
+          </a:p>
+        </p:txBody>
+      </p:sp>
+      <p:sp>
+        <p:nvSpPr>
+          <p:cNvPr id="3" name="Title Text"/>
+          <p:cNvSpPr txBox="1"/>
+          <p:nvPr>
+            <p:ph type="title"/>
+          </p:nvPr>
+        </p:nvSpPr>
+        <p:spPr>
+          <a:xfrm>
+            <a:off x="3653366" y="2743200"/>
+            <a:ext cx="19507201" cy="1505304"/>
           </a:xfrm>
           <a:prstGeom prst="rect">
             <a:avLst/>
@@ -2972,76 +3128,14 @@
           <a:p>
             <a:pPr/>
             <a:r>
-              <a:t>幻灯片标题</a:t>
+              <a:t>Title Text</a:t>
             </a:r>
           </a:p>
         </p:txBody>
       </p:sp>
       <p:sp>
         <p:nvSpPr>
-          <p:cNvPr id="3" name="正文级别 1…"/>
-          <p:cNvSpPr txBox="1"/>
-          <p:nvPr>
-            <p:ph type="body" idx="1" hasCustomPrompt="1"/>
-          </p:nvPr>
-        </p:nvSpPr>
-        <p:spPr>
-          <a:xfrm>
-            <a:off x="1206500" y="4248504"/>
-            <a:ext cx="21971000" cy="8256012"/>
-          </a:xfrm>
-          <a:prstGeom prst="rect">
-            <a:avLst/>
-          </a:prstGeom>
-          <a:ln w="12700">
-            <a:miter lim="400000"/>
-          </a:ln>
-          <a:extLst>
-            <a:ext uri="{C572A759-6A51-4108-AA02-DFA0A04FC94B}">
-              <ma14:wrappingTextBoxFlag xmlns:ma14="http://schemas.microsoft.com/office/mac/drawingml/2011/main" val="1"/>
-            </a:ext>
-          </a:extLst>
-        </p:spPr>
-        <p:txBody>
-          <a:bodyPr lIns="50800" tIns="50800" rIns="50800" bIns="50800">
-            <a:normAutofit fontScale="100000" lnSpcReduction="0"/>
-          </a:bodyPr>
-          <a:lstStyle/>
-          <a:p>
-            <a:pPr/>
-            <a:r>
-              <a:t>幻灯片项目符号文本</a:t>
-            </a:r>
-          </a:p>
-          <a:p>
-            <a:pPr lvl="1"/>
-            <a:r>
-              <a:t/>
-            </a:r>
-          </a:p>
-          <a:p>
-            <a:pPr lvl="2"/>
-            <a:r>
-              <a:t/>
-            </a:r>
-          </a:p>
-          <a:p>
-            <a:pPr lvl="3"/>
-            <a:r>
-              <a:t/>
-            </a:r>
-          </a:p>
-          <a:p>
-            <a:pPr lvl="4"/>
-            <a:r>
-              <a:t/>
-            </a:r>
-          </a:p>
-        </p:txBody>
-      </p:sp>
-      <p:sp>
-        <p:nvSpPr>
-          <p:cNvPr id="4" name="幻灯片编号"/>
+          <p:cNvPr id="4" name="Slide Number"/>
           <p:cNvSpPr txBox="1"/>
           <p:nvPr>
             <p:ph type="sldNum" sz="quarter" idx="2"/>
@@ -3049,8 +3143,8 @@
         </p:nvSpPr>
         <p:spPr>
           <a:xfrm>
-            <a:off x="12001499" y="13080999"/>
-            <a:ext cx="368505" cy="374600"/>
+            <a:off x="12001500" y="13080999"/>
+            <a:ext cx="368504" cy="374600"/>
           </a:xfrm>
           <a:prstGeom prst="rect">
             <a:avLst/>
@@ -3065,7 +3159,11 @@
           </a:bodyPr>
           <a:lstStyle>
             <a:lvl1pPr defTabSz="584200">
-              <a:defRPr sz="1800"/>
+              <a:defRPr sz="1800">
+                <a:solidFill>
+                  <a:srgbClr val="FFFFFF"/>
+                </a:solidFill>
+              </a:defRPr>
             </a:lvl1pPr>
           </a:lstStyle>
           <a:p>
@@ -3076,7 +3174,7 @@
       </p:sp>
     </p:spTree>
   </p:cSld>
-  <p:clrMap bg1="dk1" tx1="lt1" bg2="dk2" tx2="lt2" accent1="accent1" accent2="accent2" accent3="accent3" accent4="accent4" accent5="accent5" accent6="accent6" hlink="hlink" folHlink="folHlink"/>
+  <p:clrMap bg1="lt1" tx1="dk1" bg2="lt2" tx2="dk2" accent1="accent1" accent2="accent2" accent3="accent3" accent4="accent4" accent5="accent5" accent6="accent6" hlink="hlink" folHlink="folHlink"/>
   <p:sldLayoutIdLst>
     <p:sldLayoutId id="2147483649" r:id="rId2"/>
     <p:sldLayoutId id="2147483650" r:id="rId3"/>
@@ -3097,7 +3195,7 @@
   <p:transition xmlns:p14="http://schemas.microsoft.com/office/powerpoint/2010/main" spd="med" advClick="1"/>
   <p:txStyles>
     <p:titleStyle>
-      <a:lvl1pPr marL="0" marR="0" indent="0" algn="l" defTabSz="2438338" rtl="0" latinLnBrk="0">
+      <a:lvl1pPr marL="0" marR="0" indent="0" algn="l" defTabSz="2438337" rtl="0" latinLnBrk="0">
         <a:lnSpc>
           <a:spcPct val="80000"/>
         </a:lnSpc>
@@ -3117,13 +3215,13 @@
             <a:srgbClr val="FFFFFF"/>
           </a:solidFill>
           <a:uFillTx/>
-          <a:latin typeface="+mn-lt"/>
-          <a:ea typeface="+mn-ea"/>
-          <a:cs typeface="+mn-cs"/>
+          <a:latin typeface="+mj-lt"/>
+          <a:ea typeface="+mj-ea"/>
+          <a:cs typeface="+mj-cs"/>
           <a:sym typeface="Helvetica Neue"/>
         </a:defRPr>
       </a:lvl1pPr>
-      <a:lvl2pPr marL="0" marR="0" indent="457200" algn="l" defTabSz="2438338" rtl="0" latinLnBrk="0">
+      <a:lvl2pPr marL="0" marR="0" indent="0" algn="l" defTabSz="2438337" rtl="0" latinLnBrk="0">
         <a:lnSpc>
           <a:spcPct val="80000"/>
         </a:lnSpc>
@@ -3143,13 +3241,13 @@
             <a:srgbClr val="FFFFFF"/>
           </a:solidFill>
           <a:uFillTx/>
-          <a:latin typeface="+mn-lt"/>
-          <a:ea typeface="+mn-ea"/>
-          <a:cs typeface="+mn-cs"/>
+          <a:latin typeface="+mj-lt"/>
+          <a:ea typeface="+mj-ea"/>
+          <a:cs typeface="+mj-cs"/>
           <a:sym typeface="Helvetica Neue"/>
         </a:defRPr>
       </a:lvl2pPr>
-      <a:lvl3pPr marL="0" marR="0" indent="914400" algn="l" defTabSz="2438338" rtl="0" latinLnBrk="0">
+      <a:lvl3pPr marL="0" marR="0" indent="0" algn="l" defTabSz="2438337" rtl="0" latinLnBrk="0">
         <a:lnSpc>
           <a:spcPct val="80000"/>
         </a:lnSpc>
@@ -3169,13 +3267,13 @@
             <a:srgbClr val="FFFFFF"/>
           </a:solidFill>
           <a:uFillTx/>
-          <a:latin typeface="+mn-lt"/>
-          <a:ea typeface="+mn-ea"/>
-          <a:cs typeface="+mn-cs"/>
+          <a:latin typeface="+mj-lt"/>
+          <a:ea typeface="+mj-ea"/>
+          <a:cs typeface="+mj-cs"/>
           <a:sym typeface="Helvetica Neue"/>
         </a:defRPr>
       </a:lvl3pPr>
-      <a:lvl4pPr marL="0" marR="0" indent="1371600" algn="l" defTabSz="2438338" rtl="0" latinLnBrk="0">
+      <a:lvl4pPr marL="0" marR="0" indent="0" algn="l" defTabSz="2438337" rtl="0" latinLnBrk="0">
         <a:lnSpc>
           <a:spcPct val="80000"/>
         </a:lnSpc>
@@ -3195,13 +3293,13 @@
             <a:srgbClr val="FFFFFF"/>
           </a:solidFill>
           <a:uFillTx/>
-          <a:latin typeface="+mn-lt"/>
-          <a:ea typeface="+mn-ea"/>
-          <a:cs typeface="+mn-cs"/>
+          <a:latin typeface="+mj-lt"/>
+          <a:ea typeface="+mj-ea"/>
+          <a:cs typeface="+mj-cs"/>
           <a:sym typeface="Helvetica Neue"/>
         </a:defRPr>
       </a:lvl4pPr>
-      <a:lvl5pPr marL="0" marR="0" indent="1828800" algn="l" defTabSz="2438338" rtl="0" latinLnBrk="0">
+      <a:lvl5pPr marL="0" marR="0" indent="0" algn="l" defTabSz="2438337" rtl="0" latinLnBrk="0">
         <a:lnSpc>
           <a:spcPct val="80000"/>
         </a:lnSpc>
@@ -3221,13 +3319,13 @@
             <a:srgbClr val="FFFFFF"/>
           </a:solidFill>
           <a:uFillTx/>
-          <a:latin typeface="+mn-lt"/>
-          <a:ea typeface="+mn-ea"/>
-          <a:cs typeface="+mn-cs"/>
+          <a:latin typeface="+mj-lt"/>
+          <a:ea typeface="+mj-ea"/>
+          <a:cs typeface="+mj-cs"/>
           <a:sym typeface="Helvetica Neue"/>
         </a:defRPr>
       </a:lvl5pPr>
-      <a:lvl6pPr marL="0" marR="0" indent="2286000" algn="l" defTabSz="2438338" rtl="0" latinLnBrk="0">
+      <a:lvl6pPr marL="0" marR="0" indent="0" algn="l" defTabSz="2438337" rtl="0" latinLnBrk="0">
         <a:lnSpc>
           <a:spcPct val="80000"/>
         </a:lnSpc>
@@ -3247,13 +3345,13 @@
             <a:srgbClr val="FFFFFF"/>
           </a:solidFill>
           <a:uFillTx/>
-          <a:latin typeface="+mn-lt"/>
-          <a:ea typeface="+mn-ea"/>
-          <a:cs typeface="+mn-cs"/>
+          <a:latin typeface="+mj-lt"/>
+          <a:ea typeface="+mj-ea"/>
+          <a:cs typeface="+mj-cs"/>
           <a:sym typeface="Helvetica Neue"/>
         </a:defRPr>
       </a:lvl6pPr>
-      <a:lvl7pPr marL="0" marR="0" indent="2743200" algn="l" defTabSz="2438338" rtl="0" latinLnBrk="0">
+      <a:lvl7pPr marL="0" marR="0" indent="0" algn="l" defTabSz="2438337" rtl="0" latinLnBrk="0">
         <a:lnSpc>
           <a:spcPct val="80000"/>
         </a:lnSpc>
@@ -3273,13 +3371,13 @@
             <a:srgbClr val="FFFFFF"/>
           </a:solidFill>
           <a:uFillTx/>
-          <a:latin typeface="+mn-lt"/>
-          <a:ea typeface="+mn-ea"/>
-          <a:cs typeface="+mn-cs"/>
+          <a:latin typeface="+mj-lt"/>
+          <a:ea typeface="+mj-ea"/>
+          <a:cs typeface="+mj-cs"/>
           <a:sym typeface="Helvetica Neue"/>
         </a:defRPr>
       </a:lvl7pPr>
-      <a:lvl8pPr marL="0" marR="0" indent="3200400" algn="l" defTabSz="2438338" rtl="0" latinLnBrk="0">
+      <a:lvl8pPr marL="0" marR="0" indent="0" algn="l" defTabSz="2438337" rtl="0" latinLnBrk="0">
         <a:lnSpc>
           <a:spcPct val="80000"/>
         </a:lnSpc>
@@ -3299,13 +3397,13 @@
             <a:srgbClr val="FFFFFF"/>
           </a:solidFill>
           <a:uFillTx/>
-          <a:latin typeface="+mn-lt"/>
-          <a:ea typeface="+mn-ea"/>
-          <a:cs typeface="+mn-cs"/>
+          <a:latin typeface="+mj-lt"/>
+          <a:ea typeface="+mj-ea"/>
+          <a:cs typeface="+mj-cs"/>
           <a:sym typeface="Helvetica Neue"/>
         </a:defRPr>
       </a:lvl8pPr>
-      <a:lvl9pPr marL="0" marR="0" indent="3657600" algn="l" defTabSz="2438338" rtl="0" latinLnBrk="0">
+      <a:lvl9pPr marL="0" marR="0" indent="0" algn="l" defTabSz="2438337" rtl="0" latinLnBrk="0">
         <a:lnSpc>
           <a:spcPct val="80000"/>
         </a:lnSpc>
@@ -3325,15 +3423,15 @@
             <a:srgbClr val="FFFFFF"/>
           </a:solidFill>
           <a:uFillTx/>
-          <a:latin typeface="+mn-lt"/>
-          <a:ea typeface="+mn-ea"/>
-          <a:cs typeface="+mn-cs"/>
+          <a:latin typeface="+mj-lt"/>
+          <a:ea typeface="+mj-ea"/>
+          <a:cs typeface="+mj-cs"/>
           <a:sym typeface="Helvetica Neue"/>
         </a:defRPr>
       </a:lvl9pPr>
     </p:titleStyle>
     <p:bodyStyle>
-      <a:lvl1pPr marL="609600" marR="0" indent="-609600" algn="l" defTabSz="2438338" rtl="0" latinLnBrk="0">
+      <a:lvl1pPr marL="609600" marR="0" indent="-609600" algn="l" defTabSz="2438337" rtl="0" latinLnBrk="0">
         <a:lnSpc>
           <a:spcPct val="90000"/>
         </a:lnSpc>
@@ -3353,13 +3451,13 @@
             <a:srgbClr val="FFFFFF"/>
           </a:solidFill>
           <a:uFillTx/>
-          <a:latin typeface="+mn-lt"/>
-          <a:ea typeface="+mn-ea"/>
-          <a:cs typeface="+mn-cs"/>
+          <a:latin typeface="+mj-lt"/>
+          <a:ea typeface="+mj-ea"/>
+          <a:cs typeface="+mj-cs"/>
           <a:sym typeface="Helvetica Neue"/>
         </a:defRPr>
       </a:lvl1pPr>
-      <a:lvl2pPr marL="1219200" marR="0" indent="-609600" algn="l" defTabSz="2438338" rtl="0" latinLnBrk="0">
+      <a:lvl2pPr marL="1219200" marR="0" indent="-609600" algn="l" defTabSz="2438337" rtl="0" latinLnBrk="0">
         <a:lnSpc>
           <a:spcPct val="90000"/>
         </a:lnSpc>
@@ -3379,13 +3477,13 @@
             <a:srgbClr val="FFFFFF"/>
           </a:solidFill>
           <a:uFillTx/>
-          <a:latin typeface="+mn-lt"/>
-          <a:ea typeface="+mn-ea"/>
-          <a:cs typeface="+mn-cs"/>
+          <a:latin typeface="+mj-lt"/>
+          <a:ea typeface="+mj-ea"/>
+          <a:cs typeface="+mj-cs"/>
           <a:sym typeface="Helvetica Neue"/>
         </a:defRPr>
       </a:lvl2pPr>
-      <a:lvl3pPr marL="1828800" marR="0" indent="-609600" algn="l" defTabSz="2438338" rtl="0" latinLnBrk="0">
+      <a:lvl3pPr marL="1828800" marR="0" indent="-609600" algn="l" defTabSz="2438337" rtl="0" latinLnBrk="0">
         <a:lnSpc>
           <a:spcPct val="90000"/>
         </a:lnSpc>
@@ -3405,13 +3503,13 @@
             <a:srgbClr val="FFFFFF"/>
           </a:solidFill>
           <a:uFillTx/>
-          <a:latin typeface="+mn-lt"/>
-          <a:ea typeface="+mn-ea"/>
-          <a:cs typeface="+mn-cs"/>
+          <a:latin typeface="+mj-lt"/>
+          <a:ea typeface="+mj-ea"/>
+          <a:cs typeface="+mj-cs"/>
           <a:sym typeface="Helvetica Neue"/>
         </a:defRPr>
       </a:lvl3pPr>
-      <a:lvl4pPr marL="2438400" marR="0" indent="-609600" algn="l" defTabSz="2438338" rtl="0" latinLnBrk="0">
+      <a:lvl4pPr marL="2438400" marR="0" indent="-609600" algn="l" defTabSz="2438337" rtl="0" latinLnBrk="0">
         <a:lnSpc>
           <a:spcPct val="90000"/>
         </a:lnSpc>
@@ -3431,13 +3529,13 @@
             <a:srgbClr val="FFFFFF"/>
           </a:solidFill>
           <a:uFillTx/>
-          <a:latin typeface="+mn-lt"/>
-          <a:ea typeface="+mn-ea"/>
-          <a:cs typeface="+mn-cs"/>
+          <a:latin typeface="+mj-lt"/>
+          <a:ea typeface="+mj-ea"/>
+          <a:cs typeface="+mj-cs"/>
           <a:sym typeface="Helvetica Neue"/>
         </a:defRPr>
       </a:lvl4pPr>
-      <a:lvl5pPr marL="3048000" marR="0" indent="-609600" algn="l" defTabSz="2438338" rtl="0" latinLnBrk="0">
+      <a:lvl5pPr marL="3048000" marR="0" indent="-609600" algn="l" defTabSz="2438337" rtl="0" latinLnBrk="0">
         <a:lnSpc>
           <a:spcPct val="90000"/>
         </a:lnSpc>
@@ -3457,13 +3555,13 @@
             <a:srgbClr val="FFFFFF"/>
           </a:solidFill>
           <a:uFillTx/>
-          <a:latin typeface="+mn-lt"/>
-          <a:ea typeface="+mn-ea"/>
-          <a:cs typeface="+mn-cs"/>
+          <a:latin typeface="+mj-lt"/>
+          <a:ea typeface="+mj-ea"/>
+          <a:cs typeface="+mj-cs"/>
           <a:sym typeface="Helvetica Neue"/>
         </a:defRPr>
       </a:lvl5pPr>
-      <a:lvl6pPr marL="3657600" marR="0" indent="-609600" algn="l" defTabSz="2438338" rtl="0" latinLnBrk="0">
+      <a:lvl6pPr marL="3657600" marR="0" indent="-609600" algn="l" defTabSz="2438337" rtl="0" latinLnBrk="0">
         <a:lnSpc>
           <a:spcPct val="90000"/>
         </a:lnSpc>
@@ -3483,13 +3581,13 @@
             <a:srgbClr val="FFFFFF"/>
           </a:solidFill>
           <a:uFillTx/>
-          <a:latin typeface="+mn-lt"/>
-          <a:ea typeface="+mn-ea"/>
-          <a:cs typeface="+mn-cs"/>
+          <a:latin typeface="+mj-lt"/>
+          <a:ea typeface="+mj-ea"/>
+          <a:cs typeface="+mj-cs"/>
           <a:sym typeface="Helvetica Neue"/>
         </a:defRPr>
       </a:lvl6pPr>
-      <a:lvl7pPr marL="4267200" marR="0" indent="-609600" algn="l" defTabSz="2438338" rtl="0" latinLnBrk="0">
+      <a:lvl7pPr marL="4267200" marR="0" indent="-609600" algn="l" defTabSz="2438337" rtl="0" latinLnBrk="0">
         <a:lnSpc>
           <a:spcPct val="90000"/>
         </a:lnSpc>
@@ -3509,13 +3607,13 @@
             <a:srgbClr val="FFFFFF"/>
           </a:solidFill>
           <a:uFillTx/>
-          <a:latin typeface="+mn-lt"/>
-          <a:ea typeface="+mn-ea"/>
-          <a:cs typeface="+mn-cs"/>
+          <a:latin typeface="+mj-lt"/>
+          <a:ea typeface="+mj-ea"/>
+          <a:cs typeface="+mj-cs"/>
           <a:sym typeface="Helvetica Neue"/>
         </a:defRPr>
       </a:lvl7pPr>
-      <a:lvl8pPr marL="4876800" marR="0" indent="-609600" algn="l" defTabSz="2438338" rtl="0" latinLnBrk="0">
+      <a:lvl8pPr marL="4876800" marR="0" indent="-609600" algn="l" defTabSz="2438337" rtl="0" latinLnBrk="0">
         <a:lnSpc>
           <a:spcPct val="90000"/>
         </a:lnSpc>
@@ -3535,13 +3633,13 @@
             <a:srgbClr val="FFFFFF"/>
           </a:solidFill>
           <a:uFillTx/>
-          <a:latin typeface="+mn-lt"/>
-          <a:ea typeface="+mn-ea"/>
-          <a:cs typeface="+mn-cs"/>
+          <a:latin typeface="+mj-lt"/>
+          <a:ea typeface="+mj-ea"/>
+          <a:cs typeface="+mj-cs"/>
           <a:sym typeface="Helvetica Neue"/>
         </a:defRPr>
       </a:lvl8pPr>
-      <a:lvl9pPr marL="5486400" marR="0" indent="-609600" algn="l" defTabSz="2438338" rtl="0" latinLnBrk="0">
+      <a:lvl9pPr marL="5486400" marR="0" indent="-609600" algn="l" defTabSz="2438337" rtl="0" latinLnBrk="0">
         <a:lnSpc>
           <a:spcPct val="90000"/>
         </a:lnSpc>
@@ -3561,9 +3659,9 @@
             <a:srgbClr val="FFFFFF"/>
           </a:solidFill>
           <a:uFillTx/>
-          <a:latin typeface="+mn-lt"/>
-          <a:ea typeface="+mn-ea"/>
-          <a:cs typeface="+mn-cs"/>
+          <a:latin typeface="+mj-lt"/>
+          <a:ea typeface="+mj-ea"/>
+          <a:cs typeface="+mj-cs"/>
           <a:sym typeface="Helvetica Neue"/>
         </a:defRPr>
       </a:lvl9pPr>
@@ -3595,7 +3693,7 @@
           <a:sym typeface="Helvetica Neue"/>
         </a:defRPr>
       </a:lvl1pPr>
-      <a:lvl2pPr marL="0" marR="0" indent="457200" algn="ctr" defTabSz="584200" rtl="0" latinLnBrk="0">
+      <a:lvl2pPr marL="0" marR="0" indent="0" algn="ctr" defTabSz="584200" rtl="0" latinLnBrk="0">
         <a:lnSpc>
           <a:spcPct val="100000"/>
         </a:lnSpc>
@@ -3621,7 +3719,7 @@
           <a:sym typeface="Helvetica Neue"/>
         </a:defRPr>
       </a:lvl2pPr>
-      <a:lvl3pPr marL="0" marR="0" indent="914400" algn="ctr" defTabSz="584200" rtl="0" latinLnBrk="0">
+      <a:lvl3pPr marL="0" marR="0" indent="0" algn="ctr" defTabSz="584200" rtl="0" latinLnBrk="0">
         <a:lnSpc>
           <a:spcPct val="100000"/>
         </a:lnSpc>
@@ -3647,7 +3745,7 @@
           <a:sym typeface="Helvetica Neue"/>
         </a:defRPr>
       </a:lvl3pPr>
-      <a:lvl4pPr marL="0" marR="0" indent="1371600" algn="ctr" defTabSz="584200" rtl="0" latinLnBrk="0">
+      <a:lvl4pPr marL="0" marR="0" indent="0" algn="ctr" defTabSz="584200" rtl="0" latinLnBrk="0">
         <a:lnSpc>
           <a:spcPct val="100000"/>
         </a:lnSpc>
@@ -3673,7 +3771,7 @@
           <a:sym typeface="Helvetica Neue"/>
         </a:defRPr>
       </a:lvl4pPr>
-      <a:lvl5pPr marL="0" marR="0" indent="1828800" algn="ctr" defTabSz="584200" rtl="0" latinLnBrk="0">
+      <a:lvl5pPr marL="0" marR="0" indent="0" algn="ctr" defTabSz="584200" rtl="0" latinLnBrk="0">
         <a:lnSpc>
           <a:spcPct val="100000"/>
         </a:lnSpc>
@@ -3699,7 +3797,7 @@
           <a:sym typeface="Helvetica Neue"/>
         </a:defRPr>
       </a:lvl5pPr>
-      <a:lvl6pPr marL="0" marR="0" indent="2286000" algn="ctr" defTabSz="584200" rtl="0" latinLnBrk="0">
+      <a:lvl6pPr marL="0" marR="0" indent="0" algn="ctr" defTabSz="584200" rtl="0" latinLnBrk="0">
         <a:lnSpc>
           <a:spcPct val="100000"/>
         </a:lnSpc>
@@ -3725,7 +3823,7 @@
           <a:sym typeface="Helvetica Neue"/>
         </a:defRPr>
       </a:lvl6pPr>
-      <a:lvl7pPr marL="0" marR="0" indent="2743200" algn="ctr" defTabSz="584200" rtl="0" latinLnBrk="0">
+      <a:lvl7pPr marL="0" marR="0" indent="0" algn="ctr" defTabSz="584200" rtl="0" latinLnBrk="0">
         <a:lnSpc>
           <a:spcPct val="100000"/>
         </a:lnSpc>
@@ -3751,7 +3849,7 @@
           <a:sym typeface="Helvetica Neue"/>
         </a:defRPr>
       </a:lvl7pPr>
-      <a:lvl8pPr marL="0" marR="0" indent="3200400" algn="ctr" defTabSz="584200" rtl="0" latinLnBrk="0">
+      <a:lvl8pPr marL="0" marR="0" indent="0" algn="ctr" defTabSz="584200" rtl="0" latinLnBrk="0">
         <a:lnSpc>
           <a:spcPct val="100000"/>
         </a:lnSpc>
@@ -3777,7 +3875,7 @@
           <a:sym typeface="Helvetica Neue"/>
         </a:defRPr>
       </a:lvl8pPr>
-      <a:lvl9pPr marL="0" marR="0" indent="3657600" algn="ctr" defTabSz="584200" rtl="0" latinLnBrk="0">
+      <a:lvl9pPr marL="0" marR="0" indent="0" algn="ctr" defTabSz="584200" rtl="0" latinLnBrk="0">
         <a:lnSpc>
           <a:spcPct val="100000"/>
         </a:lnSpc>
@@ -3830,18 +3928,17 @@
           <p:cNvPr id="151" name="2022.11.30"/>
           <p:cNvSpPr txBox="1"/>
           <p:nvPr>
-            <p:ph type="body" idx="21"/>
+            <p:ph type="body" sz="quarter" idx="1"/>
           </p:nvPr>
         </p:nvSpPr>
         <p:spPr>
+          <a:xfrm>
+            <a:off x="1206499" y="11839047"/>
+            <a:ext cx="21971002" cy="636980"/>
+          </a:xfrm>
           <a:prstGeom prst="rect">
             <a:avLst/>
           </a:prstGeom>
-          <a:extLst>
-            <a:ext uri="{C572A759-6A51-4108-AA02-DFA0A04FC94B}">
-              <ma14:wrappingTextBoxFlag xmlns:ma14="http://schemas.microsoft.com/office/mac/drawingml/2011/main" val="1"/>
-            </a:ext>
-          </a:extLst>
         </p:spPr>
         <p:txBody>
           <a:bodyPr/>
@@ -3863,37 +3960,13 @@
           <p:cNvPr id="152" name="Galactic Grease Monkey"/>
           <p:cNvSpPr txBox="1"/>
           <p:nvPr>
-            <p:ph type="ctrTitle"/>
-          </p:nvPr>
-        </p:nvSpPr>
-        <p:spPr>
-          <a:prstGeom prst="rect">
-            <a:avLst/>
-          </a:prstGeom>
-        </p:spPr>
-        <p:txBody>
-          <a:bodyPr/>
-          <a:lstStyle/>
-          <a:p>
-            <a:pPr/>
-            <a:r>
-              <a:t>Galactic Grease Monkey</a:t>
-            </a:r>
-          </a:p>
-        </p:txBody>
-      </p:sp>
-      <p:sp>
-        <p:nvSpPr>
-          <p:cNvPr id="153" name="Group 1…"/>
-          <p:cNvSpPr txBox="1"/>
-          <p:nvPr>
-            <p:ph type="subTitle" sz="half" idx="1"/>
+            <p:ph type="title"/>
           </p:nvPr>
         </p:nvSpPr>
         <p:spPr>
           <a:xfrm>
-            <a:off x="1206500" y="7196865"/>
-            <a:ext cx="21971000" cy="3261055"/>
+            <a:off x="1206495" y="2574990"/>
+            <a:ext cx="21971006" cy="4648203"/>
           </a:xfrm>
           <a:prstGeom prst="rect">
             <a:avLst/>
@@ -3901,42 +3974,102 @@
         </p:spPr>
         <p:txBody>
           <a:bodyPr/>
+          <a:lstStyle>
+            <a:lvl1pPr>
+              <a:defRPr spc="-300"/>
+            </a:lvl1pPr>
+          </a:lstStyle>
+          <a:p>
+            <a:pPr/>
+            <a:r>
+              <a:t>Galactic Grease Monkey</a:t>
+            </a:r>
+          </a:p>
+        </p:txBody>
+      </p:sp>
+      <p:sp>
+        <p:nvSpPr>
+          <p:cNvPr id="153" name="Group 1…"/>
+          <p:cNvSpPr txBox="1"/>
+          <p:nvPr/>
+        </p:nvSpPr>
+        <p:spPr>
+          <a:xfrm>
+            <a:off x="1059608" y="7441684"/>
+            <a:ext cx="21971001" cy="3264672"/>
+          </a:xfrm>
+          <a:prstGeom prst="rect">
+            <a:avLst/>
+          </a:prstGeom>
+          <a:ln w="12700">
+            <a:miter lim="400000"/>
+          </a:ln>
+          <a:extLst>
+            <a:ext uri="{C572A759-6A51-4108-AA02-DFA0A04FC94B}">
+              <ma14:wrappingTextBoxFlag xmlns:ma14="http://schemas.microsoft.com/office/mac/drawingml/2011/main" val="1"/>
+            </a:ext>
+          </a:extLst>
+        </p:spPr>
+        <p:txBody>
+          <a:bodyPr lIns="50800" tIns="50800" rIns="50800" bIns="50800">
+            <a:normAutofit fontScale="100000" lnSpcReduction="0"/>
+          </a:bodyPr>
           <a:lstStyle/>
           <a:p>
-            <a:pPr defTabSz="594360">
-              <a:defRPr sz="4104"/>
+            <a:pPr algn="l" defTabSz="594359">
+              <a:defRPr b="1" sz="4100">
+                <a:solidFill>
+                  <a:srgbClr val="FFFFFF"/>
+                </a:solidFill>
+              </a:defRPr>
             </a:pPr>
             <a:r>
               <a:t>Group 1</a:t>
             </a:r>
           </a:p>
           <a:p>
-            <a:pPr defTabSz="594360">
-              <a:defRPr sz="4104"/>
+            <a:pPr algn="l" defTabSz="594359">
+              <a:defRPr b="1" sz="4100">
+                <a:solidFill>
+                  <a:srgbClr val="FFFFFF"/>
+                </a:solidFill>
+              </a:defRPr>
             </a:pPr>
             <a:r>
-              <a:t>Jason Grill</a:t>
-            </a:r>
-          </a:p>
-          <a:p>
-            <a:pPr defTabSz="594360">
-              <a:defRPr sz="4104"/>
+              <a:t>Jason Gill</a:t>
+            </a:r>
+          </a:p>
+          <a:p>
+            <a:pPr algn="l" defTabSz="594359">
+              <a:defRPr b="1" sz="4100">
+                <a:solidFill>
+                  <a:srgbClr val="FFFFFF"/>
+                </a:solidFill>
+              </a:defRPr>
             </a:pPr>
             <a:r>
               <a:t>Ryan Taban</a:t>
             </a:r>
           </a:p>
           <a:p>
-            <a:pPr defTabSz="594360">
-              <a:defRPr sz="4104"/>
+            <a:pPr algn="l" defTabSz="594359">
+              <a:defRPr b="1" sz="4100">
+                <a:solidFill>
+                  <a:srgbClr val="FFFFFF"/>
+                </a:solidFill>
+              </a:defRPr>
             </a:pPr>
             <a:r>
               <a:t>Zihao Xie</a:t>
             </a:r>
           </a:p>
           <a:p>
-            <a:pPr defTabSz="594360">
-              <a:defRPr sz="4104"/>
+            <a:pPr algn="l" defTabSz="594359">
+              <a:defRPr b="1" sz="4100">
+                <a:solidFill>
+                  <a:srgbClr val="FFFFFF"/>
+                </a:solidFill>
+              </a:defRPr>
             </a:pPr>
             <a:r>
               <a:t>Luan Nguyen</a:t>
@@ -3972,20 +4105,28 @@
       </p:grpSpPr>
       <p:sp>
         <p:nvSpPr>
-          <p:cNvPr id="190" name="Challenges"/>
+          <p:cNvPr id="177" name="Challenges"/>
           <p:cNvSpPr txBox="1"/>
           <p:nvPr>
             <p:ph type="title"/>
           </p:nvPr>
         </p:nvSpPr>
         <p:spPr>
+          <a:xfrm>
+            <a:off x="1206500" y="952499"/>
+            <a:ext cx="21971000" cy="1433165"/>
+          </a:xfrm>
           <a:prstGeom prst="rect">
             <a:avLst/>
           </a:prstGeom>
         </p:spPr>
         <p:txBody>
           <a:bodyPr/>
-          <a:lstStyle/>
+          <a:lstStyle>
+            <a:lvl1pPr>
+              <a:defRPr spc="-200"/>
+            </a:lvl1pPr>
+          </a:lstStyle>
           <a:p>
             <a:pPr/>
             <a:r>
@@ -3996,7 +4137,39 @@
       </p:sp>
       <p:sp>
         <p:nvSpPr>
-          <p:cNvPr id="191" name="Implementation and Cooperation"/>
+          <p:cNvPr id="178" name="Implementation and Cooperation"/>
+          <p:cNvSpPr txBox="1"/>
+          <p:nvPr>
+            <p:ph type="body" sz="quarter" idx="1"/>
+          </p:nvPr>
+        </p:nvSpPr>
+        <p:spPr>
+          <a:xfrm>
+            <a:off x="1206500" y="2245961"/>
+            <a:ext cx="21971000" cy="934780"/>
+          </a:xfrm>
+          <a:prstGeom prst="rect">
+            <a:avLst/>
+          </a:prstGeom>
+        </p:spPr>
+        <p:txBody>
+          <a:bodyPr/>
+          <a:lstStyle>
+            <a:lvl1pPr defTabSz="825500">
+              <a:defRPr sz="5500"/>
+            </a:lvl1pPr>
+          </a:lstStyle>
+          <a:p>
+            <a:pPr/>
+            <a:r>
+              <a:t>General and Technical</a:t>
+            </a:r>
+          </a:p>
+        </p:txBody>
+      </p:sp>
+      <p:sp>
+        <p:nvSpPr>
+          <p:cNvPr id="179" name="Cooperation:…"/>
           <p:cNvSpPr txBox="1"/>
           <p:nvPr>
             <p:ph type="body" idx="21"/>
@@ -4014,34 +4187,6 @@
         </p:spPr>
         <p:txBody>
           <a:bodyPr/>
-          <a:lstStyle>
-            <a:lvl1pPr defTabSz="825500">
-              <a:defRPr sz="5500"/>
-            </a:lvl1pPr>
-          </a:lstStyle>
-          <a:p>
-            <a:pPr/>
-            <a:r>
-              <a:t>Implementation and Cooperation</a:t>
-            </a:r>
-          </a:p>
-        </p:txBody>
-      </p:sp>
-      <p:sp>
-        <p:nvSpPr>
-          <p:cNvPr id="192" name="Cooperation:…"/>
-          <p:cNvSpPr txBox="1"/>
-          <p:nvPr>
-            <p:ph type="body" idx="1"/>
-          </p:nvPr>
-        </p:nvSpPr>
-        <p:spPr>
-          <a:prstGeom prst="rect">
-            <a:avLst/>
-          </a:prstGeom>
-        </p:spPr>
-        <p:txBody>
-          <a:bodyPr/>
           <a:lstStyle/>
           <a:p>
             <a:pPr marL="0" indent="0">
@@ -4049,7 +4194,7 @@
               <a:buNone/>
             </a:pPr>
             <a:r>
-              <a:t>Cooperation:</a:t>
+              <a:t>General:</a:t>
             </a:r>
           </a:p>
           <a:p>
@@ -4063,12 +4208,6 @@
             <a:pPr/>
             <a:r>
               <a:t>lack of experience in game development</a:t>
-            </a:r>
-          </a:p>
-          <a:p>
-            <a:pPr/>
-            <a:r>
-              <a:t>Self learning</a:t>
             </a:r>
           </a:p>
           <a:p>
@@ -4077,19 +4216,13 @@
               <a:buNone/>
             </a:pPr>
             <a:r>
-              <a:t>Implementation:</a:t>
+              <a:t>Technical:</a:t>
             </a:r>
           </a:p>
           <a:p>
             <a:pPr/>
             <a:r>
               <a:t>Fixing buggy collision detection</a:t>
-            </a:r>
-          </a:p>
-          <a:p>
-            <a:pPr/>
-            <a:r>
-              <a:t>AI implantation</a:t>
             </a:r>
           </a:p>
         </p:txBody>
@@ -4122,20 +4255,28 @@
       </p:grpSpPr>
       <p:sp>
         <p:nvSpPr>
-          <p:cNvPr id="194" name="Lessons learned"/>
+          <p:cNvPr id="181" name="Lessons learned"/>
           <p:cNvSpPr txBox="1"/>
           <p:nvPr>
             <p:ph type="title"/>
           </p:nvPr>
         </p:nvSpPr>
         <p:spPr>
+          <a:xfrm>
+            <a:off x="1206500" y="952499"/>
+            <a:ext cx="21971000" cy="1433165"/>
+          </a:xfrm>
           <a:prstGeom prst="rect">
             <a:avLst/>
           </a:prstGeom>
         </p:spPr>
         <p:txBody>
           <a:bodyPr/>
-          <a:lstStyle/>
+          <a:lstStyle>
+            <a:lvl1pPr>
+              <a:defRPr spc="-200"/>
+            </a:lvl1pPr>
+          </a:lstStyle>
           <a:p>
             <a:pPr/>
             <a:r>
@@ -4146,63 +4287,45 @@
       </p:sp>
       <p:sp>
         <p:nvSpPr>
-          <p:cNvPr id="195" name="幻灯片副标题"/>
+          <p:cNvPr id="182" name="Improvements and Changes to our Code…"/>
           <p:cNvSpPr txBox="1"/>
           <p:nvPr>
             <p:ph type="body" idx="21"/>
           </p:nvPr>
         </p:nvSpPr>
         <p:spPr>
+          <a:xfrm>
+            <a:off x="1206499" y="4852391"/>
+            <a:ext cx="21971001" cy="8256013"/>
+          </a:xfrm>
           <a:prstGeom prst="rect">
             <a:avLst/>
           </a:prstGeom>
+          <a:extLst>
+            <a:ext uri="{C572A759-6A51-4108-AA02-DFA0A04FC94B}">
+              <ma14:wrappingTextBoxFlag xmlns:ma14="http://schemas.microsoft.com/office/mac/drawingml/2011/main" val="1"/>
+            </a:ext>
+          </a:extLst>
         </p:spPr>
         <p:txBody>
           <a:bodyPr/>
           <a:lstStyle/>
           <a:p>
             <a:pPr/>
-          </a:p>
-        </p:txBody>
-      </p:sp>
-      <p:sp>
-        <p:nvSpPr>
-          <p:cNvPr id="196" name="Improvements and Changes to our Code…"/>
-          <p:cNvSpPr txBox="1"/>
-          <p:nvPr>
-            <p:ph type="body" idx="1"/>
-          </p:nvPr>
-        </p:nvSpPr>
-        <p:spPr>
-          <a:prstGeom prst="rect">
-            <a:avLst/>
-          </a:prstGeom>
-        </p:spPr>
-        <p:txBody>
-          <a:bodyPr/>
-          <a:lstStyle/>
-          <a:p>
-            <a:pPr/>
-            <a:r>
-              <a:t>Improvements and Changes to our Code</a:t>
-            </a:r>
-          </a:p>
-          <a:p>
-            <a:pPr/>
-            <a:r>
-              <a:t>Bugs That we Fixed</a:t>
-            </a:r>
-          </a:p>
-          <a:p>
-            <a:pPr/>
-            <a:r>
-              <a:t>Self learning</a:t>
-            </a:r>
-          </a:p>
-          <a:p>
-            <a:pPr/>
-            <a:r>
-              <a:t>Cooperation</a:t>
+            <a:r>
+              <a:t>Formatting our code</a:t>
+            </a:r>
+          </a:p>
+          <a:p>
+            <a:pPr/>
+            <a:r>
+              <a:t>How to work in a group environment</a:t>
+            </a:r>
+          </a:p>
+          <a:p>
+            <a:pPr/>
+            <a:r>
+              <a:t>How to design a project from the ground (E.g. UML diagrams, hierarchies, etc)</a:t>
             </a:r>
           </a:p>
         </p:txBody>
@@ -4219,17 +4342,6 @@
 <file path=ppt/slides/slide12.xml><?xml version="1.0" encoding="utf-8"?>
 <p:sld xmlns:a="http://schemas.openxmlformats.org/drawingml/2006/main" xmlns:r="http://schemas.openxmlformats.org/officeDocument/2006/relationships" xmlns:p="http://schemas.openxmlformats.org/presentationml/2006/main" xmlns:m="http://schemas.openxmlformats.org/officeDocument/2006/math" xmlns:a14="http://schemas.microsoft.com/office/drawing/2010/main" showMasterSp="1" showMasterPhAnim="1">
   <p:cSld>
-    <p:bg>
-      <p:bgPr>
-        <a:blipFill rotWithShape="1">
-          <a:blip r:embed="rId2"/>
-          <a:srcRect l="0" t="0" r="0" b="0"/>
-          <a:stretch>
-            <a:fillRect/>
-          </a:stretch>
-        </a:blipFill>
-      </p:bgPr>
-    </p:bg>
     <p:spTree>
       <p:nvGrpSpPr>
         <p:cNvPr id="1" name=""/>
@@ -4246,7 +4358,7 @@
       </p:grpSpPr>
       <p:sp>
         <p:nvSpPr>
-          <p:cNvPr id="198" name="Thank you"/>
+          <p:cNvPr id="184" name="DEMO"/>
           <p:cNvSpPr txBox="1"/>
           <p:nvPr>
             <p:ph type="title"/>
@@ -4254,66 +4366,8 @@
         </p:nvSpPr>
         <p:spPr>
           <a:xfrm>
-            <a:off x="1206500" y="6141418"/>
-            <a:ext cx="21971000" cy="1433164"/>
-          </a:xfrm>
-          <a:prstGeom prst="rect">
-            <a:avLst/>
-          </a:prstGeom>
-        </p:spPr>
-        <p:txBody>
-          <a:bodyPr/>
-          <a:lstStyle>
-            <a:lvl1pPr defTabSz="1560536">
-              <a:defRPr b="0" spc="-148" sz="7424">
-                <a:latin typeface="Wawati TC Regular"/>
-                <a:ea typeface="Wawati TC Regular"/>
-                <a:cs typeface="Wawati TC Regular"/>
-                <a:sym typeface="Wawati TC Regular"/>
-              </a:defRPr>
-            </a:lvl1pPr>
-          </a:lstStyle>
-          <a:p>
-            <a:pPr/>
-            <a:r>
-              <a:t>Thank you</a:t>
-            </a:r>
-          </a:p>
-        </p:txBody>
-      </p:sp>
-      <p:sp>
-        <p:nvSpPr>
-          <p:cNvPr id="199" name="幻灯片副标题"/>
-          <p:cNvSpPr txBox="1"/>
-          <p:nvPr>
-            <p:ph type="body" idx="21"/>
-          </p:nvPr>
-        </p:nvSpPr>
-        <p:spPr>
-          <a:prstGeom prst="rect">
-            <a:avLst/>
-          </a:prstGeom>
-        </p:spPr>
-        <p:txBody>
-          <a:bodyPr/>
-          <a:lstStyle/>
-          <a:p>
-            <a:pPr/>
-          </a:p>
-        </p:txBody>
-      </p:sp>
-      <p:sp>
-        <p:nvSpPr>
-          <p:cNvPr id="200" name="幻灯片项目符号文本"/>
-          <p:cNvSpPr txBox="1"/>
-          <p:nvPr>
-            <p:ph type="body" idx="1"/>
-          </p:nvPr>
-        </p:nvSpPr>
-        <p:spPr>
-          <a:xfrm>
-            <a:off x="1206500" y="9764546"/>
-            <a:ext cx="21971000" cy="8256012"/>
+            <a:off x="10166885" y="6141418"/>
+            <a:ext cx="21971001" cy="1433164"/>
           </a:xfrm>
           <a:prstGeom prst="rect">
             <a:avLst/>
@@ -4324,6 +4378,9 @@
           <a:lstStyle/>
           <a:p>
             <a:pPr/>
+            <a:r>
+              <a:t>DEMO</a:t>
+            </a:r>
           </a:p>
         </p:txBody>
       </p:sp>
@@ -4372,7 +4429,11 @@
         </p:spPr>
         <p:txBody>
           <a:bodyPr/>
-          <a:lstStyle/>
+          <a:lstStyle>
+            <a:lvl1pPr>
+              <a:defRPr spc="-200"/>
+            </a:lvl1pPr>
+          </a:lstStyle>
           <a:p>
             <a:pPr/>
             <a:r>
@@ -4386,10 +4447,14 @@
           <p:cNvPr id="156" name="幻灯片副标题"/>
           <p:cNvSpPr txBox="1"/>
           <p:nvPr>
-            <p:ph type="body" idx="21"/>
+            <p:ph type="body" sz="quarter" idx="1"/>
           </p:nvPr>
         </p:nvSpPr>
         <p:spPr>
+          <a:xfrm>
+            <a:off x="1206500" y="2245961"/>
+            <a:ext cx="21971000" cy="934780"/>
+          </a:xfrm>
           <a:prstGeom prst="rect">
             <a:avLst/>
           </a:prstGeom>
@@ -4407,13 +4472,13 @@
           <p:cNvPr id="157" name="幻灯片项目符号文本"/>
           <p:cNvSpPr txBox="1"/>
           <p:nvPr>
-            <p:ph type="body" idx="1"/>
+            <p:ph type="body" idx="21"/>
           </p:nvPr>
         </p:nvSpPr>
         <p:spPr>
           <a:xfrm>
-            <a:off x="1322491" y="4699582"/>
-            <a:ext cx="22034501" cy="8256012"/>
+            <a:off x="1322491" y="4699581"/>
+            <a:ext cx="22034502" cy="8256014"/>
           </a:xfrm>
           <a:prstGeom prst="rect">
             <a:avLst/>
@@ -4436,14 +4501,14 @@
         <p:grpSpPr>
           <a:xfrm>
             <a:off x="1109753" y="2178003"/>
-            <a:ext cx="12306315" cy="11136240"/>
+            <a:ext cx="12306316" cy="11136241"/>
             <a:chOff x="0" y="0"/>
-            <a:chExt cx="12306313" cy="11136238"/>
+            <a:chExt cx="12306315" cy="11136240"/>
           </a:xfrm>
         </p:grpSpPr>
         <p:pic>
           <p:nvPicPr>
-            <p:cNvPr id="159" name="截屏2022-11-28 上午5.34.50.png" descr="截屏2022-11-28 上午5.34.50.png"/>
+            <p:cNvPr id="158" name="截屏2022-11-28 上午5.34.50.png" descr="截屏2022-11-28 上午5.34.50.png"/>
             <p:cNvPicPr>
               <a:picLocks noChangeAspect="1"/>
             </p:cNvPicPr>
@@ -4460,22 +4525,23 @@
           <p:spPr>
             <a:xfrm>
               <a:off x="139700" y="165100"/>
-              <a:ext cx="12026914" cy="10806039"/>
+              <a:ext cx="12026916" cy="10806041"/>
             </a:xfrm>
             <a:prstGeom prst="rect">
               <a:avLst/>
             </a:prstGeom>
-            <a:ln>
+            <a:ln w="12700" cap="flat">
               <a:noFill/>
+              <a:miter lim="400000"/>
             </a:ln>
             <a:effectLst/>
           </p:spPr>
         </p:pic>
         <p:pic>
           <p:nvPicPr>
-            <p:cNvPr id="158" name="截屏2022-11-28 上午5.34.50.png" descr="截屏2022-11-28 上午5.34.50.png"/>
+            <p:cNvPr id="159" name="截屏2022-11-28 上午5.34.50.png" descr="截屏2022-11-28 上午5.34.50.png"/>
             <p:cNvPicPr>
-              <a:picLocks noChangeAspect="0"/>
+              <a:picLocks noChangeAspect="1"/>
             </p:cNvPicPr>
             <p:nvPr/>
           </p:nvPicPr>
@@ -4490,11 +4556,15 @@
           <p:spPr>
             <a:xfrm>
               <a:off x="0" y="0"/>
-              <a:ext cx="12306314" cy="11136239"/>
+              <a:ext cx="12306316" cy="11136241"/>
             </a:xfrm>
             <a:prstGeom prst="rect">
               <a:avLst/>
             </a:prstGeom>
+            <a:ln w="12700" cap="flat">
+              <a:noFill/>
+              <a:miter lim="400000"/>
+            </a:ln>
             <a:effectLst/>
           </p:spPr>
         </p:pic>
@@ -4545,60 +4615,26 @@
           </p:nvPr>
         </p:nvSpPr>
         <p:spPr>
+          <a:xfrm>
+            <a:off x="1206500" y="952499"/>
+            <a:ext cx="21971000" cy="1433165"/>
+          </a:xfrm>
           <a:prstGeom prst="rect">
             <a:avLst/>
           </a:prstGeom>
         </p:spPr>
         <p:txBody>
           <a:bodyPr/>
-          <a:lstStyle/>
+          <a:lstStyle>
+            <a:lvl1pPr>
+              <a:defRPr spc="-200"/>
+            </a:lvl1pPr>
+          </a:lstStyle>
           <a:p>
             <a:pPr/>
             <a:r>
               <a:t>Final UML</a:t>
             </a:r>
-          </a:p>
-        </p:txBody>
-      </p:sp>
-      <p:sp>
-        <p:nvSpPr>
-          <p:cNvPr id="163" name="幻灯片副标题"/>
-          <p:cNvSpPr txBox="1"/>
-          <p:nvPr>
-            <p:ph type="body" idx="21"/>
-          </p:nvPr>
-        </p:nvSpPr>
-        <p:spPr>
-          <a:prstGeom prst="rect">
-            <a:avLst/>
-          </a:prstGeom>
-        </p:spPr>
-        <p:txBody>
-          <a:bodyPr/>
-          <a:lstStyle/>
-          <a:p>
-            <a:pPr/>
-          </a:p>
-        </p:txBody>
-      </p:sp>
-      <p:sp>
-        <p:nvSpPr>
-          <p:cNvPr id="164" name="幻灯片项目符号文本"/>
-          <p:cNvSpPr txBox="1"/>
-          <p:nvPr>
-            <p:ph type="body" idx="1"/>
-          </p:nvPr>
-        </p:nvSpPr>
-        <p:spPr>
-          <a:prstGeom prst="rect">
-            <a:avLst/>
-          </a:prstGeom>
-        </p:spPr>
-        <p:txBody>
-          <a:bodyPr/>
-          <a:lstStyle/>
-          <a:p>
-            <a:pPr/>
           </a:p>
         </p:txBody>
       </p:sp>
@@ -4641,7 +4677,7 @@
       </p:grpSpPr>
       <p:sp>
         <p:nvSpPr>
-          <p:cNvPr id="166" name="Game Design"/>
+          <p:cNvPr id="164" name="Game Design"/>
           <p:cNvSpPr txBox="1"/>
           <p:nvPr>
             <p:ph type="title"/>
@@ -4650,7 +4686,7 @@
         <p:spPr>
           <a:xfrm>
             <a:off x="1206500" y="759180"/>
-            <a:ext cx="21971000" cy="1433164"/>
+            <a:ext cx="21971000" cy="1433165"/>
           </a:xfrm>
           <a:prstGeom prst="rect">
             <a:avLst/>
@@ -4658,54 +4694,16 @@
         </p:spPr>
         <p:txBody>
           <a:bodyPr/>
-          <a:lstStyle/>
+          <a:lstStyle>
+            <a:lvl1pPr>
+              <a:defRPr spc="-200"/>
+            </a:lvl1pPr>
+          </a:lstStyle>
           <a:p>
             <a:pPr/>
             <a:r>
               <a:t>Game Design</a:t>
             </a:r>
-          </a:p>
-        </p:txBody>
-      </p:sp>
-      <p:sp>
-        <p:nvSpPr>
-          <p:cNvPr id="167" name="幻灯片副标题"/>
-          <p:cNvSpPr txBox="1"/>
-          <p:nvPr>
-            <p:ph type="body" idx="21"/>
-          </p:nvPr>
-        </p:nvSpPr>
-        <p:spPr>
-          <a:prstGeom prst="rect">
-            <a:avLst/>
-          </a:prstGeom>
-        </p:spPr>
-        <p:txBody>
-          <a:bodyPr/>
-          <a:lstStyle/>
-          <a:p>
-            <a:pPr/>
-          </a:p>
-        </p:txBody>
-      </p:sp>
-      <p:sp>
-        <p:nvSpPr>
-          <p:cNvPr id="168" name="幻灯片项目符号文本"/>
-          <p:cNvSpPr txBox="1"/>
-          <p:nvPr>
-            <p:ph type="body" idx="1"/>
-          </p:nvPr>
-        </p:nvSpPr>
-        <p:spPr>
-          <a:prstGeom prst="rect">
-            <a:avLst/>
-          </a:prstGeom>
-        </p:spPr>
-        <p:txBody>
-          <a:bodyPr/>
-          <a:lstStyle/>
-          <a:p>
-            <a:pPr/>
           </a:p>
         </p:txBody>
       </p:sp>
@@ -4748,7 +4746,7 @@
       </p:grpSpPr>
       <p:sp>
         <p:nvSpPr>
-          <p:cNvPr id="170" name="Game Design"/>
+          <p:cNvPr id="166" name="Game Design"/>
           <p:cNvSpPr txBox="1"/>
           <p:nvPr>
             <p:ph type="title"/>
@@ -4757,7 +4755,7 @@
         <p:spPr>
           <a:xfrm>
             <a:off x="1206500" y="759180"/>
-            <a:ext cx="21971000" cy="1433164"/>
+            <a:ext cx="21971000" cy="1433165"/>
           </a:xfrm>
           <a:prstGeom prst="rect">
             <a:avLst/>
@@ -4765,54 +4763,16 @@
         </p:spPr>
         <p:txBody>
           <a:bodyPr/>
-          <a:lstStyle/>
+          <a:lstStyle>
+            <a:lvl1pPr>
+              <a:defRPr spc="-200"/>
+            </a:lvl1pPr>
+          </a:lstStyle>
           <a:p>
             <a:pPr/>
             <a:r>
               <a:t>Game Design</a:t>
             </a:r>
-          </a:p>
-        </p:txBody>
-      </p:sp>
-      <p:sp>
-        <p:nvSpPr>
-          <p:cNvPr id="171" name="幻灯片副标题"/>
-          <p:cNvSpPr txBox="1"/>
-          <p:nvPr>
-            <p:ph type="body" idx="21"/>
-          </p:nvPr>
-        </p:nvSpPr>
-        <p:spPr>
-          <a:prstGeom prst="rect">
-            <a:avLst/>
-          </a:prstGeom>
-        </p:spPr>
-        <p:txBody>
-          <a:bodyPr/>
-          <a:lstStyle/>
-          <a:p>
-            <a:pPr/>
-          </a:p>
-        </p:txBody>
-      </p:sp>
-      <p:sp>
-        <p:nvSpPr>
-          <p:cNvPr id="172" name="幻灯片项目符号文本"/>
-          <p:cNvSpPr txBox="1"/>
-          <p:nvPr>
-            <p:ph type="body" idx="1"/>
-          </p:nvPr>
-        </p:nvSpPr>
-        <p:spPr>
-          <a:prstGeom prst="rect">
-            <a:avLst/>
-          </a:prstGeom>
-        </p:spPr>
-        <p:txBody>
-          <a:bodyPr/>
-          <a:lstStyle/>
-          <a:p>
-            <a:pPr/>
           </a:p>
         </p:txBody>
       </p:sp>
@@ -4855,7 +4815,7 @@
       </p:grpSpPr>
       <p:sp>
         <p:nvSpPr>
-          <p:cNvPr id="174" name="Game Design"/>
+          <p:cNvPr id="168" name="Game Design"/>
           <p:cNvSpPr txBox="1"/>
           <p:nvPr>
             <p:ph type="title"/>
@@ -4864,7 +4824,7 @@
         <p:spPr>
           <a:xfrm>
             <a:off x="1206500" y="759180"/>
-            <a:ext cx="21971000" cy="1433164"/>
+            <a:ext cx="21971000" cy="1433165"/>
           </a:xfrm>
           <a:prstGeom prst="rect">
             <a:avLst/>
@@ -4872,54 +4832,16 @@
         </p:spPr>
         <p:txBody>
           <a:bodyPr/>
-          <a:lstStyle/>
+          <a:lstStyle>
+            <a:lvl1pPr>
+              <a:defRPr spc="-200"/>
+            </a:lvl1pPr>
+          </a:lstStyle>
           <a:p>
             <a:pPr/>
             <a:r>
               <a:t>Game Design</a:t>
             </a:r>
-          </a:p>
-        </p:txBody>
-      </p:sp>
-      <p:sp>
-        <p:nvSpPr>
-          <p:cNvPr id="175" name="幻灯片副标题"/>
-          <p:cNvSpPr txBox="1"/>
-          <p:nvPr>
-            <p:ph type="body" idx="21"/>
-          </p:nvPr>
-        </p:nvSpPr>
-        <p:spPr>
-          <a:prstGeom prst="rect">
-            <a:avLst/>
-          </a:prstGeom>
-        </p:spPr>
-        <p:txBody>
-          <a:bodyPr/>
-          <a:lstStyle/>
-          <a:p>
-            <a:pPr/>
-          </a:p>
-        </p:txBody>
-      </p:sp>
-      <p:sp>
-        <p:nvSpPr>
-          <p:cNvPr id="176" name="幻灯片项目符号文本"/>
-          <p:cNvSpPr txBox="1"/>
-          <p:nvPr>
-            <p:ph type="body" idx="1"/>
-          </p:nvPr>
-        </p:nvSpPr>
-        <p:spPr>
-          <a:prstGeom prst="rect">
-            <a:avLst/>
-          </a:prstGeom>
-        </p:spPr>
-        <p:txBody>
-          <a:bodyPr/>
-          <a:lstStyle/>
-          <a:p>
-            <a:pPr/>
           </a:p>
         </p:txBody>
       </p:sp>
@@ -4962,7 +4884,7 @@
       </p:grpSpPr>
       <p:sp>
         <p:nvSpPr>
-          <p:cNvPr id="178" name="Game Design"/>
+          <p:cNvPr id="170" name="Game Design"/>
           <p:cNvSpPr txBox="1"/>
           <p:nvPr>
             <p:ph type="title"/>
@@ -4971,7 +4893,7 @@
         <p:spPr>
           <a:xfrm>
             <a:off x="1206500" y="759180"/>
-            <a:ext cx="21971000" cy="1433164"/>
+            <a:ext cx="21971000" cy="1433165"/>
           </a:xfrm>
           <a:prstGeom prst="rect">
             <a:avLst/>
@@ -4979,54 +4901,16 @@
         </p:spPr>
         <p:txBody>
           <a:bodyPr/>
-          <a:lstStyle/>
+          <a:lstStyle>
+            <a:lvl1pPr>
+              <a:defRPr spc="-200"/>
+            </a:lvl1pPr>
+          </a:lstStyle>
           <a:p>
             <a:pPr/>
             <a:r>
               <a:t>Game Design</a:t>
             </a:r>
-          </a:p>
-        </p:txBody>
-      </p:sp>
-      <p:sp>
-        <p:nvSpPr>
-          <p:cNvPr id="179" name="幻灯片副标题"/>
-          <p:cNvSpPr txBox="1"/>
-          <p:nvPr>
-            <p:ph type="body" idx="21"/>
-          </p:nvPr>
-        </p:nvSpPr>
-        <p:spPr>
-          <a:prstGeom prst="rect">
-            <a:avLst/>
-          </a:prstGeom>
-        </p:spPr>
-        <p:txBody>
-          <a:bodyPr/>
-          <a:lstStyle/>
-          <a:p>
-            <a:pPr/>
-          </a:p>
-        </p:txBody>
-      </p:sp>
-      <p:sp>
-        <p:nvSpPr>
-          <p:cNvPr id="180" name="幻灯片项目符号文本"/>
-          <p:cNvSpPr txBox="1"/>
-          <p:nvPr>
-            <p:ph type="body" idx="1"/>
-          </p:nvPr>
-        </p:nvSpPr>
-        <p:spPr>
-          <a:prstGeom prst="rect">
-            <a:avLst/>
-          </a:prstGeom>
-        </p:spPr>
-        <p:txBody>
-          <a:bodyPr/>
-          <a:lstStyle/>
-          <a:p>
-            <a:pPr/>
           </a:p>
         </p:txBody>
       </p:sp>
@@ -5069,67 +4953,33 @@
       </p:grpSpPr>
       <p:sp>
         <p:nvSpPr>
-          <p:cNvPr id="182" name="implementation and Test"/>
+          <p:cNvPr id="172" name="implementation and Test"/>
           <p:cNvSpPr txBox="1"/>
           <p:nvPr>
             <p:ph type="title"/>
           </p:nvPr>
         </p:nvSpPr>
         <p:spPr>
+          <a:xfrm>
+            <a:off x="1206500" y="952499"/>
+            <a:ext cx="21971000" cy="1433165"/>
+          </a:xfrm>
           <a:prstGeom prst="rect">
             <a:avLst/>
           </a:prstGeom>
         </p:spPr>
         <p:txBody>
           <a:bodyPr/>
-          <a:lstStyle/>
-          <a:p>
-            <a:pPr/>
-            <a:r>
-              <a:t>implementation and Test</a:t>
-            </a:r>
-          </a:p>
-        </p:txBody>
-      </p:sp>
-      <p:sp>
-        <p:nvSpPr>
-          <p:cNvPr id="183" name="幻灯片副标题"/>
-          <p:cNvSpPr txBox="1"/>
-          <p:nvPr>
-            <p:ph type="body" idx="21"/>
-          </p:nvPr>
-        </p:nvSpPr>
-        <p:spPr>
-          <a:prstGeom prst="rect">
-            <a:avLst/>
-          </a:prstGeom>
-        </p:spPr>
-        <p:txBody>
-          <a:bodyPr/>
-          <a:lstStyle/>
-          <a:p>
-            <a:pPr/>
-          </a:p>
-        </p:txBody>
-      </p:sp>
-      <p:sp>
-        <p:nvSpPr>
-          <p:cNvPr id="184" name="幻灯片项目符号文本"/>
-          <p:cNvSpPr txBox="1"/>
-          <p:nvPr>
-            <p:ph type="body" idx="1"/>
-          </p:nvPr>
-        </p:nvSpPr>
-        <p:spPr>
-          <a:prstGeom prst="rect">
-            <a:avLst/>
-          </a:prstGeom>
-        </p:spPr>
-        <p:txBody>
-          <a:bodyPr/>
-          <a:lstStyle/>
-          <a:p>
-            <a:pPr/>
+          <a:lstStyle>
+            <a:lvl1pPr>
+              <a:defRPr spc="-200"/>
+            </a:lvl1pPr>
+          </a:lstStyle>
+          <a:p>
+            <a:pPr/>
+            <a:r>
+              <a:t>Testing Implementation</a:t>
+            </a:r>
           </a:p>
         </p:txBody>
       </p:sp>
@@ -5161,7 +5011,7 @@
       </p:grpSpPr>
       <p:sp>
         <p:nvSpPr>
-          <p:cNvPr id="186" name="Team Management"/>
+          <p:cNvPr id="174" name="Team Management"/>
           <p:cNvSpPr txBox="1"/>
           <p:nvPr>
             <p:ph type="title"/>
@@ -5178,7 +5028,11 @@
         </p:spPr>
         <p:txBody>
           <a:bodyPr/>
-          <a:lstStyle/>
+          <a:lstStyle>
+            <a:lvl1pPr>
+              <a:defRPr spc="-200"/>
+            </a:lvl1pPr>
+          </a:lstStyle>
           <a:p>
             <a:pPr/>
             <a:r>
@@ -5189,52 +5043,34 @@
       </p:sp>
       <p:sp>
         <p:nvSpPr>
-          <p:cNvPr id="187" name="幻灯片副标题"/>
+          <p:cNvPr id="175" name="Get your group's contact info right away…"/>
           <p:cNvSpPr txBox="1"/>
           <p:nvPr>
             <p:ph type="body" idx="21"/>
           </p:nvPr>
         </p:nvSpPr>
         <p:spPr>
+          <a:xfrm>
+            <a:off x="1206500" y="3693579"/>
+            <a:ext cx="21971001" cy="8256014"/>
+          </a:xfrm>
           <a:prstGeom prst="rect">
             <a:avLst/>
           </a:prstGeom>
+          <a:extLst>
+            <a:ext uri="{C572A759-6A51-4108-AA02-DFA0A04FC94B}">
+              <ma14:wrappingTextBoxFlag xmlns:ma14="http://schemas.microsoft.com/office/mac/drawingml/2011/main" val="1"/>
+            </a:ext>
+          </a:extLst>
         </p:spPr>
         <p:txBody>
           <a:bodyPr/>
           <a:lstStyle/>
           <a:p>
-            <a:pPr/>
-          </a:p>
-        </p:txBody>
-      </p:sp>
-      <p:sp>
-        <p:nvSpPr>
-          <p:cNvPr id="188" name="Get your group's contact info right away…"/>
-          <p:cNvSpPr txBox="1"/>
-          <p:nvPr>
-            <p:ph type="body" idx="1"/>
-          </p:nvPr>
-        </p:nvSpPr>
-        <p:spPr>
-          <a:prstGeom prst="rect">
-            <a:avLst/>
-          </a:prstGeom>
-        </p:spPr>
-        <p:txBody>
-          <a:bodyPr/>
-          <a:lstStyle/>
-          <a:p>
-            <a:pPr/>
-            <a:r>
-              <a:t>Get your group's contact info right away</a:t>
-            </a:r>
-          </a:p>
-          <a:p>
-            <a:pPr/>
-            <a:r>
-              <a:t>Stay positive and do the work you’re assigned</a:t>
-            </a:r>
+            <a:pPr marL="0" indent="0">
+              <a:buSzTx/>
+              <a:buNone/>
+            </a:pPr>
           </a:p>
           <a:p>
             <a:pPr/>
@@ -5245,19 +5081,13 @@
           <a:p>
             <a:pPr/>
             <a:r>
-              <a:t>Help each other</a:t>
-            </a:r>
-          </a:p>
-          <a:p>
-            <a:pPr/>
-            <a:r>
               <a:t>Set realistic deadlines and include buffer time</a:t>
             </a:r>
           </a:p>
           <a:p>
             <a:pPr/>
             <a:r>
-              <a:t>Understand different roles and personalities</a:t>
+              <a:t>Having a unified understanding of the development process</a:t>
             </a:r>
           </a:p>
         </p:txBody>
@@ -5279,13 +5109,13 @@
         <a:srgbClr val="000000"/>
       </a:dk1>
       <a:lt1>
-        <a:srgbClr val="FFFFFF"/>
+        <a:srgbClr val="000000"/>
       </a:lt1>
       <a:dk2>
-        <a:srgbClr val="434343"/>
+        <a:srgbClr val="A7A7A7"/>
       </a:dk2>
       <a:lt2>
-        <a:srgbClr val="A9A9A9"/>
+        <a:srgbClr val="535353"/>
       </a:lt2>
       <a:accent1>
         <a:srgbClr val="0076BA"/>
@@ -5319,9 +5149,9 @@
         <a:cs typeface="Helvetica Neue"/>
       </a:majorFont>
       <a:minorFont>
-        <a:latin typeface="Helvetica Neue"/>
-        <a:ea typeface="Helvetica Neue"/>
-        <a:cs typeface="Helvetica Neue"/>
+        <a:latin typeface="Helvetica"/>
+        <a:ea typeface="Helvetica"/>
+        <a:cs typeface="Helvetica"/>
       </a:minorFont>
     </a:fontScheme>
     <a:fmtScheme name="20_BasicBlack">
@@ -5464,9 +5294,12 @@
         <a:solidFill>
           <a:srgbClr val="FFFFFF"/>
         </a:solidFill>
-        <a:ln w="12700" cap="flat">
-          <a:noFill/>
-          <a:miter lim="400000"/>
+        <a:ln w="25400" cap="flat">
+          <a:solidFill>
+            <a:schemeClr val="accent1"/>
+          </a:solidFill>
+          <a:prstDash val="solid"/>
+          <a:round/>
         </a:ln>
         <a:effectLst/>
         <a:sp3d/>
@@ -5475,7 +5308,7 @@
         <a:spAutoFit/>
       </a:bodyPr>
       <a:lstStyle>
-        <a:defPPr marL="0" marR="0" indent="0" algn="ctr" defTabSz="825500" rtl="0" fontAlgn="auto" latinLnBrk="0" hangingPunct="0">
+        <a:defPPr marL="0" marR="0" indent="0" algn="ctr" defTabSz="2438337" rtl="0" fontAlgn="auto" latinLnBrk="0" hangingPunct="0">
           <a:lnSpc>
             <a:spcPct val="100000"/>
           </a:lnSpc>
@@ -5490,7 +5323,7 @@
           <a:buFontTx/>
           <a:buNone/>
           <a:tabLst/>
-          <a:defRPr b="0" baseline="0" cap="none" i="0" spc="0" strike="noStrike" sz="3200" u="none" kumimoji="0" normalizeH="0">
+          <a:defRPr b="0" baseline="0" cap="none" i="0" spc="0" strike="noStrike" sz="2400" u="none" kumimoji="0" normalizeH="0">
             <a:ln>
               <a:noFill/>
             </a:ln>
@@ -5499,10 +5332,10 @@
             </a:solidFill>
             <a:effectLst/>
             <a:uFillTx/>
-            <a:latin typeface="Helvetica Neue Medium"/>
-            <a:ea typeface="Helvetica Neue Medium"/>
-            <a:cs typeface="Helvetica Neue Medium"/>
-            <a:sym typeface="Helvetica Neue Medium"/>
+            <a:latin typeface="+mj-lt"/>
+            <a:ea typeface="+mj-ea"/>
+            <a:cs typeface="+mj-cs"/>
+            <a:sym typeface="Helvetica Neue"/>
           </a:defRPr>
         </a:defPPr>
         <a:lvl1pPr marL="0" marR="0" indent="0" algn="l" defTabSz="914400" rtl="0" fontAlgn="auto" latinLnBrk="1" hangingPunct="0">
@@ -5752,10 +5585,10 @@
         <a:noFill/>
         <a:ln w="25400" cap="flat">
           <a:solidFill>
-            <a:srgbClr val="FFFFFF"/>
+            <a:schemeClr val="accent1"/>
           </a:solidFill>
           <a:prstDash val="solid"/>
-          <a:miter lim="400000"/>
+          <a:round/>
         </a:ln>
         <a:effectLst/>
         <a:sp3d/>
@@ -6046,7 +5879,7 @@
         <a:spAutoFit/>
       </a:bodyPr>
       <a:lstStyle>
-        <a:defPPr marL="0" marR="0" indent="0" algn="ctr" defTabSz="2438338" rtl="0" fontAlgn="auto" latinLnBrk="0" hangingPunct="0">
+        <a:defPPr marL="0" marR="0" indent="0" algn="ctr" defTabSz="2438337" rtl="0" fontAlgn="auto" latinLnBrk="0" hangingPunct="0">
           <a:lnSpc>
             <a:spcPct val="100000"/>
           </a:lnSpc>
@@ -6066,13 +5899,13 @@
               <a:noFill/>
             </a:ln>
             <a:solidFill>
-              <a:srgbClr val="FFFFFF"/>
+              <a:srgbClr val="000000"/>
             </a:solidFill>
             <a:effectLst/>
             <a:uFillTx/>
-            <a:latin typeface="+mn-lt"/>
-            <a:ea typeface="+mn-ea"/>
-            <a:cs typeface="+mn-cs"/>
+            <a:latin typeface="+mj-lt"/>
+            <a:ea typeface="+mj-ea"/>
+            <a:cs typeface="+mj-cs"/>
             <a:sym typeface="Helvetica Neue"/>
           </a:defRPr>
         </a:defPPr>
@@ -6333,10 +6166,10 @@
         <a:srgbClr val="FFFFFF"/>
       </a:lt1>
       <a:dk2>
-        <a:srgbClr val="434343"/>
+        <a:srgbClr val="A7A7A7"/>
       </a:dk2>
       <a:lt2>
-        <a:srgbClr val="A9A9A9"/>
+        <a:srgbClr val="535353"/>
       </a:lt2>
       <a:accent1>
         <a:srgbClr val="0076BA"/>
@@ -6370,9 +6203,9 @@
         <a:cs typeface="Helvetica Neue"/>
       </a:majorFont>
       <a:minorFont>
-        <a:latin typeface="Helvetica Neue"/>
-        <a:ea typeface="Helvetica Neue"/>
-        <a:cs typeface="Helvetica Neue"/>
+        <a:latin typeface="Helvetica"/>
+        <a:ea typeface="Helvetica"/>
+        <a:cs typeface="Helvetica"/>
       </a:minorFont>
     </a:fontScheme>
     <a:fmtScheme name="20_BasicBlack">
@@ -6515,9 +6348,12 @@
         <a:solidFill>
           <a:srgbClr val="FFFFFF"/>
         </a:solidFill>
-        <a:ln w="12700" cap="flat">
-          <a:noFill/>
-          <a:miter lim="400000"/>
+        <a:ln w="25400" cap="flat">
+          <a:solidFill>
+            <a:schemeClr val="accent1"/>
+          </a:solidFill>
+          <a:prstDash val="solid"/>
+          <a:round/>
         </a:ln>
         <a:effectLst/>
         <a:sp3d/>
@@ -6526,7 +6362,7 @@
         <a:spAutoFit/>
       </a:bodyPr>
       <a:lstStyle>
-        <a:defPPr marL="0" marR="0" indent="0" algn="ctr" defTabSz="825500" rtl="0" fontAlgn="auto" latinLnBrk="0" hangingPunct="0">
+        <a:defPPr marL="0" marR="0" indent="0" algn="ctr" defTabSz="2438337" rtl="0" fontAlgn="auto" latinLnBrk="0" hangingPunct="0">
           <a:lnSpc>
             <a:spcPct val="100000"/>
           </a:lnSpc>
@@ -6541,7 +6377,7 @@
           <a:buFontTx/>
           <a:buNone/>
           <a:tabLst/>
-          <a:defRPr b="0" baseline="0" cap="none" i="0" spc="0" strike="noStrike" sz="3200" u="none" kumimoji="0" normalizeH="0">
+          <a:defRPr b="0" baseline="0" cap="none" i="0" spc="0" strike="noStrike" sz="2400" u="none" kumimoji="0" normalizeH="0">
             <a:ln>
               <a:noFill/>
             </a:ln>
@@ -6550,10 +6386,10 @@
             </a:solidFill>
             <a:effectLst/>
             <a:uFillTx/>
-            <a:latin typeface="Helvetica Neue Medium"/>
-            <a:ea typeface="Helvetica Neue Medium"/>
-            <a:cs typeface="Helvetica Neue Medium"/>
-            <a:sym typeface="Helvetica Neue Medium"/>
+            <a:latin typeface="+mj-lt"/>
+            <a:ea typeface="+mj-ea"/>
+            <a:cs typeface="+mj-cs"/>
+            <a:sym typeface="Helvetica Neue"/>
           </a:defRPr>
         </a:defPPr>
         <a:lvl1pPr marL="0" marR="0" indent="0" algn="l" defTabSz="914400" rtl="0" fontAlgn="auto" latinLnBrk="1" hangingPunct="0">
@@ -6803,10 +6639,10 @@
         <a:noFill/>
         <a:ln w="25400" cap="flat">
           <a:solidFill>
-            <a:srgbClr val="FFFFFF"/>
+            <a:schemeClr val="accent1"/>
           </a:solidFill>
           <a:prstDash val="solid"/>
-          <a:miter lim="400000"/>
+          <a:round/>
         </a:ln>
         <a:effectLst/>
         <a:sp3d/>
@@ -7097,7 +6933,7 @@
         <a:spAutoFit/>
       </a:bodyPr>
       <a:lstStyle>
-        <a:defPPr marL="0" marR="0" indent="0" algn="ctr" defTabSz="2438338" rtl="0" fontAlgn="auto" latinLnBrk="0" hangingPunct="0">
+        <a:defPPr marL="0" marR="0" indent="0" algn="ctr" defTabSz="2438337" rtl="0" fontAlgn="auto" latinLnBrk="0" hangingPunct="0">
           <a:lnSpc>
             <a:spcPct val="100000"/>
           </a:lnSpc>
@@ -7117,13 +6953,13 @@
               <a:noFill/>
             </a:ln>
             <a:solidFill>
-              <a:srgbClr val="FFFFFF"/>
+              <a:srgbClr val="000000"/>
             </a:solidFill>
             <a:effectLst/>
             <a:uFillTx/>
-            <a:latin typeface="+mn-lt"/>
-            <a:ea typeface="+mn-ea"/>
-            <a:cs typeface="+mn-cs"/>
+            <a:latin typeface="+mj-lt"/>
+            <a:ea typeface="+mj-ea"/>
+            <a:cs typeface="+mj-cs"/>
             <a:sym typeface="Helvetica Neue"/>
           </a:defRPr>
         </a:defPPr>

--- a/Documents/presentation.pptx
+++ b/Documents/presentation.pptx
@@ -1,25 +1,25 @@
 
 <file path=ppt/presentation.xml><?xml version="1.0" encoding="utf-8"?>
-<p:presentation xmlns:a="http://schemas.openxmlformats.org/drawingml/2006/main" xmlns:r="http://schemas.openxmlformats.org/officeDocument/2006/relationships" xmlns:p="http://schemas.openxmlformats.org/presentationml/2006/main" xmlns:m="http://schemas.openxmlformats.org/officeDocument/2006/math" xmlns:a14="http://schemas.microsoft.com/office/drawing/2010/main">
+<p:presentation xmlns:a="http://schemas.openxmlformats.org/drawingml/2006/main" xmlns:r="http://schemas.openxmlformats.org/officeDocument/2006/relationships" xmlns:p="http://schemas.openxmlformats.org/presentationml/2006/main">
   <p:sldMasterIdLst>
-    <p:sldMasterId id="2147483648" r:id="rId5"/>
+    <p:sldMasterId id="2147483648" r:id="rId1"/>
   </p:sldMasterIdLst>
   <p:notesMasterIdLst>
-    <p:notesMasterId r:id="rId7"/>
+    <p:notesMasterId r:id="rId14"/>
   </p:notesMasterIdLst>
   <p:sldIdLst>
-    <p:sldId id="256" r:id="rId8"/>
-    <p:sldId id="257" r:id="rId9"/>
-    <p:sldId id="258" r:id="rId10"/>
-    <p:sldId id="259" r:id="rId11"/>
-    <p:sldId id="260" r:id="rId12"/>
-    <p:sldId id="261" r:id="rId13"/>
-    <p:sldId id="262" r:id="rId14"/>
-    <p:sldId id="263" r:id="rId15"/>
-    <p:sldId id="264" r:id="rId16"/>
-    <p:sldId id="265" r:id="rId17"/>
-    <p:sldId id="266" r:id="rId18"/>
-    <p:sldId id="267" r:id="rId19"/>
+    <p:sldId id="256" r:id="rId2"/>
+    <p:sldId id="257" r:id="rId3"/>
+    <p:sldId id="258" r:id="rId4"/>
+    <p:sldId id="259" r:id="rId5"/>
+    <p:sldId id="260" r:id="rId6"/>
+    <p:sldId id="261" r:id="rId7"/>
+    <p:sldId id="262" r:id="rId8"/>
+    <p:sldId id="263" r:id="rId9"/>
+    <p:sldId id="264" r:id="rId10"/>
+    <p:sldId id="265" r:id="rId11"/>
+    <p:sldId id="266" r:id="rId12"/>
+    <p:sldId id="267" r:id="rId13"/>
   </p:sldIdLst>
   <p:sldSz cx="24384000" cy="13716000"/>
   <p:notesSz cx="6858000" cy="9144000"/>
@@ -39,7 +39,7 @@
       <a:buFontTx/>
       <a:buNone/>
       <a:tabLst/>
-      <a:defRPr b="0" baseline="0" cap="none" i="0" spc="0" strike="noStrike" sz="1800" u="none" kumimoji="0" normalizeH="0">
+      <a:defRPr kumimoji="0" sz="1800" b="0" i="0" u="none" strike="noStrike" cap="none" spc="0" normalizeH="0" baseline="0">
         <a:ln>
           <a:noFill/>
         </a:ln>
@@ -65,7 +65,7 @@
       <a:buFontTx/>
       <a:buNone/>
       <a:tabLst/>
-      <a:defRPr b="0" baseline="0" cap="none" i="0" spc="0" strike="noStrike" sz="2400" u="none" kumimoji="0" normalizeH="0">
+      <a:defRPr kumimoji="0" sz="2400" b="0" i="0" u="none" strike="noStrike" cap="none" spc="0" normalizeH="0" baseline="0">
         <a:ln>
           <a:noFill/>
         </a:ln>
@@ -95,7 +95,7 @@
       <a:buFontTx/>
       <a:buNone/>
       <a:tabLst/>
-      <a:defRPr b="0" baseline="0" cap="none" i="0" spc="0" strike="noStrike" sz="2400" u="none" kumimoji="0" normalizeH="0">
+      <a:defRPr kumimoji="0" sz="2400" b="0" i="0" u="none" strike="noStrike" cap="none" spc="0" normalizeH="0" baseline="0">
         <a:ln>
           <a:noFill/>
         </a:ln>
@@ -125,7 +125,7 @@
       <a:buFontTx/>
       <a:buNone/>
       <a:tabLst/>
-      <a:defRPr b="0" baseline="0" cap="none" i="0" spc="0" strike="noStrike" sz="2400" u="none" kumimoji="0" normalizeH="0">
+      <a:defRPr kumimoji="0" sz="2400" b="0" i="0" u="none" strike="noStrike" cap="none" spc="0" normalizeH="0" baseline="0">
         <a:ln>
           <a:noFill/>
         </a:ln>
@@ -155,7 +155,7 @@
       <a:buFontTx/>
       <a:buNone/>
       <a:tabLst/>
-      <a:defRPr b="0" baseline="0" cap="none" i="0" spc="0" strike="noStrike" sz="2400" u="none" kumimoji="0" normalizeH="0">
+      <a:defRPr kumimoji="0" sz="2400" b="0" i="0" u="none" strike="noStrike" cap="none" spc="0" normalizeH="0" baseline="0">
         <a:ln>
           <a:noFill/>
         </a:ln>
@@ -185,7 +185,7 @@
       <a:buFontTx/>
       <a:buNone/>
       <a:tabLst/>
-      <a:defRPr b="0" baseline="0" cap="none" i="0" spc="0" strike="noStrike" sz="2400" u="none" kumimoji="0" normalizeH="0">
+      <a:defRPr kumimoji="0" sz="2400" b="0" i="0" u="none" strike="noStrike" cap="none" spc="0" normalizeH="0" baseline="0">
         <a:ln>
           <a:noFill/>
         </a:ln>
@@ -215,7 +215,7 @@
       <a:buFontTx/>
       <a:buNone/>
       <a:tabLst/>
-      <a:defRPr b="0" baseline="0" cap="none" i="0" spc="0" strike="noStrike" sz="2400" u="none" kumimoji="0" normalizeH="0">
+      <a:defRPr kumimoji="0" sz="2400" b="0" i="0" u="none" strike="noStrike" cap="none" spc="0" normalizeH="0" baseline="0">
         <a:ln>
           <a:noFill/>
         </a:ln>
@@ -245,7 +245,7 @@
       <a:buFontTx/>
       <a:buNone/>
       <a:tabLst/>
-      <a:defRPr b="0" baseline="0" cap="none" i="0" spc="0" strike="noStrike" sz="2400" u="none" kumimoji="0" normalizeH="0">
+      <a:defRPr kumimoji="0" sz="2400" b="0" i="0" u="none" strike="noStrike" cap="none" spc="0" normalizeH="0" baseline="0">
         <a:ln>
           <a:noFill/>
         </a:ln>
@@ -275,7 +275,7 @@
       <a:buFontTx/>
       <a:buNone/>
       <a:tabLst/>
-      <a:defRPr b="0" baseline="0" cap="none" i="0" spc="0" strike="noStrike" sz="2400" u="none" kumimoji="0" normalizeH="0">
+      <a:defRPr kumimoji="0" sz="2400" b="0" i="0" u="none" strike="noStrike" cap="none" spc="0" normalizeH="0" baseline="0">
         <a:ln>
           <a:noFill/>
         </a:ln>
@@ -305,7 +305,7 @@
       <a:buFontTx/>
       <a:buNone/>
       <a:tabLst/>
-      <a:defRPr b="0" baseline="0" cap="none" i="0" spc="0" strike="noStrike" sz="2400" u="none" kumimoji="0" normalizeH="0">
+      <a:defRPr kumimoji="0" sz="2400" b="0" i="0" u="none" strike="noStrike" cap="none" spc="0" normalizeH="0" baseline="0">
         <a:ln>
           <a:noFill/>
         </a:ln>
@@ -324,13 +324,98 @@
 </p:presentation>
 </file>
 
-<file path=ppt/commentAuthors.xml><?xml version="1.0" encoding="utf-8"?>
-<p:cmAuthorLst xmlns:a="http://schemas.openxmlformats.org/drawingml/2006/main" xmlns:r="http://schemas.openxmlformats.org/officeDocument/2006/relationships" xmlns:p="http://schemas.openxmlformats.org/presentationml/2006/main" xmlns:m="http://schemas.openxmlformats.org/officeDocument/2006/math" xmlns:a14="http://schemas.microsoft.com/office/drawing/2010/main"/>
+<file path=ppt/revisionInfo.xml><?xml version="1.0" encoding="utf-8"?>
+<p1510:revInfo xmlns:a="http://schemas.openxmlformats.org/drawingml/2006/main" xmlns:r="http://schemas.openxmlformats.org/officeDocument/2006/relationships" xmlns:p1510="http://schemas.microsoft.com/office/powerpoint/2015/10/main">
+  <p1510:revLst>
+    <p1510:client id="{1DCB8B3C-325F-4925-A61D-D70A0F9E42DD}" v="3" dt="2022-11-30T05:06:05.308"/>
+  </p1510:revLst>
+</p1510:revInfo>
+</file>
+
+<file path=ppt/changesInfos/changesInfo1.xml><?xml version="1.0" encoding="utf-8"?>
+<pc:chgInfo xmlns:a="http://schemas.openxmlformats.org/drawingml/2006/main" xmlns:r="http://schemas.openxmlformats.org/officeDocument/2006/relationships" xmlns:ac="http://schemas.microsoft.com/office/drawing/2013/main/command" xmlns:pc="http://schemas.microsoft.com/office/powerpoint/2013/main/command">
+  <pc:docChgLst>
+    <pc:chgData name="Ryan Taban" userId="920b81b953cdce3e" providerId="LiveId" clId="{1DCB8B3C-325F-4925-A61D-D70A0F9E42DD}"/>
+    <pc:docChg chg="custSel modSld">
+      <pc:chgData name="Ryan Taban" userId="920b81b953cdce3e" providerId="LiveId" clId="{1DCB8B3C-325F-4925-A61D-D70A0F9E42DD}" dt="2022-11-30T05:06:15.933" v="33" actId="167"/>
+      <pc:docMkLst>
+        <pc:docMk/>
+      </pc:docMkLst>
+      <pc:sldChg chg="modSp mod">
+        <pc:chgData name="Ryan Taban" userId="920b81b953cdce3e" providerId="LiveId" clId="{1DCB8B3C-325F-4925-A61D-D70A0F9E42DD}" dt="2022-11-30T05:05:13.918" v="14" actId="27636"/>
+        <pc:sldMkLst>
+          <pc:docMk/>
+          <pc:sldMk cId="0" sldId="256"/>
+        </pc:sldMkLst>
+        <pc:spChg chg="mod">
+          <ac:chgData name="Ryan Taban" userId="920b81b953cdce3e" providerId="LiveId" clId="{1DCB8B3C-325F-4925-A61D-D70A0F9E42DD}" dt="2022-11-30T05:05:13.918" v="14" actId="27636"/>
+          <ac:spMkLst>
+            <pc:docMk/>
+            <pc:sldMk cId="0" sldId="256"/>
+            <ac:spMk id="151" creationId="{00000000-0000-0000-0000-000000000000}"/>
+          </ac:spMkLst>
+        </pc:spChg>
+      </pc:sldChg>
+      <pc:sldChg chg="addSp delSp modSp mod">
+        <pc:chgData name="Ryan Taban" userId="920b81b953cdce3e" providerId="LiveId" clId="{1DCB8B3C-325F-4925-A61D-D70A0F9E42DD}" dt="2022-11-30T05:06:15.933" v="33" actId="167"/>
+        <pc:sldMkLst>
+          <pc:docMk/>
+          <pc:sldMk cId="0" sldId="263"/>
+        </pc:sldMkLst>
+        <pc:picChg chg="add del mod ord">
+          <ac:chgData name="Ryan Taban" userId="920b81b953cdce3e" providerId="LiveId" clId="{1DCB8B3C-325F-4925-A61D-D70A0F9E42DD}" dt="2022-11-30T05:03:39.576" v="5" actId="478"/>
+          <ac:picMkLst>
+            <pc:docMk/>
+            <pc:sldMk cId="0" sldId="263"/>
+            <ac:picMk id="3" creationId="{AF687310-8C1D-7976-DCD8-1364B6A0BD55}"/>
+          </ac:picMkLst>
+        </pc:picChg>
+        <pc:picChg chg="add del mod ord">
+          <ac:chgData name="Ryan Taban" userId="920b81b953cdce3e" providerId="LiveId" clId="{1DCB8B3C-325F-4925-A61D-D70A0F9E42DD}" dt="2022-11-30T05:05:12.131" v="12" actId="478"/>
+          <ac:picMkLst>
+            <pc:docMk/>
+            <pc:sldMk cId="0" sldId="263"/>
+            <ac:picMk id="5" creationId="{CF668C24-1F41-13E7-03E6-3E131330DE74}"/>
+          </ac:picMkLst>
+        </pc:picChg>
+        <pc:picChg chg="add del mod">
+          <ac:chgData name="Ryan Taban" userId="920b81b953cdce3e" providerId="LiveId" clId="{1DCB8B3C-325F-4925-A61D-D70A0F9E42DD}" dt="2022-11-30T05:05:33.278" v="19" actId="478"/>
+          <ac:picMkLst>
+            <pc:docMk/>
+            <pc:sldMk cId="0" sldId="263"/>
+            <ac:picMk id="7" creationId="{DDF08C78-9875-825D-11C5-7D21123E6A99}"/>
+          </ac:picMkLst>
+        </pc:picChg>
+        <pc:picChg chg="add del mod ord">
+          <ac:chgData name="Ryan Taban" userId="920b81b953cdce3e" providerId="LiveId" clId="{1DCB8B3C-325F-4925-A61D-D70A0F9E42DD}" dt="2022-11-30T05:05:57.789" v="27" actId="478"/>
+          <ac:picMkLst>
+            <pc:docMk/>
+            <pc:sldMk cId="0" sldId="263"/>
+            <ac:picMk id="9" creationId="{6BFE6D9C-8232-9599-927F-3BB5BD6903A7}"/>
+          </ac:picMkLst>
+        </pc:picChg>
+        <pc:picChg chg="add mod ord">
+          <ac:chgData name="Ryan Taban" userId="920b81b953cdce3e" providerId="LiveId" clId="{1DCB8B3C-325F-4925-A61D-D70A0F9E42DD}" dt="2022-11-30T05:06:15.933" v="33" actId="167"/>
+          <ac:picMkLst>
+            <pc:docMk/>
+            <pc:sldMk cId="0" sldId="263"/>
+            <ac:picMk id="11" creationId="{85D465F3-AE6D-BEE5-085E-1F856E1FDE65}"/>
+          </ac:picMkLst>
+        </pc:picChg>
+      </pc:sldChg>
+    </pc:docChg>
+  </pc:docChgLst>
+</pc:chgInfo>
 </file>
 
 <file path=ppt/notesMasters/notesMaster1.xml><?xml version="1.0" encoding="utf-8"?>
-<p:notesMaster xmlns:a="http://schemas.openxmlformats.org/drawingml/2006/main" xmlns:r="http://schemas.openxmlformats.org/officeDocument/2006/relationships" xmlns:p="http://schemas.openxmlformats.org/presentationml/2006/main" xmlns:m="http://schemas.openxmlformats.org/officeDocument/2006/math" xmlns:a14="http://schemas.microsoft.com/office/drawing/2010/main">
+<p:notesMaster xmlns:a="http://schemas.openxmlformats.org/drawingml/2006/main" xmlns:r="http://schemas.openxmlformats.org/officeDocument/2006/relationships" xmlns:p="http://schemas.openxmlformats.org/presentationml/2006/main">
   <p:cSld>
+    <p:bg>
+      <p:bgRef idx="1001">
+        <a:schemeClr val="bg1"/>
+      </p:bgRef>
+    </p:bg>
     <p:spTree>
       <p:nvGrpSpPr>
         <p:cNvPr id="1" name=""/>
@@ -348,7 +433,9 @@
       <p:sp>
         <p:nvSpPr>
           <p:cNvPr id="148" name="Shape 148"/>
-          <p:cNvSpPr/>
+          <p:cNvSpPr>
+            <a:spLocks noGrp="1" noRot="1" noChangeAspect="1"/>
+          </p:cNvSpPr>
           <p:nvPr>
             <p:ph type="sldImg"/>
           </p:nvPr>
@@ -366,14 +453,16 @@
           <a:bodyPr/>
           <a:lstStyle/>
           <a:p>
-            <a:pPr/>
+            <a:endParaRPr/>
           </a:p>
         </p:txBody>
       </p:sp>
       <p:sp>
         <p:nvSpPr>
           <p:cNvPr id="149" name="Shape 149"/>
-          <p:cNvSpPr/>
+          <p:cNvSpPr>
+            <a:spLocks noGrp="1"/>
+          </p:cNvSpPr>
           <p:nvPr>
             <p:ph type="body" sz="quarter" idx="1"/>
           </p:nvPr>
@@ -391,7 +480,7 @@
           <a:bodyPr/>
           <a:lstStyle/>
           <a:p>
-            <a:pPr/>
+            <a:endParaRPr/>
           </a:p>
         </p:txBody>
       </p:sp>
@@ -503,7 +592,7 @@
 </file>
 
 <file path=ppt/slideLayouts/slideLayout1.xml><?xml version="1.0" encoding="utf-8"?>
-<p:sldLayout xmlns:a="http://schemas.openxmlformats.org/drawingml/2006/main" xmlns:r="http://schemas.openxmlformats.org/officeDocument/2006/relationships" xmlns:p="http://schemas.openxmlformats.org/presentationml/2006/main" xmlns:m="http://schemas.openxmlformats.org/officeDocument/2006/math" xmlns:a14="http://schemas.microsoft.com/office/drawing/2010/main" type="tx" showMasterSp="1" showMasterPhAnim="1">
+<p:sldLayout xmlns:a="http://schemas.openxmlformats.org/drawingml/2006/main" xmlns:r="http://schemas.openxmlformats.org/officeDocument/2006/relationships" xmlns:p="http://schemas.openxmlformats.org/presentationml/2006/main" type="tx">
   <p:cSld name="标题">
     <p:spTree>
       <p:nvGrpSpPr>
@@ -522,7 +611,9 @@
       <p:sp>
         <p:nvSpPr>
           <p:cNvPr id="11" name="Body Level One…"/>
-          <p:cNvSpPr txBox="1"/>
+          <p:cNvSpPr txBox="1">
+            <a:spLocks noGrp="1"/>
+          </p:cNvSpPr>
           <p:nvPr>
             <p:ph type="body" sz="quarter" idx="1" hasCustomPrompt="1"/>
           </p:nvPr>
@@ -548,7 +639,7 @@
               </a:spcBef>
               <a:buSzTx/>
               <a:buNone/>
-              <a:defRPr b="1" sz="3000"/>
+              <a:defRPr sz="3000" b="1"/>
             </a:lvl1pPr>
             <a:lvl2pPr marL="990600" indent="-381000" defTabSz="701675">
               <a:lnSpc>
@@ -557,7 +648,7 @@
               <a:spcBef>
                 <a:spcPts val="0"/>
               </a:spcBef>
-              <a:defRPr b="1" sz="3000"/>
+              <a:defRPr sz="3000" b="1"/>
             </a:lvl2pPr>
             <a:lvl3pPr marL="1600200" indent="-381000" defTabSz="701675">
               <a:lnSpc>
@@ -566,7 +657,7 @@
               <a:spcBef>
                 <a:spcPts val="0"/>
               </a:spcBef>
-              <a:defRPr b="1" sz="3000"/>
+              <a:defRPr sz="3000" b="1"/>
             </a:lvl3pPr>
             <a:lvl4pPr marL="2209800" indent="-381000" defTabSz="701675">
               <a:lnSpc>
@@ -575,7 +666,7 @@
               <a:spcBef>
                 <a:spcPts val="0"/>
               </a:spcBef>
-              <a:defRPr b="1" sz="3000"/>
+              <a:defRPr sz="3000" b="1"/>
             </a:lvl4pPr>
             <a:lvl5pPr marL="2819400" indent="-381000" defTabSz="701675">
               <a:lnSpc>
@@ -584,45 +675,38 @@
               <a:spcBef>
                 <a:spcPts val="0"/>
               </a:spcBef>
-              <a:defRPr b="1" sz="3000"/>
+              <a:defRPr sz="3000" b="1"/>
             </a:lvl5pPr>
           </a:lstStyle>
           <a:p>
-            <a:pPr/>
             <a:r>
               <a:t>作者和日期</a:t>
             </a:r>
           </a:p>
           <a:p>
             <a:pPr lvl="1"/>
-            <a:r>
-              <a:t/>
-            </a:r>
+            <a:endParaRPr/>
           </a:p>
           <a:p>
             <a:pPr lvl="2"/>
-            <a:r>
-              <a:t/>
-            </a:r>
+            <a:endParaRPr/>
           </a:p>
           <a:p>
             <a:pPr lvl="3"/>
-            <a:r>
-              <a:t/>
-            </a:r>
+            <a:endParaRPr/>
           </a:p>
           <a:p>
             <a:pPr lvl="4"/>
-            <a:r>
-              <a:t/>
-            </a:r>
+            <a:endParaRPr/>
           </a:p>
         </p:txBody>
       </p:sp>
       <p:sp>
         <p:nvSpPr>
           <p:cNvPr id="12" name="演示文稿标题"/>
-          <p:cNvSpPr txBox="1"/>
+          <p:cNvSpPr txBox="1">
+            <a:spLocks noGrp="1"/>
+          </p:cNvSpPr>
           <p:nvPr>
             <p:ph type="title" hasCustomPrompt="1"/>
           </p:nvPr>
@@ -640,11 +724,10 @@
           <a:bodyPr anchor="b"/>
           <a:lstStyle>
             <a:lvl1pPr>
-              <a:defRPr spc="-232" sz="11600"/>
+              <a:defRPr sz="11600" spc="-232"/>
             </a:lvl1pPr>
           </a:lstStyle>
           <a:p>
-            <a:pPr/>
             <a:r>
               <a:t>演示文稿标题</a:t>
             </a:r>
@@ -654,7 +737,9 @@
       <p:sp>
         <p:nvSpPr>
           <p:cNvPr id="13" name="正文级别 1…"/>
-          <p:cNvSpPr txBox="1"/>
+          <p:cNvSpPr txBox="1">
+            <a:spLocks noGrp="1"/>
+          </p:cNvSpPr>
           <p:nvPr>
             <p:ph type="body" sz="quarter" idx="21" hasCustomPrompt="1"/>
           </p:nvPr>
@@ -680,11 +765,10 @@
               </a:spcBef>
               <a:buSzTx/>
               <a:buNone/>
-              <a:defRPr b="1" sz="5500"/>
+              <a:defRPr sz="5500" b="1"/>
             </a:lvl1pPr>
           </a:lstStyle>
           <a:p>
-            <a:pPr/>
             <a:r>
               <a:t>演示文稿副标题</a:t>
             </a:r>
@@ -694,7 +778,9 @@
       <p:sp>
         <p:nvSpPr>
           <p:cNvPr id="14" name="Slide Number"/>
-          <p:cNvSpPr txBox="1"/>
+          <p:cNvSpPr txBox="1">
+            <a:spLocks noGrp="1"/>
+          </p:cNvSpPr>
           <p:nvPr>
             <p:ph type="sldNum" sz="quarter" idx="2"/>
           </p:nvPr>
@@ -712,8 +798,10 @@
           <a:bodyPr/>
           <a:lstStyle/>
           <a:p>
-            <a:pPr/>
-            <a:fld id="{86CB4B4D-7CA3-9044-876B-883B54F8677D}" type="slidenum"/>
+            <a:fld id="{86CB4B4D-7CA3-9044-876B-883B54F8677D}" type="slidenum">
+              <a:t>‹#›</a:t>
+            </a:fld>
+            <a:endParaRPr/>
           </a:p>
         </p:txBody>
       </p:sp>
@@ -722,12 +810,12 @@
   <p:clrMapOvr>
     <a:masterClrMapping/>
   </p:clrMapOvr>
-  <p:transition xmlns:p14="http://schemas.microsoft.com/office/powerpoint/2010/main" spd="med" advClick="1"/>
+  <p:transition spd="med"/>
 </p:sldLayout>
 </file>
 
 <file path=ppt/slideLayouts/slideLayout10.xml><?xml version="1.0" encoding="utf-8"?>
-<p:sldLayout xmlns:a="http://schemas.openxmlformats.org/drawingml/2006/main" xmlns:r="http://schemas.openxmlformats.org/officeDocument/2006/relationships" xmlns:p="http://schemas.openxmlformats.org/presentationml/2006/main" xmlns:m="http://schemas.openxmlformats.org/officeDocument/2006/math" xmlns:a14="http://schemas.microsoft.com/office/drawing/2010/main" type="tx" showMasterSp="1" showMasterPhAnim="1">
+<p:sldLayout xmlns:a="http://schemas.openxmlformats.org/drawingml/2006/main" xmlns:r="http://schemas.openxmlformats.org/officeDocument/2006/relationships" xmlns:p="http://schemas.openxmlformats.org/presentationml/2006/main" type="tx">
   <p:cSld name="说明">
     <p:spTree>
       <p:nvGrpSpPr>
@@ -746,7 +834,9 @@
       <p:sp>
         <p:nvSpPr>
           <p:cNvPr id="98" name="Body Level One…"/>
-          <p:cNvSpPr txBox="1"/>
+          <p:cNvSpPr txBox="1">
+            <a:spLocks noGrp="1"/>
+          </p:cNvSpPr>
           <p:nvPr>
             <p:ph type="body" sz="half" idx="1" hasCustomPrompt="1"/>
           </p:nvPr>
@@ -772,7 +862,7 @@
               </a:spcBef>
               <a:buSzTx/>
               <a:buNone/>
-              <a:defRPr spc="-232" sz="11600">
+              <a:defRPr sz="11600" spc="-232">
                 <a:latin typeface="Helvetica Neue Medium"/>
                 <a:ea typeface="Helvetica Neue Medium"/>
                 <a:cs typeface="Helvetica Neue Medium"/>
@@ -788,7 +878,7 @@
               </a:spcBef>
               <a:buSzTx/>
               <a:buNone/>
-              <a:defRPr spc="-232" sz="11600">
+              <a:defRPr sz="11600" spc="-232">
                 <a:latin typeface="Helvetica Neue Medium"/>
                 <a:ea typeface="Helvetica Neue Medium"/>
                 <a:cs typeface="Helvetica Neue Medium"/>
@@ -804,7 +894,7 @@
               </a:spcBef>
               <a:buSzTx/>
               <a:buNone/>
-              <a:defRPr spc="-232" sz="11600">
+              <a:defRPr sz="11600" spc="-232">
                 <a:latin typeface="Helvetica Neue Medium"/>
                 <a:ea typeface="Helvetica Neue Medium"/>
                 <a:cs typeface="Helvetica Neue Medium"/>
@@ -820,7 +910,7 @@
               </a:spcBef>
               <a:buSzTx/>
               <a:buNone/>
-              <a:defRPr spc="-232" sz="11600">
+              <a:defRPr sz="11600" spc="-232">
                 <a:latin typeface="Helvetica Neue Medium"/>
                 <a:ea typeface="Helvetica Neue Medium"/>
                 <a:cs typeface="Helvetica Neue Medium"/>
@@ -836,7 +926,7 @@
               </a:spcBef>
               <a:buSzTx/>
               <a:buNone/>
-              <a:defRPr spc="-232" sz="11600">
+              <a:defRPr sz="11600" spc="-232">
                 <a:latin typeface="Helvetica Neue Medium"/>
                 <a:ea typeface="Helvetica Neue Medium"/>
                 <a:cs typeface="Helvetica Neue Medium"/>
@@ -845,41 +935,34 @@
             </a:lvl5pPr>
           </a:lstStyle>
           <a:p>
-            <a:pPr/>
             <a:r>
               <a:t>说明</a:t>
             </a:r>
           </a:p>
           <a:p>
             <a:pPr lvl="1"/>
-            <a:r>
-              <a:t/>
-            </a:r>
+            <a:endParaRPr/>
           </a:p>
           <a:p>
             <a:pPr lvl="2"/>
-            <a:r>
-              <a:t/>
-            </a:r>
+            <a:endParaRPr/>
           </a:p>
           <a:p>
             <a:pPr lvl="3"/>
-            <a:r>
-              <a:t/>
-            </a:r>
+            <a:endParaRPr/>
           </a:p>
           <a:p>
             <a:pPr lvl="4"/>
-            <a:r>
-              <a:t/>
-            </a:r>
+            <a:endParaRPr/>
           </a:p>
         </p:txBody>
       </p:sp>
       <p:sp>
         <p:nvSpPr>
           <p:cNvPr id="99" name="Slide Number"/>
-          <p:cNvSpPr txBox="1"/>
+          <p:cNvSpPr txBox="1">
+            <a:spLocks noGrp="1"/>
+          </p:cNvSpPr>
           <p:nvPr>
             <p:ph type="sldNum" sz="quarter" idx="2"/>
           </p:nvPr>
@@ -893,8 +976,10 @@
           <a:bodyPr/>
           <a:lstStyle/>
           <a:p>
-            <a:pPr/>
-            <a:fld id="{86CB4B4D-7CA3-9044-876B-883B54F8677D}" type="slidenum"/>
+            <a:fld id="{86CB4B4D-7CA3-9044-876B-883B54F8677D}" type="slidenum">
+              <a:t>‹#›</a:t>
+            </a:fld>
+            <a:endParaRPr/>
           </a:p>
         </p:txBody>
       </p:sp>
@@ -903,12 +988,12 @@
   <p:clrMapOvr>
     <a:masterClrMapping/>
   </p:clrMapOvr>
-  <p:transition xmlns:p14="http://schemas.microsoft.com/office/powerpoint/2010/main" spd="med" advClick="1"/>
+  <p:transition spd="med"/>
 </p:sldLayout>
 </file>
 
 <file path=ppt/slideLayouts/slideLayout11.xml><?xml version="1.0" encoding="utf-8"?>
-<p:sldLayout xmlns:a="http://schemas.openxmlformats.org/drawingml/2006/main" xmlns:r="http://schemas.openxmlformats.org/officeDocument/2006/relationships" xmlns:p="http://schemas.openxmlformats.org/presentationml/2006/main" xmlns:m="http://schemas.openxmlformats.org/officeDocument/2006/math" xmlns:a14="http://schemas.microsoft.com/office/drawing/2010/main" type="tx" showMasterSp="1" showMasterPhAnim="1">
+<p:sldLayout xmlns:a="http://schemas.openxmlformats.org/drawingml/2006/main" xmlns:r="http://schemas.openxmlformats.org/officeDocument/2006/relationships" xmlns:p="http://schemas.openxmlformats.org/presentationml/2006/main" type="tx">
   <p:cSld name="显著事实">
     <p:spTree>
       <p:nvGrpSpPr>
@@ -927,7 +1012,9 @@
       <p:sp>
         <p:nvSpPr>
           <p:cNvPr id="106" name="Body Level One…"/>
-          <p:cNvSpPr txBox="1"/>
+          <p:cNvSpPr txBox="1">
+            <a:spLocks noGrp="1"/>
+          </p:cNvSpPr>
           <p:nvPr>
             <p:ph type="body" sz="quarter" idx="1" hasCustomPrompt="1"/>
           </p:nvPr>
@@ -993,41 +1080,34 @@
             </a:lvl5pPr>
           </a:lstStyle>
           <a:p>
-            <a:pPr/>
             <a:r>
               <a:t>事实信息</a:t>
             </a:r>
           </a:p>
           <a:p>
             <a:pPr lvl="1"/>
-            <a:r>
-              <a:t/>
-            </a:r>
+            <a:endParaRPr/>
           </a:p>
           <a:p>
             <a:pPr lvl="2"/>
-            <a:r>
-              <a:t/>
-            </a:r>
+            <a:endParaRPr/>
           </a:p>
           <a:p>
             <a:pPr lvl="3"/>
-            <a:r>
-              <a:t/>
-            </a:r>
+            <a:endParaRPr/>
           </a:p>
           <a:p>
             <a:pPr lvl="4"/>
-            <a:r>
-              <a:t/>
-            </a:r>
+            <a:endParaRPr/>
           </a:p>
         </p:txBody>
       </p:sp>
       <p:sp>
         <p:nvSpPr>
           <p:cNvPr id="107" name="正文级别 1…"/>
-          <p:cNvSpPr txBox="1"/>
+          <p:cNvSpPr txBox="1">
+            <a:spLocks noGrp="1"/>
+          </p:cNvSpPr>
           <p:nvPr>
             <p:ph type="body" idx="21" hasCustomPrompt="1"/>
           </p:nvPr>
@@ -1045,7 +1125,7 @@
           <a:bodyPr numCol="1" spcCol="38100" anchor="b"/>
           <a:lstStyle/>
           <a:p>
-            <a:pPr lvl="4" marL="0" indent="1207008" algn="ctr" defTabSz="1072868">
+            <a:pPr marL="0" lvl="4" indent="1207008" algn="ctr" defTabSz="1072868">
               <a:lnSpc>
                 <a:spcPct val="80000"/>
               </a:lnSpc>
@@ -1054,7 +1134,7 @@
               </a:spcBef>
               <a:buSzTx/>
               <a:buNone/>
-              <a:defRPr b="1" spc="-132" sz="11000"/>
+              <a:defRPr sz="11000" b="1" spc="-132"/>
             </a:pPr>
             <a:r>
               <a:t>100%
@@ -1066,7 +1146,9 @@
       <p:sp>
         <p:nvSpPr>
           <p:cNvPr id="108" name="Slide Number"/>
-          <p:cNvSpPr txBox="1"/>
+          <p:cNvSpPr txBox="1">
+            <a:spLocks noGrp="1"/>
+          </p:cNvSpPr>
           <p:nvPr>
             <p:ph type="sldNum" sz="quarter" idx="2"/>
           </p:nvPr>
@@ -1080,8 +1162,10 @@
           <a:bodyPr/>
           <a:lstStyle/>
           <a:p>
-            <a:pPr/>
-            <a:fld id="{86CB4B4D-7CA3-9044-876B-883B54F8677D}" type="slidenum"/>
+            <a:fld id="{86CB4B4D-7CA3-9044-876B-883B54F8677D}" type="slidenum">
+              <a:t>‹#›</a:t>
+            </a:fld>
+            <a:endParaRPr/>
           </a:p>
         </p:txBody>
       </p:sp>
@@ -1090,12 +1174,12 @@
   <p:clrMapOvr>
     <a:masterClrMapping/>
   </p:clrMapOvr>
-  <p:transition xmlns:p14="http://schemas.microsoft.com/office/powerpoint/2010/main" spd="med" advClick="1"/>
+  <p:transition spd="med"/>
 </p:sldLayout>
 </file>
 
 <file path=ppt/slideLayouts/slideLayout12.xml><?xml version="1.0" encoding="utf-8"?>
-<p:sldLayout xmlns:a="http://schemas.openxmlformats.org/drawingml/2006/main" xmlns:r="http://schemas.openxmlformats.org/officeDocument/2006/relationships" xmlns:p="http://schemas.openxmlformats.org/presentationml/2006/main" xmlns:m="http://schemas.openxmlformats.org/officeDocument/2006/math" xmlns:a14="http://schemas.microsoft.com/office/drawing/2010/main" type="tx" showMasterSp="1" showMasterPhAnim="1">
+<p:sldLayout xmlns:a="http://schemas.openxmlformats.org/drawingml/2006/main" xmlns:r="http://schemas.openxmlformats.org/officeDocument/2006/relationships" xmlns:p="http://schemas.openxmlformats.org/presentationml/2006/main" type="tx">
   <p:cSld name="引文">
     <p:spTree>
       <p:nvGrpSpPr>
@@ -1114,7 +1198,9 @@
       <p:sp>
         <p:nvSpPr>
           <p:cNvPr id="115" name="Body Level One…"/>
-          <p:cNvSpPr txBox="1"/>
+          <p:cNvSpPr txBox="1">
+            <a:spLocks noGrp="1"/>
+          </p:cNvSpPr>
           <p:nvPr>
             <p:ph type="body" sz="quarter" idx="1" hasCustomPrompt="1"/>
           </p:nvPr>
@@ -1140,7 +1226,7 @@
               </a:spcBef>
               <a:buSzTx/>
               <a:buNone/>
-              <a:defRPr b="1" sz="3000"/>
+              <a:defRPr sz="3000" b="1"/>
             </a:lvl1pPr>
             <a:lvl2pPr marL="990600" indent="-381000" defTabSz="701675">
               <a:lnSpc>
@@ -1149,7 +1235,7 @@
               <a:spcBef>
                 <a:spcPts val="0"/>
               </a:spcBef>
-              <a:defRPr b="1" sz="3000"/>
+              <a:defRPr sz="3000" b="1"/>
             </a:lvl2pPr>
             <a:lvl3pPr marL="1600200" indent="-381000" defTabSz="701675">
               <a:lnSpc>
@@ -1158,7 +1244,7 @@
               <a:spcBef>
                 <a:spcPts val="0"/>
               </a:spcBef>
-              <a:defRPr b="1" sz="3000"/>
+              <a:defRPr sz="3000" b="1"/>
             </a:lvl3pPr>
             <a:lvl4pPr marL="2209800" indent="-381000" defTabSz="701675">
               <a:lnSpc>
@@ -1167,7 +1253,7 @@
               <a:spcBef>
                 <a:spcPts val="0"/>
               </a:spcBef>
-              <a:defRPr b="1" sz="3000"/>
+              <a:defRPr sz="3000" b="1"/>
             </a:lvl4pPr>
             <a:lvl5pPr marL="2819400" indent="-381000" defTabSz="701675">
               <a:lnSpc>
@@ -1176,45 +1262,38 @@
               <a:spcBef>
                 <a:spcPts val="0"/>
               </a:spcBef>
-              <a:defRPr b="1" sz="3000"/>
+              <a:defRPr sz="3000" b="1"/>
             </a:lvl5pPr>
           </a:lstStyle>
           <a:p>
-            <a:pPr/>
             <a:r>
               <a:t>属性</a:t>
             </a:r>
           </a:p>
           <a:p>
             <a:pPr lvl="1"/>
-            <a:r>
-              <a:t/>
-            </a:r>
+            <a:endParaRPr/>
           </a:p>
           <a:p>
             <a:pPr lvl="2"/>
-            <a:r>
-              <a:t/>
-            </a:r>
+            <a:endParaRPr/>
           </a:p>
           <a:p>
             <a:pPr lvl="3"/>
-            <a:r>
-              <a:t/>
-            </a:r>
+            <a:endParaRPr/>
           </a:p>
           <a:p>
             <a:pPr lvl="4"/>
-            <a:r>
-              <a:t/>
-            </a:r>
+            <a:endParaRPr/>
           </a:p>
         </p:txBody>
       </p:sp>
       <p:sp>
         <p:nvSpPr>
           <p:cNvPr id="116" name="正文级别 1…"/>
-          <p:cNvSpPr txBox="1"/>
+          <p:cNvSpPr txBox="1">
+            <a:spLocks noGrp="1"/>
+          </p:cNvSpPr>
           <p:nvPr>
             <p:ph type="body" sz="half" idx="21" hasCustomPrompt="1"/>
           </p:nvPr>
@@ -1232,13 +1311,13 @@
           <a:bodyPr numCol="1" spcCol="38100" anchor="ctr"/>
           <a:lstStyle/>
           <a:p>
-            <a:pPr lvl="4" marL="0" indent="1363980" defTabSz="1463002">
+            <a:pPr marL="0" lvl="4" indent="1363980" defTabSz="1463002">
               <a:spcBef>
                 <a:spcPts val="0"/>
               </a:spcBef>
               <a:buSzTx/>
               <a:buNone/>
-              <a:defRPr spc="-120" sz="5100">
+              <a:defRPr sz="5100" spc="-120">
                 <a:latin typeface="Helvetica Neue Medium"/>
                 <a:ea typeface="Helvetica Neue Medium"/>
                 <a:cs typeface="Helvetica Neue Medium"/>
@@ -1255,7 +1334,9 @@
       <p:sp>
         <p:nvSpPr>
           <p:cNvPr id="117" name="Slide Number"/>
-          <p:cNvSpPr txBox="1"/>
+          <p:cNvSpPr txBox="1">
+            <a:spLocks noGrp="1"/>
+          </p:cNvSpPr>
           <p:nvPr>
             <p:ph type="sldNum" sz="quarter" idx="2"/>
           </p:nvPr>
@@ -1269,8 +1350,10 @@
           <a:bodyPr/>
           <a:lstStyle/>
           <a:p>
-            <a:pPr/>
-            <a:fld id="{86CB4B4D-7CA3-9044-876B-883B54F8677D}" type="slidenum"/>
+            <a:fld id="{86CB4B4D-7CA3-9044-876B-883B54F8677D}" type="slidenum">
+              <a:t>‹#›</a:t>
+            </a:fld>
+            <a:endParaRPr/>
           </a:p>
         </p:txBody>
       </p:sp>
@@ -1279,12 +1362,12 @@
   <p:clrMapOvr>
     <a:masterClrMapping/>
   </p:clrMapOvr>
-  <p:transition xmlns:p14="http://schemas.microsoft.com/office/powerpoint/2010/main" spd="med" advClick="1"/>
+  <p:transition spd="med"/>
 </p:sldLayout>
 </file>
 
 <file path=ppt/slideLayouts/slideLayout13.xml><?xml version="1.0" encoding="utf-8"?>
-<p:sldLayout xmlns:a="http://schemas.openxmlformats.org/drawingml/2006/main" xmlns:r="http://schemas.openxmlformats.org/officeDocument/2006/relationships" xmlns:p="http://schemas.openxmlformats.org/presentationml/2006/main" xmlns:m="http://schemas.openxmlformats.org/officeDocument/2006/math" xmlns:a14="http://schemas.microsoft.com/office/drawing/2010/main" type="tx" showMasterSp="1" showMasterPhAnim="1">
+<p:sldLayout xmlns:a="http://schemas.openxmlformats.org/drawingml/2006/main" xmlns:r="http://schemas.openxmlformats.org/officeDocument/2006/relationships" xmlns:p="http://schemas.openxmlformats.org/presentationml/2006/main" type="tx">
   <p:cSld name="照片 - 3 联">
     <p:spTree>
       <p:nvGrpSpPr>
@@ -1303,7 +1386,9 @@
       <p:sp>
         <p:nvSpPr>
           <p:cNvPr id="124" name="生长在岩石之间的野生植物的特写"/>
-          <p:cNvSpPr/>
+          <p:cNvSpPr>
+            <a:spLocks noGrp="1"/>
+          </p:cNvSpPr>
           <p:nvPr>
             <p:ph type="pic" sz="quarter" idx="21"/>
           </p:nvPr>
@@ -1323,14 +1408,16 @@
           </a:bodyPr>
           <a:lstStyle/>
           <a:p>
-            <a:pPr/>
+            <a:endParaRPr/>
           </a:p>
         </p:txBody>
       </p:sp>
       <p:sp>
         <p:nvSpPr>
           <p:cNvPr id="125" name="乌云下的大岩层，前景是一条土路"/>
-          <p:cNvSpPr/>
+          <p:cNvSpPr>
+            <a:spLocks noGrp="1"/>
+          </p:cNvSpPr>
           <p:nvPr>
             <p:ph type="pic" idx="22"/>
           </p:nvPr>
@@ -1350,14 +1437,16 @@
           </a:bodyPr>
           <a:lstStyle/>
           <a:p>
-            <a:pPr/>
+            <a:endParaRPr/>
           </a:p>
         </p:txBody>
       </p:sp>
       <p:sp>
         <p:nvSpPr>
           <p:cNvPr id="126" name="生长在熔岩岩石之间的野生植物的特写"/>
-          <p:cNvSpPr/>
+          <p:cNvSpPr>
+            <a:spLocks noGrp="1"/>
+          </p:cNvSpPr>
           <p:nvPr>
             <p:ph type="pic" sz="quarter" idx="23"/>
           </p:nvPr>
@@ -1377,14 +1466,16 @@
           </a:bodyPr>
           <a:lstStyle/>
           <a:p>
-            <a:pPr/>
+            <a:endParaRPr/>
           </a:p>
         </p:txBody>
       </p:sp>
       <p:sp>
         <p:nvSpPr>
           <p:cNvPr id="127" name="Slide Number"/>
-          <p:cNvSpPr txBox="1"/>
+          <p:cNvSpPr txBox="1">
+            <a:spLocks noGrp="1"/>
+          </p:cNvSpPr>
           <p:nvPr>
             <p:ph type="sldNum" sz="quarter" idx="2"/>
           </p:nvPr>
@@ -1398,8 +1489,10 @@
           <a:bodyPr/>
           <a:lstStyle/>
           <a:p>
-            <a:pPr/>
-            <a:fld id="{86CB4B4D-7CA3-9044-876B-883B54F8677D}" type="slidenum"/>
+            <a:fld id="{86CB4B4D-7CA3-9044-876B-883B54F8677D}" type="slidenum">
+              <a:t>‹#›</a:t>
+            </a:fld>
+            <a:endParaRPr/>
           </a:p>
         </p:txBody>
       </p:sp>
@@ -1408,12 +1501,12 @@
   <p:clrMapOvr>
     <a:masterClrMapping/>
   </p:clrMapOvr>
-  <p:transition xmlns:p14="http://schemas.microsoft.com/office/powerpoint/2010/main" spd="med" advClick="1"/>
+  <p:transition spd="med"/>
 </p:sldLayout>
 </file>
 
 <file path=ppt/slideLayouts/slideLayout14.xml><?xml version="1.0" encoding="utf-8"?>
-<p:sldLayout xmlns:a="http://schemas.openxmlformats.org/drawingml/2006/main" xmlns:r="http://schemas.openxmlformats.org/officeDocument/2006/relationships" xmlns:p="http://schemas.openxmlformats.org/presentationml/2006/main" xmlns:m="http://schemas.openxmlformats.org/officeDocument/2006/math" xmlns:a14="http://schemas.microsoft.com/office/drawing/2010/main" type="tx" showMasterSp="1" showMasterPhAnim="1">
+<p:sldLayout xmlns:a="http://schemas.openxmlformats.org/drawingml/2006/main" xmlns:r="http://schemas.openxmlformats.org/officeDocument/2006/relationships" xmlns:p="http://schemas.openxmlformats.org/presentationml/2006/main" type="tx">
   <p:cSld name="照片">
     <p:spTree>
       <p:nvGrpSpPr>
@@ -1432,7 +1525,9 @@
       <p:sp>
         <p:nvSpPr>
           <p:cNvPr id="134" name="被绿色岩石景观环绕的瀑布"/>
-          <p:cNvSpPr/>
+          <p:cNvSpPr>
+            <a:spLocks noGrp="1"/>
+          </p:cNvSpPr>
           <p:nvPr>
             <p:ph type="pic" idx="21"/>
           </p:nvPr>
@@ -1452,14 +1547,16 @@
           </a:bodyPr>
           <a:lstStyle/>
           <a:p>
-            <a:pPr/>
+            <a:endParaRPr/>
           </a:p>
         </p:txBody>
       </p:sp>
       <p:sp>
         <p:nvSpPr>
           <p:cNvPr id="135" name="Slide Number"/>
-          <p:cNvSpPr txBox="1"/>
+          <p:cNvSpPr txBox="1">
+            <a:spLocks noGrp="1"/>
+          </p:cNvSpPr>
           <p:nvPr>
             <p:ph type="sldNum" sz="quarter" idx="2"/>
           </p:nvPr>
@@ -1473,8 +1570,10 @@
           <a:bodyPr/>
           <a:lstStyle/>
           <a:p>
-            <a:pPr/>
-            <a:fld id="{86CB4B4D-7CA3-9044-876B-883B54F8677D}" type="slidenum"/>
+            <a:fld id="{86CB4B4D-7CA3-9044-876B-883B54F8677D}" type="slidenum">
+              <a:t>‹#›</a:t>
+            </a:fld>
+            <a:endParaRPr/>
           </a:p>
         </p:txBody>
       </p:sp>
@@ -1483,12 +1582,12 @@
   <p:clrMapOvr>
     <a:masterClrMapping/>
   </p:clrMapOvr>
-  <p:transition xmlns:p14="http://schemas.microsoft.com/office/powerpoint/2010/main" spd="med" advClick="1"/>
+  <p:transition spd="med"/>
 </p:sldLayout>
 </file>
 
 <file path=ppt/slideLayouts/slideLayout15.xml><?xml version="1.0" encoding="utf-8"?>
-<p:sldLayout xmlns:a="http://schemas.openxmlformats.org/drawingml/2006/main" xmlns:r="http://schemas.openxmlformats.org/officeDocument/2006/relationships" xmlns:p="http://schemas.openxmlformats.org/presentationml/2006/main" xmlns:m="http://schemas.openxmlformats.org/officeDocument/2006/math" xmlns:a14="http://schemas.microsoft.com/office/drawing/2010/main" type="tx" showMasterSp="1" showMasterPhAnim="1">
+<p:sldLayout xmlns:a="http://schemas.openxmlformats.org/drawingml/2006/main" xmlns:r="http://schemas.openxmlformats.org/officeDocument/2006/relationships" xmlns:p="http://schemas.openxmlformats.org/presentationml/2006/main" type="tx">
   <p:cSld name="空白">
     <p:spTree>
       <p:nvGrpSpPr>
@@ -1507,7 +1606,9 @@
       <p:sp>
         <p:nvSpPr>
           <p:cNvPr id="142" name="Slide Number"/>
-          <p:cNvSpPr txBox="1"/>
+          <p:cNvSpPr txBox="1">
+            <a:spLocks noGrp="1"/>
+          </p:cNvSpPr>
           <p:nvPr>
             <p:ph type="sldNum" sz="quarter" idx="2"/>
           </p:nvPr>
@@ -1521,8 +1622,10 @@
           <a:bodyPr/>
           <a:lstStyle/>
           <a:p>
-            <a:pPr/>
-            <a:fld id="{86CB4B4D-7CA3-9044-876B-883B54F8677D}" type="slidenum"/>
+            <a:fld id="{86CB4B4D-7CA3-9044-876B-883B54F8677D}" type="slidenum">
+              <a:t>‹#›</a:t>
+            </a:fld>
+            <a:endParaRPr/>
           </a:p>
         </p:txBody>
       </p:sp>
@@ -1531,12 +1634,12 @@
   <p:clrMapOvr>
     <a:masterClrMapping/>
   </p:clrMapOvr>
-  <p:transition xmlns:p14="http://schemas.microsoft.com/office/powerpoint/2010/main" spd="med" advClick="1"/>
+  <p:transition spd="med"/>
 </p:sldLayout>
 </file>
 
 <file path=ppt/slideLayouts/slideLayout2.xml><?xml version="1.0" encoding="utf-8"?>
-<p:sldLayout xmlns:a="http://schemas.openxmlformats.org/drawingml/2006/main" xmlns:r="http://schemas.openxmlformats.org/officeDocument/2006/relationships" xmlns:p="http://schemas.openxmlformats.org/presentationml/2006/main" xmlns:m="http://schemas.openxmlformats.org/officeDocument/2006/math" xmlns:a14="http://schemas.microsoft.com/office/drawing/2010/main" type="tx" showMasterSp="1" showMasterPhAnim="1">
+<p:sldLayout xmlns:a="http://schemas.openxmlformats.org/drawingml/2006/main" xmlns:r="http://schemas.openxmlformats.org/officeDocument/2006/relationships" xmlns:p="http://schemas.openxmlformats.org/presentationml/2006/main" type="tx">
   <p:cSld name="标题与照片">
     <p:spTree>
       <p:nvGrpSpPr>
@@ -1555,7 +1658,9 @@
       <p:sp>
         <p:nvSpPr>
           <p:cNvPr id="21" name="绿色丘陵景观"/>
-          <p:cNvSpPr/>
+          <p:cNvSpPr>
+            <a:spLocks noGrp="1"/>
+          </p:cNvSpPr>
           <p:nvPr>
             <p:ph type="pic" idx="21"/>
           </p:nvPr>
@@ -1575,14 +1680,16 @@
           </a:bodyPr>
           <a:lstStyle/>
           <a:p>
-            <a:pPr/>
+            <a:endParaRPr/>
           </a:p>
         </p:txBody>
       </p:sp>
       <p:sp>
         <p:nvSpPr>
           <p:cNvPr id="22" name="演示文稿标题"/>
-          <p:cNvSpPr txBox="1"/>
+          <p:cNvSpPr txBox="1">
+            <a:spLocks noGrp="1"/>
+          </p:cNvSpPr>
           <p:nvPr>
             <p:ph type="title" hasCustomPrompt="1"/>
           </p:nvPr>
@@ -1600,11 +1707,10 @@
           <a:bodyPr anchor="b"/>
           <a:lstStyle>
             <a:lvl1pPr>
-              <a:defRPr spc="-232" sz="11600"/>
+              <a:defRPr sz="11600" spc="-232"/>
             </a:lvl1pPr>
           </a:lstStyle>
           <a:p>
-            <a:pPr/>
             <a:r>
               <a:t>演示文稿标题</a:t>
             </a:r>
@@ -1614,7 +1720,9 @@
       <p:sp>
         <p:nvSpPr>
           <p:cNvPr id="23" name="Body Level One…"/>
-          <p:cNvSpPr txBox="1"/>
+          <p:cNvSpPr txBox="1">
+            <a:spLocks noGrp="1"/>
+          </p:cNvSpPr>
           <p:nvPr>
             <p:ph type="body" sz="quarter" idx="1" hasCustomPrompt="1"/>
           </p:nvPr>
@@ -1640,7 +1748,7 @@
               </a:spcBef>
               <a:buSzTx/>
               <a:buNone/>
-              <a:defRPr b="1" sz="3000"/>
+              <a:defRPr sz="3000" b="1"/>
             </a:lvl1pPr>
             <a:lvl2pPr marL="990600" indent="-381000" defTabSz="701675">
               <a:lnSpc>
@@ -1649,7 +1757,7 @@
               <a:spcBef>
                 <a:spcPts val="0"/>
               </a:spcBef>
-              <a:defRPr b="1" sz="3000"/>
+              <a:defRPr sz="3000" b="1"/>
             </a:lvl2pPr>
             <a:lvl3pPr marL="1600200" indent="-381000" defTabSz="701675">
               <a:lnSpc>
@@ -1658,7 +1766,7 @@
               <a:spcBef>
                 <a:spcPts val="0"/>
               </a:spcBef>
-              <a:defRPr b="1" sz="3000"/>
+              <a:defRPr sz="3000" b="1"/>
             </a:lvl3pPr>
             <a:lvl4pPr marL="2209800" indent="-381000" defTabSz="701675">
               <a:lnSpc>
@@ -1667,7 +1775,7 @@
               <a:spcBef>
                 <a:spcPts val="0"/>
               </a:spcBef>
-              <a:defRPr b="1" sz="3000"/>
+              <a:defRPr sz="3000" b="1"/>
             </a:lvl4pPr>
             <a:lvl5pPr marL="2819400" indent="-381000" defTabSz="701675">
               <a:lnSpc>
@@ -1676,45 +1784,38 @@
               <a:spcBef>
                 <a:spcPts val="0"/>
               </a:spcBef>
-              <a:defRPr b="1" sz="3000"/>
+              <a:defRPr sz="3000" b="1"/>
             </a:lvl5pPr>
           </a:lstStyle>
           <a:p>
-            <a:pPr/>
             <a:r>
               <a:t>作者和日期</a:t>
             </a:r>
           </a:p>
           <a:p>
             <a:pPr lvl="1"/>
-            <a:r>
-              <a:t/>
-            </a:r>
+            <a:endParaRPr/>
           </a:p>
           <a:p>
             <a:pPr lvl="2"/>
-            <a:r>
-              <a:t/>
-            </a:r>
+            <a:endParaRPr/>
           </a:p>
           <a:p>
             <a:pPr lvl="3"/>
-            <a:r>
-              <a:t/>
-            </a:r>
+            <a:endParaRPr/>
           </a:p>
           <a:p>
             <a:pPr lvl="4"/>
-            <a:r>
-              <a:t/>
-            </a:r>
+            <a:endParaRPr/>
           </a:p>
         </p:txBody>
       </p:sp>
       <p:sp>
         <p:nvSpPr>
           <p:cNvPr id="24" name="正文级别 1…"/>
-          <p:cNvSpPr txBox="1"/>
+          <p:cNvSpPr txBox="1">
+            <a:spLocks noGrp="1"/>
+          </p:cNvSpPr>
           <p:nvPr>
             <p:ph type="body" sz="quarter" idx="22" hasCustomPrompt="1"/>
           </p:nvPr>
@@ -1740,11 +1841,10 @@
               </a:spcBef>
               <a:buSzTx/>
               <a:buNone/>
-              <a:defRPr b="1" sz="5500"/>
+              <a:defRPr sz="5500" b="1"/>
             </a:lvl1pPr>
           </a:lstStyle>
           <a:p>
-            <a:pPr/>
             <a:r>
               <a:t>演示文稿副标题 </a:t>
             </a:r>
@@ -1754,7 +1854,9 @@
       <p:sp>
         <p:nvSpPr>
           <p:cNvPr id="25" name="Slide Number"/>
-          <p:cNvSpPr txBox="1"/>
+          <p:cNvSpPr txBox="1">
+            <a:spLocks noGrp="1"/>
+          </p:cNvSpPr>
           <p:nvPr>
             <p:ph type="sldNum" sz="quarter" idx="2"/>
           </p:nvPr>
@@ -1768,8 +1870,10 @@
           <a:bodyPr/>
           <a:lstStyle/>
           <a:p>
-            <a:pPr/>
-            <a:fld id="{86CB4B4D-7CA3-9044-876B-883B54F8677D}" type="slidenum"/>
+            <a:fld id="{86CB4B4D-7CA3-9044-876B-883B54F8677D}" type="slidenum">
+              <a:t>‹#›</a:t>
+            </a:fld>
+            <a:endParaRPr/>
           </a:p>
         </p:txBody>
       </p:sp>
@@ -1778,12 +1882,12 @@
   <p:clrMapOvr>
     <a:masterClrMapping/>
   </p:clrMapOvr>
-  <p:transition xmlns:p14="http://schemas.microsoft.com/office/powerpoint/2010/main" spd="med" advClick="1"/>
+  <p:transition spd="med"/>
 </p:sldLayout>
 </file>
 
 <file path=ppt/slideLayouts/slideLayout3.xml><?xml version="1.0" encoding="utf-8"?>
-<p:sldLayout xmlns:a="http://schemas.openxmlformats.org/drawingml/2006/main" xmlns:r="http://schemas.openxmlformats.org/officeDocument/2006/relationships" xmlns:p="http://schemas.openxmlformats.org/presentationml/2006/main" xmlns:m="http://schemas.openxmlformats.org/officeDocument/2006/math" xmlns:a14="http://schemas.microsoft.com/office/drawing/2010/main" type="tx" showMasterSp="1" showMasterPhAnim="1">
+<p:sldLayout xmlns:a="http://schemas.openxmlformats.org/drawingml/2006/main" xmlns:r="http://schemas.openxmlformats.org/officeDocument/2006/relationships" xmlns:p="http://schemas.openxmlformats.org/presentationml/2006/main" type="tx">
   <p:cSld name="标题与照片（备选）">
     <p:spTree>
       <p:nvGrpSpPr>
@@ -1802,7 +1906,9 @@
       <p:sp>
         <p:nvSpPr>
           <p:cNvPr id="32" name="幻灯片标题"/>
-          <p:cNvSpPr txBox="1"/>
+          <p:cNvSpPr txBox="1">
+            <a:spLocks noGrp="1"/>
+          </p:cNvSpPr>
           <p:nvPr>
             <p:ph type="title" hasCustomPrompt="1"/>
           </p:nvPr>
@@ -1820,7 +1926,6 @@
           <a:bodyPr anchor="b"/>
           <a:lstStyle/>
           <a:p>
-            <a:pPr/>
             <a:r>
               <a:t>幻灯片标题</a:t>
             </a:r>
@@ -1830,7 +1935,9 @@
       <p:sp>
         <p:nvSpPr>
           <p:cNvPr id="33" name="Body Level One…"/>
-          <p:cNvSpPr txBox="1"/>
+          <p:cNvSpPr txBox="1">
+            <a:spLocks noGrp="1"/>
+          </p:cNvSpPr>
           <p:nvPr>
             <p:ph type="body" sz="quarter" idx="1" hasCustomPrompt="1"/>
           </p:nvPr>
@@ -1856,7 +1963,7 @@
               </a:spcBef>
               <a:buSzTx/>
               <a:buNone/>
-              <a:defRPr b="1" sz="5500"/>
+              <a:defRPr sz="5500" b="1"/>
             </a:lvl1pPr>
             <a:lvl2pPr marL="0" indent="0" defTabSz="825500">
               <a:lnSpc>
@@ -1867,7 +1974,7 @@
               </a:spcBef>
               <a:buSzTx/>
               <a:buNone/>
-              <a:defRPr b="1" sz="5500"/>
+              <a:defRPr sz="5500" b="1"/>
             </a:lvl2pPr>
             <a:lvl3pPr marL="0" indent="0" defTabSz="825500">
               <a:lnSpc>
@@ -1878,7 +1985,7 @@
               </a:spcBef>
               <a:buSzTx/>
               <a:buNone/>
-              <a:defRPr b="1" sz="5500"/>
+              <a:defRPr sz="5500" b="1"/>
             </a:lvl3pPr>
             <a:lvl4pPr marL="0" indent="0" defTabSz="825500">
               <a:lnSpc>
@@ -1889,7 +1996,7 @@
               </a:spcBef>
               <a:buSzTx/>
               <a:buNone/>
-              <a:defRPr b="1" sz="5500"/>
+              <a:defRPr sz="5500" b="1"/>
             </a:lvl4pPr>
             <a:lvl5pPr marL="0" indent="0" defTabSz="825500">
               <a:lnSpc>
@@ -1900,45 +2007,38 @@
               </a:spcBef>
               <a:buSzTx/>
               <a:buNone/>
-              <a:defRPr b="1" sz="5500"/>
+              <a:defRPr sz="5500" b="1"/>
             </a:lvl5pPr>
           </a:lstStyle>
           <a:p>
-            <a:pPr/>
             <a:r>
               <a:t>幻灯片副标题</a:t>
             </a:r>
           </a:p>
           <a:p>
             <a:pPr lvl="1"/>
-            <a:r>
-              <a:t/>
-            </a:r>
+            <a:endParaRPr/>
           </a:p>
           <a:p>
             <a:pPr lvl="2"/>
-            <a:r>
-              <a:t/>
-            </a:r>
+            <a:endParaRPr/>
           </a:p>
           <a:p>
             <a:pPr lvl="3"/>
-            <a:r>
-              <a:t/>
-            </a:r>
+            <a:endParaRPr/>
           </a:p>
           <a:p>
             <a:pPr lvl="4"/>
-            <a:r>
-              <a:t/>
-            </a:r>
+            <a:endParaRPr/>
           </a:p>
         </p:txBody>
       </p:sp>
       <p:sp>
         <p:nvSpPr>
           <p:cNvPr id="34" name="苔藓覆盖的岩石"/>
-          <p:cNvSpPr/>
+          <p:cNvSpPr>
+            <a:spLocks noGrp="1"/>
+          </p:cNvSpPr>
           <p:nvPr>
             <p:ph type="pic" sz="half" idx="21"/>
           </p:nvPr>
@@ -1958,14 +2058,16 @@
           </a:bodyPr>
           <a:lstStyle/>
           <a:p>
-            <a:pPr/>
+            <a:endParaRPr/>
           </a:p>
         </p:txBody>
       </p:sp>
       <p:sp>
         <p:nvSpPr>
           <p:cNvPr id="35" name="Slide Number"/>
-          <p:cNvSpPr txBox="1"/>
+          <p:cNvSpPr txBox="1">
+            <a:spLocks noGrp="1"/>
+          </p:cNvSpPr>
           <p:nvPr>
             <p:ph type="sldNum" sz="quarter" idx="2"/>
           </p:nvPr>
@@ -1983,8 +2085,10 @@
           <a:bodyPr/>
           <a:lstStyle/>
           <a:p>
-            <a:pPr/>
-            <a:fld id="{86CB4B4D-7CA3-9044-876B-883B54F8677D}" type="slidenum"/>
+            <a:fld id="{86CB4B4D-7CA3-9044-876B-883B54F8677D}" type="slidenum">
+              <a:t>‹#›</a:t>
+            </a:fld>
+            <a:endParaRPr/>
           </a:p>
         </p:txBody>
       </p:sp>
@@ -1993,12 +2097,12 @@
   <p:clrMapOvr>
     <a:masterClrMapping/>
   </p:clrMapOvr>
-  <p:transition xmlns:p14="http://schemas.microsoft.com/office/powerpoint/2010/main" spd="med" advClick="1"/>
+  <p:transition spd="med"/>
 </p:sldLayout>
 </file>
 
 <file path=ppt/slideLayouts/slideLayout4.xml><?xml version="1.0" encoding="utf-8"?>
-<p:sldLayout xmlns:a="http://schemas.openxmlformats.org/drawingml/2006/main" xmlns:r="http://schemas.openxmlformats.org/officeDocument/2006/relationships" xmlns:p="http://schemas.openxmlformats.org/presentationml/2006/main" xmlns:m="http://schemas.openxmlformats.org/officeDocument/2006/math" xmlns:a14="http://schemas.microsoft.com/office/drawing/2010/main" type="tx" showMasterSp="1" showMasterPhAnim="1">
+<p:sldLayout xmlns:a="http://schemas.openxmlformats.org/drawingml/2006/main" xmlns:r="http://schemas.openxmlformats.org/officeDocument/2006/relationships" xmlns:p="http://schemas.openxmlformats.org/presentationml/2006/main" type="tx">
   <p:cSld name="标题与项目符号">
     <p:spTree>
       <p:nvGrpSpPr>
@@ -2017,7 +2121,9 @@
       <p:sp>
         <p:nvSpPr>
           <p:cNvPr id="42" name="幻灯片标题"/>
-          <p:cNvSpPr txBox="1"/>
+          <p:cNvSpPr txBox="1">
+            <a:spLocks noGrp="1"/>
+          </p:cNvSpPr>
           <p:nvPr>
             <p:ph type="title" hasCustomPrompt="1"/>
           </p:nvPr>
@@ -2035,7 +2141,6 @@
           <a:bodyPr/>
           <a:lstStyle/>
           <a:p>
-            <a:pPr/>
             <a:r>
               <a:t>幻灯片标题</a:t>
             </a:r>
@@ -2045,7 +2150,9 @@
       <p:sp>
         <p:nvSpPr>
           <p:cNvPr id="43" name="Body Level One…"/>
-          <p:cNvSpPr txBox="1"/>
+          <p:cNvSpPr txBox="1">
+            <a:spLocks noGrp="1"/>
+          </p:cNvSpPr>
           <p:nvPr>
             <p:ph type="body" sz="quarter" idx="1" hasCustomPrompt="1"/>
           </p:nvPr>
@@ -2111,41 +2218,34 @@
             </a:lvl5pPr>
           </a:lstStyle>
           <a:p>
-            <a:pPr/>
             <a:r>
               <a:t>幻灯片副标题</a:t>
             </a:r>
           </a:p>
           <a:p>
             <a:pPr lvl="1"/>
-            <a:r>
-              <a:t/>
-            </a:r>
+            <a:endParaRPr/>
           </a:p>
           <a:p>
             <a:pPr lvl="2"/>
-            <a:r>
-              <a:t/>
-            </a:r>
+            <a:endParaRPr/>
           </a:p>
           <a:p>
             <a:pPr lvl="3"/>
-            <a:r>
-              <a:t/>
-            </a:r>
+            <a:endParaRPr/>
           </a:p>
           <a:p>
             <a:pPr lvl="4"/>
-            <a:r>
-              <a:t/>
-            </a:r>
+            <a:endParaRPr/>
           </a:p>
         </p:txBody>
       </p:sp>
       <p:sp>
         <p:nvSpPr>
           <p:cNvPr id="44" name="正文级别 1…"/>
-          <p:cNvSpPr txBox="1"/>
+          <p:cNvSpPr txBox="1">
+            <a:spLocks noGrp="1"/>
+          </p:cNvSpPr>
           <p:nvPr>
             <p:ph type="body" idx="21" hasCustomPrompt="1"/>
           </p:nvPr>
@@ -2163,7 +2263,6 @@
           <a:bodyPr numCol="1" spcCol="38100"/>
           <a:lstStyle/>
           <a:p>
-            <a:pPr/>
             <a:r>
               <a:t>幻灯片项目符号文本</a:t>
             </a:r>
@@ -2173,7 +2272,9 @@
       <p:sp>
         <p:nvSpPr>
           <p:cNvPr id="45" name="Slide Number"/>
-          <p:cNvSpPr txBox="1"/>
+          <p:cNvSpPr txBox="1">
+            <a:spLocks noGrp="1"/>
+          </p:cNvSpPr>
           <p:nvPr>
             <p:ph type="sldNum" sz="quarter" idx="2"/>
           </p:nvPr>
@@ -2187,8 +2288,10 @@
           <a:bodyPr/>
           <a:lstStyle/>
           <a:p>
-            <a:pPr/>
-            <a:fld id="{86CB4B4D-7CA3-9044-876B-883B54F8677D}" type="slidenum"/>
+            <a:fld id="{86CB4B4D-7CA3-9044-876B-883B54F8677D}" type="slidenum">
+              <a:t>‹#›</a:t>
+            </a:fld>
+            <a:endParaRPr/>
           </a:p>
         </p:txBody>
       </p:sp>
@@ -2197,12 +2300,12 @@
   <p:clrMapOvr>
     <a:masterClrMapping/>
   </p:clrMapOvr>
-  <p:transition xmlns:p14="http://schemas.microsoft.com/office/powerpoint/2010/main" spd="med" advClick="1"/>
+  <p:transition spd="med"/>
 </p:sldLayout>
 </file>
 
 <file path=ppt/slideLayouts/slideLayout5.xml><?xml version="1.0" encoding="utf-8"?>
-<p:sldLayout xmlns:a="http://schemas.openxmlformats.org/drawingml/2006/main" xmlns:r="http://schemas.openxmlformats.org/officeDocument/2006/relationships" xmlns:p="http://schemas.openxmlformats.org/presentationml/2006/main" xmlns:m="http://schemas.openxmlformats.org/officeDocument/2006/math" xmlns:a14="http://schemas.microsoft.com/office/drawing/2010/main" type="tx" showMasterSp="1" showMasterPhAnim="1">
+<p:sldLayout xmlns:a="http://schemas.openxmlformats.org/drawingml/2006/main" xmlns:r="http://schemas.openxmlformats.org/officeDocument/2006/relationships" xmlns:p="http://schemas.openxmlformats.org/presentationml/2006/main" type="tx">
   <p:cSld name="项目符号">
     <p:spTree>
       <p:nvGrpSpPr>
@@ -2221,7 +2324,9 @@
       <p:sp>
         <p:nvSpPr>
           <p:cNvPr id="52" name="Body Level One…"/>
-          <p:cNvSpPr txBox="1"/>
+          <p:cNvSpPr txBox="1">
+            <a:spLocks noGrp="1"/>
+          </p:cNvSpPr>
           <p:nvPr>
             <p:ph type="body" idx="1" hasCustomPrompt="1"/>
           </p:nvPr>
@@ -2235,41 +2340,34 @@
           <a:bodyPr/>
           <a:lstStyle/>
           <a:p>
-            <a:pPr/>
             <a:r>
               <a:t>幻灯片项目符号文本</a:t>
             </a:r>
           </a:p>
           <a:p>
             <a:pPr lvl="1"/>
-            <a:r>
-              <a:t/>
-            </a:r>
+            <a:endParaRPr/>
           </a:p>
           <a:p>
             <a:pPr lvl="2"/>
-            <a:r>
-              <a:t/>
-            </a:r>
+            <a:endParaRPr/>
           </a:p>
           <a:p>
             <a:pPr lvl="3"/>
-            <a:r>
-              <a:t/>
-            </a:r>
+            <a:endParaRPr/>
           </a:p>
           <a:p>
             <a:pPr lvl="4"/>
-            <a:r>
-              <a:t/>
-            </a:r>
+            <a:endParaRPr/>
           </a:p>
         </p:txBody>
       </p:sp>
       <p:sp>
         <p:nvSpPr>
           <p:cNvPr id="53" name="Slide Number"/>
-          <p:cNvSpPr txBox="1"/>
+          <p:cNvSpPr txBox="1">
+            <a:spLocks noGrp="1"/>
+          </p:cNvSpPr>
           <p:nvPr>
             <p:ph type="sldNum" sz="quarter" idx="2"/>
           </p:nvPr>
@@ -2283,8 +2381,10 @@
           <a:bodyPr/>
           <a:lstStyle/>
           <a:p>
-            <a:pPr/>
-            <a:fld id="{86CB4B4D-7CA3-9044-876B-883B54F8677D}" type="slidenum"/>
+            <a:fld id="{86CB4B4D-7CA3-9044-876B-883B54F8677D}" type="slidenum">
+              <a:t>‹#›</a:t>
+            </a:fld>
+            <a:endParaRPr/>
           </a:p>
         </p:txBody>
       </p:sp>
@@ -2293,12 +2393,12 @@
   <p:clrMapOvr>
     <a:masterClrMapping/>
   </p:clrMapOvr>
-  <p:transition xmlns:p14="http://schemas.microsoft.com/office/powerpoint/2010/main" spd="med" advClick="1"/>
+  <p:transition spd="med"/>
 </p:sldLayout>
 </file>
 
 <file path=ppt/slideLayouts/slideLayout6.xml><?xml version="1.0" encoding="utf-8"?>
-<p:sldLayout xmlns:a="http://schemas.openxmlformats.org/drawingml/2006/main" xmlns:r="http://schemas.openxmlformats.org/officeDocument/2006/relationships" xmlns:p="http://schemas.openxmlformats.org/presentationml/2006/main" xmlns:m="http://schemas.openxmlformats.org/officeDocument/2006/math" xmlns:a14="http://schemas.microsoft.com/office/drawing/2010/main" type="tx" showMasterSp="1" showMasterPhAnim="1">
+<p:sldLayout xmlns:a="http://schemas.openxmlformats.org/drawingml/2006/main" xmlns:r="http://schemas.openxmlformats.org/officeDocument/2006/relationships" xmlns:p="http://schemas.openxmlformats.org/presentationml/2006/main" type="tx">
   <p:cSld name="标题、项目符号与照片">
     <p:spTree>
       <p:nvGrpSpPr>
@@ -2317,7 +2417,9 @@
       <p:sp>
         <p:nvSpPr>
           <p:cNvPr id="60" name="幻灯片标题"/>
-          <p:cNvSpPr txBox="1"/>
+          <p:cNvSpPr txBox="1">
+            <a:spLocks noGrp="1"/>
+          </p:cNvSpPr>
           <p:nvPr>
             <p:ph type="title" hasCustomPrompt="1"/>
           </p:nvPr>
@@ -2335,7 +2437,6 @@
           <a:bodyPr/>
           <a:lstStyle/>
           <a:p>
-            <a:pPr/>
             <a:r>
               <a:t>幻灯片标题</a:t>
             </a:r>
@@ -2345,7 +2446,9 @@
       <p:sp>
         <p:nvSpPr>
           <p:cNvPr id="61" name="Body Level One…"/>
-          <p:cNvSpPr txBox="1"/>
+          <p:cNvSpPr txBox="1">
+            <a:spLocks noGrp="1"/>
+          </p:cNvSpPr>
           <p:nvPr>
             <p:ph type="body" sz="quarter" idx="1" hasCustomPrompt="1"/>
           </p:nvPr>
@@ -2411,41 +2514,34 @@
             </a:lvl5pPr>
           </a:lstStyle>
           <a:p>
-            <a:pPr/>
             <a:r>
               <a:t>幻灯片副标题</a:t>
             </a:r>
           </a:p>
           <a:p>
             <a:pPr lvl="1"/>
-            <a:r>
-              <a:t/>
-            </a:r>
+            <a:endParaRPr/>
           </a:p>
           <a:p>
             <a:pPr lvl="2"/>
-            <a:r>
-              <a:t/>
-            </a:r>
+            <a:endParaRPr/>
           </a:p>
           <a:p>
             <a:pPr lvl="3"/>
-            <a:r>
-              <a:t/>
-            </a:r>
+            <a:endParaRPr/>
           </a:p>
           <a:p>
             <a:pPr lvl="4"/>
-            <a:r>
-              <a:t/>
-            </a:r>
+            <a:endParaRPr/>
           </a:p>
         </p:txBody>
       </p:sp>
       <p:sp>
         <p:nvSpPr>
           <p:cNvPr id="62" name="正文级别 1…"/>
-          <p:cNvSpPr txBox="1"/>
+          <p:cNvSpPr txBox="1">
+            <a:spLocks noGrp="1"/>
+          </p:cNvSpPr>
           <p:nvPr>
             <p:ph type="body" sz="half" idx="21" hasCustomPrompt="1"/>
           </p:nvPr>
@@ -2463,7 +2559,6 @@
           <a:bodyPr numCol="1" spcCol="38100"/>
           <a:lstStyle/>
           <a:p>
-            <a:pPr/>
             <a:r>
               <a:t>幻灯片项目符号文本</a:t>
             </a:r>
@@ -2473,7 +2568,9 @@
       <p:sp>
         <p:nvSpPr>
           <p:cNvPr id="63" name="乌云下的大岩层，前景是一条土路"/>
-          <p:cNvSpPr/>
+          <p:cNvSpPr>
+            <a:spLocks noGrp="1"/>
+          </p:cNvSpPr>
           <p:nvPr>
             <p:ph type="pic" idx="22"/>
           </p:nvPr>
@@ -2493,14 +2590,16 @@
           </a:bodyPr>
           <a:lstStyle/>
           <a:p>
-            <a:pPr/>
+            <a:endParaRPr/>
           </a:p>
         </p:txBody>
       </p:sp>
       <p:sp>
         <p:nvSpPr>
           <p:cNvPr id="64" name="Slide Number"/>
-          <p:cNvSpPr txBox="1"/>
+          <p:cNvSpPr txBox="1">
+            <a:spLocks noGrp="1"/>
+          </p:cNvSpPr>
           <p:nvPr>
             <p:ph type="sldNum" sz="quarter" idx="2"/>
           </p:nvPr>
@@ -2514,8 +2613,10 @@
           <a:bodyPr/>
           <a:lstStyle/>
           <a:p>
-            <a:pPr/>
-            <a:fld id="{86CB4B4D-7CA3-9044-876B-883B54F8677D}" type="slidenum"/>
+            <a:fld id="{86CB4B4D-7CA3-9044-876B-883B54F8677D}" type="slidenum">
+              <a:t>‹#›</a:t>
+            </a:fld>
+            <a:endParaRPr/>
           </a:p>
         </p:txBody>
       </p:sp>
@@ -2524,12 +2625,12 @@
   <p:clrMapOvr>
     <a:masterClrMapping/>
   </p:clrMapOvr>
-  <p:transition xmlns:p14="http://schemas.microsoft.com/office/powerpoint/2010/main" spd="med" advClick="1"/>
+  <p:transition spd="med"/>
 </p:sldLayout>
 </file>
 
 <file path=ppt/slideLayouts/slideLayout7.xml><?xml version="1.0" encoding="utf-8"?>
-<p:sldLayout xmlns:a="http://schemas.openxmlformats.org/drawingml/2006/main" xmlns:r="http://schemas.openxmlformats.org/officeDocument/2006/relationships" xmlns:p="http://schemas.openxmlformats.org/presentationml/2006/main" xmlns:m="http://schemas.openxmlformats.org/officeDocument/2006/math" xmlns:a14="http://schemas.microsoft.com/office/drawing/2010/main" type="tx" showMasterSp="1" showMasterPhAnim="1">
+<p:sldLayout xmlns:a="http://schemas.openxmlformats.org/drawingml/2006/main" xmlns:r="http://schemas.openxmlformats.org/officeDocument/2006/relationships" xmlns:p="http://schemas.openxmlformats.org/presentationml/2006/main" type="tx">
   <p:cSld name="节">
     <p:spTree>
       <p:nvGrpSpPr>
@@ -2548,7 +2649,9 @@
       <p:sp>
         <p:nvSpPr>
           <p:cNvPr id="71" name="章节标题"/>
-          <p:cNvSpPr txBox="1"/>
+          <p:cNvSpPr txBox="1">
+            <a:spLocks noGrp="1"/>
+          </p:cNvSpPr>
           <p:nvPr>
             <p:ph type="title" hasCustomPrompt="1"/>
           </p:nvPr>
@@ -2566,7 +2669,7 @@
           <a:bodyPr anchor="ctr"/>
           <a:lstStyle>
             <a:lvl1pPr>
-              <a:defRPr b="0" spc="-232" sz="11600">
+              <a:defRPr sz="11600" b="0" spc="-232">
                 <a:latin typeface="Helvetica Neue Medium"/>
                 <a:ea typeface="Helvetica Neue Medium"/>
                 <a:cs typeface="Helvetica Neue Medium"/>
@@ -2575,7 +2678,6 @@
             </a:lvl1pPr>
           </a:lstStyle>
           <a:p>
-            <a:pPr/>
             <a:r>
               <a:t>章节标题</a:t>
             </a:r>
@@ -2585,7 +2687,9 @@
       <p:sp>
         <p:nvSpPr>
           <p:cNvPr id="72" name="Slide Number"/>
-          <p:cNvSpPr txBox="1"/>
+          <p:cNvSpPr txBox="1">
+            <a:spLocks noGrp="1"/>
+          </p:cNvSpPr>
           <p:nvPr>
             <p:ph type="sldNum" sz="quarter" idx="2"/>
           </p:nvPr>
@@ -2603,8 +2707,10 @@
           <a:bodyPr/>
           <a:lstStyle/>
           <a:p>
-            <a:pPr/>
-            <a:fld id="{86CB4B4D-7CA3-9044-876B-883B54F8677D}" type="slidenum"/>
+            <a:fld id="{86CB4B4D-7CA3-9044-876B-883B54F8677D}" type="slidenum">
+              <a:t>‹#›</a:t>
+            </a:fld>
+            <a:endParaRPr/>
           </a:p>
         </p:txBody>
       </p:sp>
@@ -2613,12 +2719,12 @@
   <p:clrMapOvr>
     <a:masterClrMapping/>
   </p:clrMapOvr>
-  <p:transition xmlns:p14="http://schemas.microsoft.com/office/powerpoint/2010/main" spd="med" advClick="1"/>
+  <p:transition spd="med"/>
 </p:sldLayout>
 </file>
 
 <file path=ppt/slideLayouts/slideLayout8.xml><?xml version="1.0" encoding="utf-8"?>
-<p:sldLayout xmlns:a="http://schemas.openxmlformats.org/drawingml/2006/main" xmlns:r="http://schemas.openxmlformats.org/officeDocument/2006/relationships" xmlns:p="http://schemas.openxmlformats.org/presentationml/2006/main" xmlns:m="http://schemas.openxmlformats.org/officeDocument/2006/math" xmlns:a14="http://schemas.microsoft.com/office/drawing/2010/main" type="tx" showMasterSp="1" showMasterPhAnim="1">
+<p:sldLayout xmlns:a="http://schemas.openxmlformats.org/drawingml/2006/main" xmlns:r="http://schemas.openxmlformats.org/officeDocument/2006/relationships" xmlns:p="http://schemas.openxmlformats.org/presentationml/2006/main" type="tx">
   <p:cSld name="仅标题">
     <p:spTree>
       <p:nvGrpSpPr>
@@ -2637,7 +2743,9 @@
       <p:sp>
         <p:nvSpPr>
           <p:cNvPr id="79" name="幻灯片标题"/>
-          <p:cNvSpPr txBox="1"/>
+          <p:cNvSpPr txBox="1">
+            <a:spLocks noGrp="1"/>
+          </p:cNvSpPr>
           <p:nvPr>
             <p:ph type="title" hasCustomPrompt="1"/>
           </p:nvPr>
@@ -2655,7 +2763,6 @@
           <a:bodyPr/>
           <a:lstStyle/>
           <a:p>
-            <a:pPr/>
             <a:r>
               <a:t>幻灯片标题</a:t>
             </a:r>
@@ -2665,7 +2772,9 @@
       <p:sp>
         <p:nvSpPr>
           <p:cNvPr id="80" name="Body Level One…"/>
-          <p:cNvSpPr txBox="1"/>
+          <p:cNvSpPr txBox="1">
+            <a:spLocks noGrp="1"/>
+          </p:cNvSpPr>
           <p:nvPr>
             <p:ph type="body" sz="quarter" idx="1" hasCustomPrompt="1"/>
           </p:nvPr>
@@ -2731,41 +2840,34 @@
             </a:lvl5pPr>
           </a:lstStyle>
           <a:p>
-            <a:pPr/>
             <a:r>
               <a:t>幻灯片副标题</a:t>
             </a:r>
           </a:p>
           <a:p>
             <a:pPr lvl="1"/>
-            <a:r>
-              <a:t/>
-            </a:r>
+            <a:endParaRPr/>
           </a:p>
           <a:p>
             <a:pPr lvl="2"/>
-            <a:r>
-              <a:t/>
-            </a:r>
+            <a:endParaRPr/>
           </a:p>
           <a:p>
             <a:pPr lvl="3"/>
-            <a:r>
-              <a:t/>
-            </a:r>
+            <a:endParaRPr/>
           </a:p>
           <a:p>
             <a:pPr lvl="4"/>
-            <a:r>
-              <a:t/>
-            </a:r>
+            <a:endParaRPr/>
           </a:p>
         </p:txBody>
       </p:sp>
       <p:sp>
         <p:nvSpPr>
           <p:cNvPr id="81" name="Slide Number"/>
-          <p:cNvSpPr txBox="1"/>
+          <p:cNvSpPr txBox="1">
+            <a:spLocks noGrp="1"/>
+          </p:cNvSpPr>
           <p:nvPr>
             <p:ph type="sldNum" sz="quarter" idx="2"/>
           </p:nvPr>
@@ -2779,8 +2881,10 @@
           <a:bodyPr/>
           <a:lstStyle/>
           <a:p>
-            <a:pPr/>
-            <a:fld id="{86CB4B4D-7CA3-9044-876B-883B54F8677D}" type="slidenum"/>
+            <a:fld id="{86CB4B4D-7CA3-9044-876B-883B54F8677D}" type="slidenum">
+              <a:t>‹#›</a:t>
+            </a:fld>
+            <a:endParaRPr/>
           </a:p>
         </p:txBody>
       </p:sp>
@@ -2789,12 +2893,12 @@
   <p:clrMapOvr>
     <a:masterClrMapping/>
   </p:clrMapOvr>
-  <p:transition xmlns:p14="http://schemas.microsoft.com/office/powerpoint/2010/main" spd="med" advClick="1"/>
+  <p:transition spd="med"/>
 </p:sldLayout>
 </file>
 
 <file path=ppt/slideLayouts/slideLayout9.xml><?xml version="1.0" encoding="utf-8"?>
-<p:sldLayout xmlns:a="http://schemas.openxmlformats.org/drawingml/2006/main" xmlns:r="http://schemas.openxmlformats.org/officeDocument/2006/relationships" xmlns:p="http://schemas.openxmlformats.org/presentationml/2006/main" xmlns:m="http://schemas.openxmlformats.org/officeDocument/2006/math" xmlns:a14="http://schemas.microsoft.com/office/drawing/2010/main" type="tx" showMasterSp="1" showMasterPhAnim="1">
+<p:sldLayout xmlns:a="http://schemas.openxmlformats.org/drawingml/2006/main" xmlns:r="http://schemas.openxmlformats.org/officeDocument/2006/relationships" xmlns:p="http://schemas.openxmlformats.org/presentationml/2006/main" type="tx">
   <p:cSld name="议程">
     <p:spTree>
       <p:nvGrpSpPr>
@@ -2813,7 +2917,9 @@
       <p:sp>
         <p:nvSpPr>
           <p:cNvPr id="88" name="议程标题"/>
-          <p:cNvSpPr txBox="1"/>
+          <p:cNvSpPr txBox="1">
+            <a:spLocks noGrp="1"/>
+          </p:cNvSpPr>
           <p:nvPr>
             <p:ph type="title" hasCustomPrompt="1"/>
           </p:nvPr>
@@ -2831,7 +2937,6 @@
           <a:bodyPr/>
           <a:lstStyle/>
           <a:p>
-            <a:pPr/>
             <a:r>
               <a:t>议程标题</a:t>
             </a:r>
@@ -2841,7 +2946,9 @@
       <p:sp>
         <p:nvSpPr>
           <p:cNvPr id="89" name="Body Level One…"/>
-          <p:cNvSpPr txBox="1"/>
+          <p:cNvSpPr txBox="1">
+            <a:spLocks noGrp="1"/>
+          </p:cNvSpPr>
           <p:nvPr>
             <p:ph type="body" sz="quarter" idx="1" hasCustomPrompt="1"/>
           </p:nvPr>
@@ -2907,41 +3014,34 @@
             </a:lvl5pPr>
           </a:lstStyle>
           <a:p>
-            <a:pPr/>
             <a:r>
               <a:t>议程副标题</a:t>
             </a:r>
           </a:p>
           <a:p>
             <a:pPr lvl="1"/>
-            <a:r>
-              <a:t/>
-            </a:r>
+            <a:endParaRPr/>
           </a:p>
           <a:p>
             <a:pPr lvl="2"/>
-            <a:r>
-              <a:t/>
-            </a:r>
+            <a:endParaRPr/>
           </a:p>
           <a:p>
             <a:pPr lvl="3"/>
-            <a:r>
-              <a:t/>
-            </a:r>
+            <a:endParaRPr/>
           </a:p>
           <a:p>
             <a:pPr lvl="4"/>
-            <a:r>
-              <a:t/>
-            </a:r>
+            <a:endParaRPr/>
           </a:p>
         </p:txBody>
       </p:sp>
       <p:sp>
         <p:nvSpPr>
           <p:cNvPr id="90" name="正文级别 1…"/>
-          <p:cNvSpPr txBox="1"/>
+          <p:cNvSpPr txBox="1">
+            <a:spLocks noGrp="1"/>
+          </p:cNvSpPr>
           <p:nvPr>
             <p:ph type="body" idx="21" hasCustomPrompt="1"/>
           </p:nvPr>
@@ -2967,11 +3067,10 @@
               </a:spcBef>
               <a:buSzTx/>
               <a:buNone/>
-              <a:defRPr spc="-99" sz="5500"/>
+              <a:defRPr sz="5500" spc="-99"/>
             </a:lvl1pPr>
           </a:lstStyle>
           <a:p>
-            <a:pPr/>
             <a:r>
               <a:t>议程主题</a:t>
             </a:r>
@@ -2981,7 +3080,9 @@
       <p:sp>
         <p:nvSpPr>
           <p:cNvPr id="91" name="Slide Number"/>
-          <p:cNvSpPr txBox="1"/>
+          <p:cNvSpPr txBox="1">
+            <a:spLocks noGrp="1"/>
+          </p:cNvSpPr>
           <p:nvPr>
             <p:ph type="sldNum" sz="quarter" idx="2"/>
           </p:nvPr>
@@ -2995,8 +3096,10 @@
           <a:bodyPr/>
           <a:lstStyle/>
           <a:p>
-            <a:pPr/>
-            <a:fld id="{86CB4B4D-7CA3-9044-876B-883B54F8677D}" type="slidenum"/>
+            <a:fld id="{86CB4B4D-7CA3-9044-876B-883B54F8677D}" type="slidenum">
+              <a:t>‹#›</a:t>
+            </a:fld>
+            <a:endParaRPr/>
           </a:p>
         </p:txBody>
       </p:sp>
@@ -3005,18 +3108,19 @@
   <p:clrMapOvr>
     <a:masterClrMapping/>
   </p:clrMapOvr>
-  <p:transition xmlns:p14="http://schemas.microsoft.com/office/powerpoint/2010/main" spd="med" advClick="1"/>
+  <p:transition spd="med"/>
 </p:sldLayout>
 </file>
 
 <file path=ppt/slideMasters/slideMaster1.xml><?xml version="1.0" encoding="utf-8"?>
-<p:sldMaster xmlns:a="http://schemas.openxmlformats.org/drawingml/2006/main" xmlns:r="http://schemas.openxmlformats.org/officeDocument/2006/relationships" xmlns:p="http://schemas.openxmlformats.org/presentationml/2006/main" xmlns:m="http://schemas.openxmlformats.org/officeDocument/2006/math" xmlns:a14="http://schemas.microsoft.com/office/drawing/2010/main">
+<p:sldMaster xmlns:a="http://schemas.openxmlformats.org/drawingml/2006/main" xmlns:r="http://schemas.openxmlformats.org/officeDocument/2006/relationships" xmlns:p="http://schemas.openxmlformats.org/presentationml/2006/main">
   <p:cSld>
     <p:bg>
       <p:bgPr>
         <a:solidFill>
           <a:srgbClr val="000000"/>
         </a:solidFill>
+        <a:effectLst/>
       </p:bgPr>
     </p:bg>
     <p:spTree>
@@ -3036,7 +3140,9 @@
       <p:sp>
         <p:nvSpPr>
           <p:cNvPr id="2" name="Body Level One…"/>
-          <p:cNvSpPr txBox="1"/>
+          <p:cNvSpPr txBox="1">
+            <a:spLocks noGrp="1"/>
+          </p:cNvSpPr>
           <p:nvPr>
             <p:ph type="body" idx="1" hasCustomPrompt="1"/>
           </p:nvPr>
@@ -3054,51 +3160,44 @@
           </a:ln>
           <a:extLst>
             <a:ext uri="{C572A759-6A51-4108-AA02-DFA0A04FC94B}">
-              <ma14:wrappingTextBoxFlag xmlns:ma14="http://schemas.microsoft.com/office/mac/drawingml/2011/main" val="1"/>
+              <ma14:wrappingTextBoxFlag xmlns:ma14="http://schemas.microsoft.com/office/mac/drawingml/2011/main" xmlns:a14="http://schemas.microsoft.com/office/drawing/2010/main" xmlns:m="http://schemas.openxmlformats.org/officeDocument/2006/math" xmlns="" val="1"/>
             </a:ext>
           </a:extLst>
         </p:spPr>
         <p:txBody>
           <a:bodyPr lIns="50800" tIns="50800" rIns="50800" bIns="50800" numCol="2" spcCol="1098550">
-            <a:normAutofit fontScale="100000" lnSpcReduction="0"/>
+            <a:normAutofit/>
           </a:bodyPr>
           <a:lstStyle/>
           <a:p>
-            <a:pPr/>
             <a:r>
               <a:t>幻灯片项目符号文本</a:t>
             </a:r>
           </a:p>
           <a:p>
             <a:pPr lvl="1"/>
-            <a:r>
-              <a:t/>
-            </a:r>
+            <a:endParaRPr/>
           </a:p>
           <a:p>
             <a:pPr lvl="2"/>
-            <a:r>
-              <a:t/>
-            </a:r>
+            <a:endParaRPr/>
           </a:p>
           <a:p>
             <a:pPr lvl="3"/>
-            <a:r>
-              <a:t/>
-            </a:r>
+            <a:endParaRPr/>
           </a:p>
           <a:p>
             <a:pPr lvl="4"/>
-            <a:r>
-              <a:t/>
-            </a:r>
+            <a:endParaRPr/>
           </a:p>
         </p:txBody>
       </p:sp>
       <p:sp>
         <p:nvSpPr>
           <p:cNvPr id="3" name="Title Text"/>
-          <p:cNvSpPr txBox="1"/>
+          <p:cNvSpPr txBox="1">
+            <a:spLocks noGrp="1"/>
+          </p:cNvSpPr>
           <p:nvPr>
             <p:ph type="title"/>
           </p:nvPr>
@@ -3116,17 +3215,16 @@
           </a:ln>
           <a:extLst>
             <a:ext uri="{C572A759-6A51-4108-AA02-DFA0A04FC94B}">
-              <ma14:wrappingTextBoxFlag xmlns:ma14="http://schemas.microsoft.com/office/mac/drawingml/2011/main" val="1"/>
+              <ma14:wrappingTextBoxFlag xmlns:ma14="http://schemas.microsoft.com/office/mac/drawingml/2011/main" xmlns:a14="http://schemas.microsoft.com/office/drawing/2010/main" xmlns:m="http://schemas.openxmlformats.org/officeDocument/2006/math" xmlns="" val="1"/>
             </a:ext>
           </a:extLst>
         </p:spPr>
         <p:txBody>
           <a:bodyPr lIns="50800" tIns="50800" rIns="50800" bIns="50800">
-            <a:normAutofit fontScale="100000" lnSpcReduction="0"/>
+            <a:normAutofit/>
           </a:bodyPr>
           <a:lstStyle/>
           <a:p>
-            <a:pPr/>
             <a:r>
               <a:t>Title Text</a:t>
             </a:r>
@@ -3136,7 +3234,9 @@
       <p:sp>
         <p:nvSpPr>
           <p:cNvPr id="4" name="Slide Number"/>
-          <p:cNvSpPr txBox="1"/>
+          <p:cNvSpPr txBox="1">
+            <a:spLocks noGrp="1"/>
+          </p:cNvSpPr>
           <p:nvPr>
             <p:ph type="sldNum" sz="quarter" idx="2"/>
           </p:nvPr>
@@ -3167,8 +3267,10 @@
             </a:lvl1pPr>
           </a:lstStyle>
           <a:p>
-            <a:pPr/>
-            <a:fld id="{86CB4B4D-7CA3-9044-876B-883B54F8677D}" type="slidenum"/>
+            <a:fld id="{86CB4B4D-7CA3-9044-876B-883B54F8677D}" type="slidenum">
+              <a:t>‹#›</a:t>
+            </a:fld>
+            <a:endParaRPr/>
           </a:p>
         </p:txBody>
       </p:sp>
@@ -3176,23 +3278,23 @@
   </p:cSld>
   <p:clrMap bg1="lt1" tx1="dk1" bg2="lt2" tx2="dk2" accent1="accent1" accent2="accent2" accent3="accent3" accent4="accent4" accent5="accent5" accent6="accent6" hlink="hlink" folHlink="folHlink"/>
   <p:sldLayoutIdLst>
-    <p:sldLayoutId id="2147483649" r:id="rId2"/>
-    <p:sldLayoutId id="2147483650" r:id="rId3"/>
-    <p:sldLayoutId id="2147483651" r:id="rId4"/>
-    <p:sldLayoutId id="2147483652" r:id="rId5"/>
-    <p:sldLayoutId id="2147483653" r:id="rId6"/>
-    <p:sldLayoutId id="2147483654" r:id="rId7"/>
-    <p:sldLayoutId id="2147483655" r:id="rId8"/>
-    <p:sldLayoutId id="2147483656" r:id="rId9"/>
-    <p:sldLayoutId id="2147483657" r:id="rId10"/>
-    <p:sldLayoutId id="2147483658" r:id="rId11"/>
-    <p:sldLayoutId id="2147483659" r:id="rId12"/>
-    <p:sldLayoutId id="2147483660" r:id="rId13"/>
-    <p:sldLayoutId id="2147483661" r:id="rId14"/>
-    <p:sldLayoutId id="2147483662" r:id="rId15"/>
-    <p:sldLayoutId id="2147483663" r:id="rId16"/>
+    <p:sldLayoutId id="2147483649" r:id="rId1"/>
+    <p:sldLayoutId id="2147483650" r:id="rId2"/>
+    <p:sldLayoutId id="2147483651" r:id="rId3"/>
+    <p:sldLayoutId id="2147483652" r:id="rId4"/>
+    <p:sldLayoutId id="2147483653" r:id="rId5"/>
+    <p:sldLayoutId id="2147483654" r:id="rId6"/>
+    <p:sldLayoutId id="2147483655" r:id="rId7"/>
+    <p:sldLayoutId id="2147483656" r:id="rId8"/>
+    <p:sldLayoutId id="2147483657" r:id="rId9"/>
+    <p:sldLayoutId id="2147483658" r:id="rId10"/>
+    <p:sldLayoutId id="2147483659" r:id="rId11"/>
+    <p:sldLayoutId id="2147483660" r:id="rId12"/>
+    <p:sldLayoutId id="2147483661" r:id="rId13"/>
+    <p:sldLayoutId id="2147483662" r:id="rId14"/>
+    <p:sldLayoutId id="2147483663" r:id="rId15"/>
   </p:sldLayoutIdLst>
-  <p:transition xmlns:p14="http://schemas.microsoft.com/office/powerpoint/2010/main" spd="med" advClick="1"/>
+  <p:transition spd="med"/>
   <p:txStyles>
     <p:titleStyle>
       <a:lvl1pPr marL="0" marR="0" indent="0" algn="l" defTabSz="2438337" rtl="0" latinLnBrk="0">
@@ -3210,7 +3312,7 @@
         <a:buFontTx/>
         <a:buNone/>
         <a:tabLst/>
-        <a:defRPr b="1" baseline="0" cap="none" i="0" spc="-170" strike="noStrike" sz="8500" u="none">
+        <a:defRPr sz="8500" b="1" i="0" u="none" strike="noStrike" cap="none" spc="-170" baseline="0">
           <a:solidFill>
             <a:srgbClr val="FFFFFF"/>
           </a:solidFill>
@@ -3236,7 +3338,7 @@
         <a:buFontTx/>
         <a:buNone/>
         <a:tabLst/>
-        <a:defRPr b="1" baseline="0" cap="none" i="0" spc="-170" strike="noStrike" sz="8500" u="none">
+        <a:defRPr sz="8500" b="1" i="0" u="none" strike="noStrike" cap="none" spc="-170" baseline="0">
           <a:solidFill>
             <a:srgbClr val="FFFFFF"/>
           </a:solidFill>
@@ -3262,7 +3364,7 @@
         <a:buFontTx/>
         <a:buNone/>
         <a:tabLst/>
-        <a:defRPr b="1" baseline="0" cap="none" i="0" spc="-170" strike="noStrike" sz="8500" u="none">
+        <a:defRPr sz="8500" b="1" i="0" u="none" strike="noStrike" cap="none" spc="-170" baseline="0">
           <a:solidFill>
             <a:srgbClr val="FFFFFF"/>
           </a:solidFill>
@@ -3288,7 +3390,7 @@
         <a:buFontTx/>
         <a:buNone/>
         <a:tabLst/>
-        <a:defRPr b="1" baseline="0" cap="none" i="0" spc="-170" strike="noStrike" sz="8500" u="none">
+        <a:defRPr sz="8500" b="1" i="0" u="none" strike="noStrike" cap="none" spc="-170" baseline="0">
           <a:solidFill>
             <a:srgbClr val="FFFFFF"/>
           </a:solidFill>
@@ -3314,7 +3416,7 @@
         <a:buFontTx/>
         <a:buNone/>
         <a:tabLst/>
-        <a:defRPr b="1" baseline="0" cap="none" i="0" spc="-170" strike="noStrike" sz="8500" u="none">
+        <a:defRPr sz="8500" b="1" i="0" u="none" strike="noStrike" cap="none" spc="-170" baseline="0">
           <a:solidFill>
             <a:srgbClr val="FFFFFF"/>
           </a:solidFill>
@@ -3340,7 +3442,7 @@
         <a:buFontTx/>
         <a:buNone/>
         <a:tabLst/>
-        <a:defRPr b="1" baseline="0" cap="none" i="0" spc="-170" strike="noStrike" sz="8500" u="none">
+        <a:defRPr sz="8500" b="1" i="0" u="none" strike="noStrike" cap="none" spc="-170" baseline="0">
           <a:solidFill>
             <a:srgbClr val="FFFFFF"/>
           </a:solidFill>
@@ -3366,7 +3468,7 @@
         <a:buFontTx/>
         <a:buNone/>
         <a:tabLst/>
-        <a:defRPr b="1" baseline="0" cap="none" i="0" spc="-170" strike="noStrike" sz="8500" u="none">
+        <a:defRPr sz="8500" b="1" i="0" u="none" strike="noStrike" cap="none" spc="-170" baseline="0">
           <a:solidFill>
             <a:srgbClr val="FFFFFF"/>
           </a:solidFill>
@@ -3392,7 +3494,7 @@
         <a:buFontTx/>
         <a:buNone/>
         <a:tabLst/>
-        <a:defRPr b="1" baseline="0" cap="none" i="0" spc="-170" strike="noStrike" sz="8500" u="none">
+        <a:defRPr sz="8500" b="1" i="0" u="none" strike="noStrike" cap="none" spc="-170" baseline="0">
           <a:solidFill>
             <a:srgbClr val="FFFFFF"/>
           </a:solidFill>
@@ -3418,7 +3520,7 @@
         <a:buFontTx/>
         <a:buNone/>
         <a:tabLst/>
-        <a:defRPr b="1" baseline="0" cap="none" i="0" spc="-170" strike="noStrike" sz="8500" u="none">
+        <a:defRPr sz="8500" b="1" i="0" u="none" strike="noStrike" cap="none" spc="-170" baseline="0">
           <a:solidFill>
             <a:srgbClr val="FFFFFF"/>
           </a:solidFill>
@@ -3446,7 +3548,7 @@
         <a:buFontTx/>
         <a:buChar char="•"/>
         <a:tabLst/>
-        <a:defRPr b="0" baseline="0" cap="none" i="0" spc="0" strike="noStrike" sz="4800" u="none">
+        <a:defRPr sz="4800" b="0" i="0" u="none" strike="noStrike" cap="none" spc="0" baseline="0">
           <a:solidFill>
             <a:srgbClr val="FFFFFF"/>
           </a:solidFill>
@@ -3472,7 +3574,7 @@
         <a:buFontTx/>
         <a:buChar char="•"/>
         <a:tabLst/>
-        <a:defRPr b="0" baseline="0" cap="none" i="0" spc="0" strike="noStrike" sz="4800" u="none">
+        <a:defRPr sz="4800" b="0" i="0" u="none" strike="noStrike" cap="none" spc="0" baseline="0">
           <a:solidFill>
             <a:srgbClr val="FFFFFF"/>
           </a:solidFill>
@@ -3498,7 +3600,7 @@
         <a:buFontTx/>
         <a:buChar char="•"/>
         <a:tabLst/>
-        <a:defRPr b="0" baseline="0" cap="none" i="0" spc="0" strike="noStrike" sz="4800" u="none">
+        <a:defRPr sz="4800" b="0" i="0" u="none" strike="noStrike" cap="none" spc="0" baseline="0">
           <a:solidFill>
             <a:srgbClr val="FFFFFF"/>
           </a:solidFill>
@@ -3524,7 +3626,7 @@
         <a:buFontTx/>
         <a:buChar char="•"/>
         <a:tabLst/>
-        <a:defRPr b="0" baseline="0" cap="none" i="0" spc="0" strike="noStrike" sz="4800" u="none">
+        <a:defRPr sz="4800" b="0" i="0" u="none" strike="noStrike" cap="none" spc="0" baseline="0">
           <a:solidFill>
             <a:srgbClr val="FFFFFF"/>
           </a:solidFill>
@@ -3550,7 +3652,7 @@
         <a:buFontTx/>
         <a:buChar char="•"/>
         <a:tabLst/>
-        <a:defRPr b="0" baseline="0" cap="none" i="0" spc="0" strike="noStrike" sz="4800" u="none">
+        <a:defRPr sz="4800" b="0" i="0" u="none" strike="noStrike" cap="none" spc="0" baseline="0">
           <a:solidFill>
             <a:srgbClr val="FFFFFF"/>
           </a:solidFill>
@@ -3576,7 +3678,7 @@
         <a:buFontTx/>
         <a:buChar char="•"/>
         <a:tabLst/>
-        <a:defRPr b="0" baseline="0" cap="none" i="0" spc="0" strike="noStrike" sz="4800" u="none">
+        <a:defRPr sz="4800" b="0" i="0" u="none" strike="noStrike" cap="none" spc="0" baseline="0">
           <a:solidFill>
             <a:srgbClr val="FFFFFF"/>
           </a:solidFill>
@@ -3602,7 +3704,7 @@
         <a:buFontTx/>
         <a:buChar char="•"/>
         <a:tabLst/>
-        <a:defRPr b="0" baseline="0" cap="none" i="0" spc="0" strike="noStrike" sz="4800" u="none">
+        <a:defRPr sz="4800" b="0" i="0" u="none" strike="noStrike" cap="none" spc="0" baseline="0">
           <a:solidFill>
             <a:srgbClr val="FFFFFF"/>
           </a:solidFill>
@@ -3628,7 +3730,7 @@
         <a:buFontTx/>
         <a:buChar char="•"/>
         <a:tabLst/>
-        <a:defRPr b="0" baseline="0" cap="none" i="0" spc="0" strike="noStrike" sz="4800" u="none">
+        <a:defRPr sz="4800" b="0" i="0" u="none" strike="noStrike" cap="none" spc="0" baseline="0">
           <a:solidFill>
             <a:srgbClr val="FFFFFF"/>
           </a:solidFill>
@@ -3654,7 +3756,7 @@
         <a:buFontTx/>
         <a:buChar char="•"/>
         <a:tabLst/>
-        <a:defRPr b="0" baseline="0" cap="none" i="0" spc="0" strike="noStrike" sz="4800" u="none">
+        <a:defRPr sz="4800" b="0" i="0" u="none" strike="noStrike" cap="none" spc="0" baseline="0">
           <a:solidFill>
             <a:srgbClr val="FFFFFF"/>
           </a:solidFill>
@@ -3682,7 +3784,7 @@
         <a:buFontTx/>
         <a:buNone/>
         <a:tabLst/>
-        <a:defRPr b="0" baseline="0" cap="none" i="0" spc="0" strike="noStrike" sz="1800" u="none">
+        <a:defRPr sz="1800" b="0" i="0" u="none" strike="noStrike" cap="none" spc="0" baseline="0">
           <a:solidFill>
             <a:schemeClr val="tx1"/>
           </a:solidFill>
@@ -3708,7 +3810,7 @@
         <a:buFontTx/>
         <a:buNone/>
         <a:tabLst/>
-        <a:defRPr b="0" baseline="0" cap="none" i="0" spc="0" strike="noStrike" sz="1800" u="none">
+        <a:defRPr sz="1800" b="0" i="0" u="none" strike="noStrike" cap="none" spc="0" baseline="0">
           <a:solidFill>
             <a:schemeClr val="tx1"/>
           </a:solidFill>
@@ -3734,7 +3836,7 @@
         <a:buFontTx/>
         <a:buNone/>
         <a:tabLst/>
-        <a:defRPr b="0" baseline="0" cap="none" i="0" spc="0" strike="noStrike" sz="1800" u="none">
+        <a:defRPr sz="1800" b="0" i="0" u="none" strike="noStrike" cap="none" spc="0" baseline="0">
           <a:solidFill>
             <a:schemeClr val="tx1"/>
           </a:solidFill>
@@ -3760,7 +3862,7 @@
         <a:buFontTx/>
         <a:buNone/>
         <a:tabLst/>
-        <a:defRPr b="0" baseline="0" cap="none" i="0" spc="0" strike="noStrike" sz="1800" u="none">
+        <a:defRPr sz="1800" b="0" i="0" u="none" strike="noStrike" cap="none" spc="0" baseline="0">
           <a:solidFill>
             <a:schemeClr val="tx1"/>
           </a:solidFill>
@@ -3786,7 +3888,7 @@
         <a:buFontTx/>
         <a:buNone/>
         <a:tabLst/>
-        <a:defRPr b="0" baseline="0" cap="none" i="0" spc="0" strike="noStrike" sz="1800" u="none">
+        <a:defRPr sz="1800" b="0" i="0" u="none" strike="noStrike" cap="none" spc="0" baseline="0">
           <a:solidFill>
             <a:schemeClr val="tx1"/>
           </a:solidFill>
@@ -3812,7 +3914,7 @@
         <a:buFontTx/>
         <a:buNone/>
         <a:tabLst/>
-        <a:defRPr b="0" baseline="0" cap="none" i="0" spc="0" strike="noStrike" sz="1800" u="none">
+        <a:defRPr sz="1800" b="0" i="0" u="none" strike="noStrike" cap="none" spc="0" baseline="0">
           <a:solidFill>
             <a:schemeClr val="tx1"/>
           </a:solidFill>
@@ -3838,7 +3940,7 @@
         <a:buFontTx/>
         <a:buNone/>
         <a:tabLst/>
-        <a:defRPr b="0" baseline="0" cap="none" i="0" spc="0" strike="noStrike" sz="1800" u="none">
+        <a:defRPr sz="1800" b="0" i="0" u="none" strike="noStrike" cap="none" spc="0" baseline="0">
           <a:solidFill>
             <a:schemeClr val="tx1"/>
           </a:solidFill>
@@ -3864,7 +3966,7 @@
         <a:buFontTx/>
         <a:buNone/>
         <a:tabLst/>
-        <a:defRPr b="0" baseline="0" cap="none" i="0" spc="0" strike="noStrike" sz="1800" u="none">
+        <a:defRPr sz="1800" b="0" i="0" u="none" strike="noStrike" cap="none" spc="0" baseline="0">
           <a:solidFill>
             <a:schemeClr val="tx1"/>
           </a:solidFill>
@@ -3890,7 +3992,7 @@
         <a:buFontTx/>
         <a:buNone/>
         <a:tabLst/>
-        <a:defRPr b="0" baseline="0" cap="none" i="0" spc="0" strike="noStrike" sz="1800" u="none">
+        <a:defRPr sz="1800" b="0" i="0" u="none" strike="noStrike" cap="none" spc="0" baseline="0">
           <a:solidFill>
             <a:schemeClr val="tx1"/>
           </a:solidFill>
@@ -3907,7 +4009,7 @@
 </file>
 
 <file path=ppt/slides/slide1.xml><?xml version="1.0" encoding="utf-8"?>
-<p:sld xmlns:a="http://schemas.openxmlformats.org/drawingml/2006/main" xmlns:r="http://schemas.openxmlformats.org/officeDocument/2006/relationships" xmlns:p="http://schemas.openxmlformats.org/presentationml/2006/main" xmlns:m="http://schemas.openxmlformats.org/officeDocument/2006/math" xmlns:a14="http://schemas.microsoft.com/office/drawing/2010/main" showMasterSp="1" showMasterPhAnim="1">
+<p:sld xmlns:a="http://schemas.openxmlformats.org/drawingml/2006/main" xmlns:r="http://schemas.openxmlformats.org/officeDocument/2006/relationships" xmlns:p="http://schemas.openxmlformats.org/presentationml/2006/main">
   <p:cSld>
     <p:spTree>
       <p:nvGrpSpPr>
@@ -3926,7 +4028,9 @@
       <p:sp>
         <p:nvSpPr>
           <p:cNvPr id="151" name="2022.11.30"/>
-          <p:cNvSpPr txBox="1"/>
+          <p:cNvSpPr txBox="1">
+            <a:spLocks noGrp="1"/>
+          </p:cNvSpPr>
           <p:nvPr>
             <p:ph type="body" sz="quarter" idx="1"/>
           </p:nvPr>
@@ -3941,14 +4045,15 @@
           </a:prstGeom>
         </p:spPr>
         <p:txBody>
-          <a:bodyPr/>
+          <a:bodyPr>
+            <a:normAutofit lnSpcReduction="10000"/>
+          </a:bodyPr>
           <a:lstStyle>
             <a:lvl1pPr defTabSz="825500">
               <a:defRPr sz="3600"/>
             </a:lvl1pPr>
           </a:lstStyle>
           <a:p>
-            <a:pPr/>
             <a:r>
               <a:t>2022.11.30</a:t>
             </a:r>
@@ -3958,7 +4063,9 @@
       <p:sp>
         <p:nvSpPr>
           <p:cNvPr id="152" name="Galactic Grease Monkey"/>
-          <p:cNvSpPr txBox="1"/>
+          <p:cNvSpPr txBox="1">
+            <a:spLocks noGrp="1"/>
+          </p:cNvSpPr>
           <p:nvPr>
             <p:ph type="title"/>
           </p:nvPr>
@@ -3980,7 +4087,6 @@
             </a:lvl1pPr>
           </a:lstStyle>
           <a:p>
-            <a:pPr/>
             <a:r>
               <a:t>Galactic Grease Monkey</a:t>
             </a:r>
@@ -4006,18 +4112,18 @@
           </a:ln>
           <a:extLst>
             <a:ext uri="{C572A759-6A51-4108-AA02-DFA0A04FC94B}">
-              <ma14:wrappingTextBoxFlag xmlns:ma14="http://schemas.microsoft.com/office/mac/drawingml/2011/main" val="1"/>
+              <ma14:wrappingTextBoxFlag xmlns:ma14="http://schemas.microsoft.com/office/mac/drawingml/2011/main" xmlns:a14="http://schemas.microsoft.com/office/drawing/2010/main" xmlns:m="http://schemas.openxmlformats.org/officeDocument/2006/math" xmlns="" val="1"/>
             </a:ext>
           </a:extLst>
         </p:spPr>
         <p:txBody>
           <a:bodyPr lIns="50800" tIns="50800" rIns="50800" bIns="50800">
-            <a:normAutofit fontScale="100000" lnSpcReduction="0"/>
+            <a:normAutofit/>
           </a:bodyPr>
           <a:lstStyle/>
           <a:p>
             <a:pPr algn="l" defTabSz="594359">
-              <a:defRPr b="1" sz="4100">
+              <a:defRPr sz="4100" b="1">
                 <a:solidFill>
                   <a:srgbClr val="FFFFFF"/>
                 </a:solidFill>
@@ -4029,7 +4135,7 @@
           </a:p>
           <a:p>
             <a:pPr algn="l" defTabSz="594359">
-              <a:defRPr b="1" sz="4100">
+              <a:defRPr sz="4100" b="1">
                 <a:solidFill>
                   <a:srgbClr val="FFFFFF"/>
                 </a:solidFill>
@@ -4041,7 +4147,7 @@
           </a:p>
           <a:p>
             <a:pPr algn="l" defTabSz="594359">
-              <a:defRPr b="1" sz="4100">
+              <a:defRPr sz="4100" b="1">
                 <a:solidFill>
                   <a:srgbClr val="FFFFFF"/>
                 </a:solidFill>
@@ -4053,7 +4159,7 @@
           </a:p>
           <a:p>
             <a:pPr algn="l" defTabSz="594359">
-              <a:defRPr b="1" sz="4100">
+              <a:defRPr sz="4100" b="1">
                 <a:solidFill>
                   <a:srgbClr val="FFFFFF"/>
                 </a:solidFill>
@@ -4065,7 +4171,7 @@
           </a:p>
           <a:p>
             <a:pPr algn="l" defTabSz="594359">
-              <a:defRPr b="1" sz="4100">
+              <a:defRPr sz="4100" b="1">
                 <a:solidFill>
                   <a:srgbClr val="FFFFFF"/>
                 </a:solidFill>
@@ -4082,12 +4188,12 @@
   <p:clrMapOvr>
     <a:masterClrMapping/>
   </p:clrMapOvr>
-  <p:transition xmlns:p14="http://schemas.microsoft.com/office/powerpoint/2010/main" spd="med" advClick="1"/>
+  <p:transition spd="med"/>
 </p:sld>
 </file>
 
 <file path=ppt/slides/slide10.xml><?xml version="1.0" encoding="utf-8"?>
-<p:sld xmlns:a="http://schemas.openxmlformats.org/drawingml/2006/main" xmlns:r="http://schemas.openxmlformats.org/officeDocument/2006/relationships" xmlns:p="http://schemas.openxmlformats.org/presentationml/2006/main" xmlns:m="http://schemas.openxmlformats.org/officeDocument/2006/math" xmlns:a14="http://schemas.microsoft.com/office/drawing/2010/main" showMasterSp="1" showMasterPhAnim="1">
+<p:sld xmlns:a="http://schemas.openxmlformats.org/drawingml/2006/main" xmlns:r="http://schemas.openxmlformats.org/officeDocument/2006/relationships" xmlns:p="http://schemas.openxmlformats.org/presentationml/2006/main">
   <p:cSld>
     <p:spTree>
       <p:nvGrpSpPr>
@@ -4106,7 +4212,9 @@
       <p:sp>
         <p:nvSpPr>
           <p:cNvPr id="177" name="Challenges"/>
-          <p:cNvSpPr txBox="1"/>
+          <p:cNvSpPr txBox="1">
+            <a:spLocks noGrp="1"/>
+          </p:cNvSpPr>
           <p:nvPr>
             <p:ph type="title"/>
           </p:nvPr>
@@ -4128,7 +4236,6 @@
             </a:lvl1pPr>
           </a:lstStyle>
           <a:p>
-            <a:pPr/>
             <a:r>
               <a:t>Challenges</a:t>
             </a:r>
@@ -4138,7 +4245,9 @@
       <p:sp>
         <p:nvSpPr>
           <p:cNvPr id="178" name="Implementation and Cooperation"/>
-          <p:cNvSpPr txBox="1"/>
+          <p:cNvSpPr txBox="1">
+            <a:spLocks noGrp="1"/>
+          </p:cNvSpPr>
           <p:nvPr>
             <p:ph type="body" sz="quarter" idx="1"/>
           </p:nvPr>
@@ -4160,7 +4269,6 @@
             </a:lvl1pPr>
           </a:lstStyle>
           <a:p>
-            <a:pPr/>
             <a:r>
               <a:t>General and Technical</a:t>
             </a:r>
@@ -4170,7 +4278,9 @@
       <p:sp>
         <p:nvSpPr>
           <p:cNvPr id="179" name="Cooperation:…"/>
-          <p:cNvSpPr txBox="1"/>
+          <p:cNvSpPr txBox="1">
+            <a:spLocks noGrp="1"/>
+          </p:cNvSpPr>
           <p:nvPr>
             <p:ph type="body" idx="21"/>
           </p:nvPr>
@@ -4181,7 +4291,7 @@
           </a:prstGeom>
           <a:extLst>
             <a:ext uri="{C572A759-6A51-4108-AA02-DFA0A04FC94B}">
-              <ma14:wrappingTextBoxFlag xmlns:ma14="http://schemas.microsoft.com/office/mac/drawingml/2011/main" val="1"/>
+              <ma14:wrappingTextBoxFlag xmlns:ma14="http://schemas.microsoft.com/office/mac/drawingml/2011/main" xmlns:a14="http://schemas.microsoft.com/office/drawing/2010/main" xmlns:m="http://schemas.openxmlformats.org/officeDocument/2006/math" xmlns="" val="1"/>
             </a:ext>
           </a:extLst>
         </p:spPr>
@@ -4198,14 +4308,12 @@
             </a:r>
           </a:p>
           <a:p>
-            <a:pPr/>
             <a:r>
               <a:t>Scheduling conflicts</a:t>
             </a:r>
             <a:endParaRPr b="1"/>
           </a:p>
           <a:p>
-            <a:pPr/>
             <a:r>
               <a:t>lack of experience in game development</a:t>
             </a:r>
@@ -4220,7 +4328,6 @@
             </a:r>
           </a:p>
           <a:p>
-            <a:pPr/>
             <a:r>
               <a:t>Fixing buggy collision detection</a:t>
             </a:r>
@@ -4232,12 +4339,12 @@
   <p:clrMapOvr>
     <a:masterClrMapping/>
   </p:clrMapOvr>
-  <p:transition xmlns:p14="http://schemas.microsoft.com/office/powerpoint/2010/main" spd="med" advClick="1"/>
+  <p:transition spd="med"/>
 </p:sld>
 </file>
 
 <file path=ppt/slides/slide11.xml><?xml version="1.0" encoding="utf-8"?>
-<p:sld xmlns:a="http://schemas.openxmlformats.org/drawingml/2006/main" xmlns:r="http://schemas.openxmlformats.org/officeDocument/2006/relationships" xmlns:p="http://schemas.openxmlformats.org/presentationml/2006/main" xmlns:m="http://schemas.openxmlformats.org/officeDocument/2006/math" xmlns:a14="http://schemas.microsoft.com/office/drawing/2010/main" showMasterSp="1" showMasterPhAnim="1">
+<p:sld xmlns:a="http://schemas.openxmlformats.org/drawingml/2006/main" xmlns:r="http://schemas.openxmlformats.org/officeDocument/2006/relationships" xmlns:p="http://schemas.openxmlformats.org/presentationml/2006/main">
   <p:cSld>
     <p:spTree>
       <p:nvGrpSpPr>
@@ -4256,7 +4363,9 @@
       <p:sp>
         <p:nvSpPr>
           <p:cNvPr id="181" name="Lessons learned"/>
-          <p:cNvSpPr txBox="1"/>
+          <p:cNvSpPr txBox="1">
+            <a:spLocks noGrp="1"/>
+          </p:cNvSpPr>
           <p:nvPr>
             <p:ph type="title"/>
           </p:nvPr>
@@ -4278,7 +4387,6 @@
             </a:lvl1pPr>
           </a:lstStyle>
           <a:p>
-            <a:pPr/>
             <a:r>
               <a:t>Lessons learned</a:t>
             </a:r>
@@ -4288,7 +4396,9 @@
       <p:sp>
         <p:nvSpPr>
           <p:cNvPr id="182" name="Improvements and Changes to our Code…"/>
-          <p:cNvSpPr txBox="1"/>
+          <p:cNvSpPr txBox="1">
+            <a:spLocks noGrp="1"/>
+          </p:cNvSpPr>
           <p:nvPr>
             <p:ph type="body" idx="21"/>
           </p:nvPr>
@@ -4303,7 +4413,7 @@
           </a:prstGeom>
           <a:extLst>
             <a:ext uri="{C572A759-6A51-4108-AA02-DFA0A04FC94B}">
-              <ma14:wrappingTextBoxFlag xmlns:ma14="http://schemas.microsoft.com/office/mac/drawingml/2011/main" val="1"/>
+              <ma14:wrappingTextBoxFlag xmlns:ma14="http://schemas.microsoft.com/office/mac/drawingml/2011/main" xmlns:a14="http://schemas.microsoft.com/office/drawing/2010/main" xmlns:m="http://schemas.openxmlformats.org/officeDocument/2006/math" xmlns="" val="1"/>
             </a:ext>
           </a:extLst>
         </p:spPr>
@@ -4311,19 +4421,16 @@
           <a:bodyPr/>
           <a:lstStyle/>
           <a:p>
-            <a:pPr/>
             <a:r>
               <a:t>Formatting our code</a:t>
             </a:r>
           </a:p>
           <a:p>
-            <a:pPr/>
             <a:r>
               <a:t>How to work in a group environment</a:t>
             </a:r>
           </a:p>
           <a:p>
-            <a:pPr/>
             <a:r>
               <a:t>How to design a project from the ground (E.g. UML diagrams, hierarchies, etc)</a:t>
             </a:r>
@@ -4335,12 +4442,12 @@
   <p:clrMapOvr>
     <a:masterClrMapping/>
   </p:clrMapOvr>
-  <p:transition xmlns:p14="http://schemas.microsoft.com/office/powerpoint/2010/main" spd="med" advClick="1"/>
+  <p:transition spd="med"/>
 </p:sld>
 </file>
 
 <file path=ppt/slides/slide12.xml><?xml version="1.0" encoding="utf-8"?>
-<p:sld xmlns:a="http://schemas.openxmlformats.org/drawingml/2006/main" xmlns:r="http://schemas.openxmlformats.org/officeDocument/2006/relationships" xmlns:p="http://schemas.openxmlformats.org/presentationml/2006/main" xmlns:m="http://schemas.openxmlformats.org/officeDocument/2006/math" xmlns:a14="http://schemas.microsoft.com/office/drawing/2010/main" showMasterSp="1" showMasterPhAnim="1">
+<p:sld xmlns:a="http://schemas.openxmlformats.org/drawingml/2006/main" xmlns:r="http://schemas.openxmlformats.org/officeDocument/2006/relationships" xmlns:p="http://schemas.openxmlformats.org/presentationml/2006/main">
   <p:cSld>
     <p:spTree>
       <p:nvGrpSpPr>
@@ -4359,7 +4466,9 @@
       <p:sp>
         <p:nvSpPr>
           <p:cNvPr id="184" name="DEMO"/>
-          <p:cNvSpPr txBox="1"/>
+          <p:cNvSpPr txBox="1">
+            <a:spLocks noGrp="1"/>
+          </p:cNvSpPr>
           <p:nvPr>
             <p:ph type="title"/>
           </p:nvPr>
@@ -4377,7 +4486,6 @@
           <a:bodyPr/>
           <a:lstStyle/>
           <a:p>
-            <a:pPr/>
             <a:r>
               <a:t>DEMO</a:t>
             </a:r>
@@ -4389,12 +4497,12 @@
   <p:clrMapOvr>
     <a:masterClrMapping/>
   </p:clrMapOvr>
-  <p:transition xmlns:p14="http://schemas.microsoft.com/office/powerpoint/2010/main" spd="med" advClick="1"/>
+  <p:transition spd="med"/>
 </p:sld>
 </file>
 
 <file path=ppt/slides/slide2.xml><?xml version="1.0" encoding="utf-8"?>
-<p:sld xmlns:a="http://schemas.openxmlformats.org/drawingml/2006/main" xmlns:r="http://schemas.openxmlformats.org/officeDocument/2006/relationships" xmlns:p="http://schemas.openxmlformats.org/presentationml/2006/main" xmlns:m="http://schemas.openxmlformats.org/officeDocument/2006/math" xmlns:a14="http://schemas.microsoft.com/office/drawing/2010/main" showMasterSp="1" showMasterPhAnim="1">
+<p:sld xmlns:a="http://schemas.openxmlformats.org/drawingml/2006/main" xmlns:r="http://schemas.openxmlformats.org/officeDocument/2006/relationships" xmlns:p="http://schemas.openxmlformats.org/presentationml/2006/main">
   <p:cSld>
     <p:spTree>
       <p:nvGrpSpPr>
@@ -4413,7 +4521,9 @@
       <p:sp>
         <p:nvSpPr>
           <p:cNvPr id="155" name="Original UML"/>
-          <p:cNvSpPr txBox="1"/>
+          <p:cNvSpPr txBox="1">
+            <a:spLocks noGrp="1"/>
+          </p:cNvSpPr>
           <p:nvPr>
             <p:ph type="title"/>
           </p:nvPr>
@@ -4435,7 +4545,6 @@
             </a:lvl1pPr>
           </a:lstStyle>
           <a:p>
-            <a:pPr/>
             <a:r>
               <a:t>Original UML</a:t>
             </a:r>
@@ -4445,7 +4554,9 @@
       <p:sp>
         <p:nvSpPr>
           <p:cNvPr id="156" name="幻灯片副标题"/>
-          <p:cNvSpPr txBox="1"/>
+          <p:cNvSpPr txBox="1">
+            <a:spLocks noGrp="1"/>
+          </p:cNvSpPr>
           <p:nvPr>
             <p:ph type="body" sz="quarter" idx="1"/>
           </p:nvPr>
@@ -4463,14 +4574,16 @@
           <a:bodyPr/>
           <a:lstStyle/>
           <a:p>
-            <a:pPr/>
+            <a:endParaRPr/>
           </a:p>
         </p:txBody>
       </p:sp>
       <p:sp>
         <p:nvSpPr>
           <p:cNvPr id="157" name="幻灯片项目符号文本"/>
-          <p:cNvSpPr txBox="1"/>
+          <p:cNvSpPr txBox="1">
+            <a:spLocks noGrp="1"/>
+          </p:cNvSpPr>
           <p:nvPr>
             <p:ph type="body" idx="21"/>
           </p:nvPr>
@@ -4488,7 +4601,7 @@
           <a:bodyPr/>
           <a:lstStyle/>
           <a:p>
-            <a:pPr/>
+            <a:endParaRPr/>
           </a:p>
         </p:txBody>
       </p:sp>
@@ -4515,9 +4628,7 @@
             <p:nvPr/>
           </p:nvPicPr>
           <p:blipFill>
-            <a:blip r:embed="rId2">
-              <a:extLst/>
-            </a:blip>
+            <a:blip r:embed="rId2"/>
             <a:stretch>
               <a:fillRect/>
             </a:stretch>
@@ -4546,9 +4657,7 @@
             <p:nvPr/>
           </p:nvPicPr>
           <p:blipFill>
-            <a:blip r:embed="rId3">
-              <a:extLst/>
-            </a:blip>
+            <a:blip r:embed="rId3"/>
             <a:stretch>
               <a:fillRect/>
             </a:stretch>
@@ -4574,22 +4683,23 @@
   <p:clrMapOvr>
     <a:masterClrMapping/>
   </p:clrMapOvr>
-  <p:transition xmlns:p14="http://schemas.microsoft.com/office/powerpoint/2010/main" spd="med" advClick="1"/>
+  <p:transition spd="med"/>
 </p:sld>
 </file>
 
 <file path=ppt/slides/slide3.xml><?xml version="1.0" encoding="utf-8"?>
-<p:sld xmlns:a="http://schemas.openxmlformats.org/drawingml/2006/main" xmlns:r="http://schemas.openxmlformats.org/officeDocument/2006/relationships" xmlns:p="http://schemas.openxmlformats.org/presentationml/2006/main" xmlns:m="http://schemas.openxmlformats.org/officeDocument/2006/math" xmlns:a14="http://schemas.microsoft.com/office/drawing/2010/main" showMasterSp="1" showMasterPhAnim="1">
+<p:sld xmlns:a="http://schemas.openxmlformats.org/drawingml/2006/main" xmlns:r="http://schemas.openxmlformats.org/officeDocument/2006/relationships" xmlns:p="http://schemas.openxmlformats.org/presentationml/2006/main">
   <p:cSld>
     <p:bg>
       <p:bgPr>
         <a:blipFill rotWithShape="1">
           <a:blip r:embed="rId2"/>
-          <a:srcRect l="0" t="0" r="0" b="0"/>
+          <a:srcRect/>
           <a:stretch>
             <a:fillRect/>
           </a:stretch>
         </a:blipFill>
+        <a:effectLst/>
       </p:bgPr>
     </p:bg>
     <p:spTree>
@@ -4609,7 +4719,9 @@
       <p:sp>
         <p:nvSpPr>
           <p:cNvPr id="162" name="Final UML"/>
-          <p:cNvSpPr txBox="1"/>
+          <p:cNvSpPr txBox="1">
+            <a:spLocks noGrp="1"/>
+          </p:cNvSpPr>
           <p:nvPr>
             <p:ph type="title"/>
           </p:nvPr>
@@ -4631,7 +4743,6 @@
             </a:lvl1pPr>
           </a:lstStyle>
           <a:p>
-            <a:pPr/>
             <a:r>
               <a:t>Final UML</a:t>
             </a:r>
@@ -4643,22 +4754,23 @@
   <p:clrMapOvr>
     <a:masterClrMapping/>
   </p:clrMapOvr>
-  <p:transition xmlns:p14="http://schemas.microsoft.com/office/powerpoint/2010/main" spd="med" advClick="1"/>
+  <p:transition spd="med"/>
 </p:sld>
 </file>
 
 <file path=ppt/slides/slide4.xml><?xml version="1.0" encoding="utf-8"?>
-<p:sld xmlns:a="http://schemas.openxmlformats.org/drawingml/2006/main" xmlns:r="http://schemas.openxmlformats.org/officeDocument/2006/relationships" xmlns:p="http://schemas.openxmlformats.org/presentationml/2006/main" xmlns:m="http://schemas.openxmlformats.org/officeDocument/2006/math" xmlns:a14="http://schemas.microsoft.com/office/drawing/2010/main" showMasterSp="1" showMasterPhAnim="1">
+<p:sld xmlns:a="http://schemas.openxmlformats.org/drawingml/2006/main" xmlns:r="http://schemas.openxmlformats.org/officeDocument/2006/relationships" xmlns:p="http://schemas.openxmlformats.org/presentationml/2006/main">
   <p:cSld>
     <p:bg>
       <p:bgPr>
         <a:blipFill rotWithShape="1">
           <a:blip r:embed="rId2"/>
-          <a:srcRect l="0" t="0" r="0" b="0"/>
+          <a:srcRect/>
           <a:stretch>
             <a:fillRect/>
           </a:stretch>
         </a:blipFill>
+        <a:effectLst/>
       </p:bgPr>
     </p:bg>
     <p:spTree>
@@ -4678,7 +4790,9 @@
       <p:sp>
         <p:nvSpPr>
           <p:cNvPr id="164" name="Game Design"/>
-          <p:cNvSpPr txBox="1"/>
+          <p:cNvSpPr txBox="1">
+            <a:spLocks noGrp="1"/>
+          </p:cNvSpPr>
           <p:nvPr>
             <p:ph type="title"/>
           </p:nvPr>
@@ -4700,7 +4814,6 @@
             </a:lvl1pPr>
           </a:lstStyle>
           <a:p>
-            <a:pPr/>
             <a:r>
               <a:t>Game Design</a:t>
             </a:r>
@@ -4712,22 +4825,23 @@
   <p:clrMapOvr>
     <a:masterClrMapping/>
   </p:clrMapOvr>
-  <p:transition xmlns:p14="http://schemas.microsoft.com/office/powerpoint/2010/main" spd="med" advClick="1"/>
+  <p:transition spd="med"/>
 </p:sld>
 </file>
 
 <file path=ppt/slides/slide5.xml><?xml version="1.0" encoding="utf-8"?>
-<p:sld xmlns:a="http://schemas.openxmlformats.org/drawingml/2006/main" xmlns:r="http://schemas.openxmlformats.org/officeDocument/2006/relationships" xmlns:p="http://schemas.openxmlformats.org/presentationml/2006/main" xmlns:m="http://schemas.openxmlformats.org/officeDocument/2006/math" xmlns:a14="http://schemas.microsoft.com/office/drawing/2010/main" showMasterSp="1" showMasterPhAnim="1">
+<p:sld xmlns:a="http://schemas.openxmlformats.org/drawingml/2006/main" xmlns:r="http://schemas.openxmlformats.org/officeDocument/2006/relationships" xmlns:p="http://schemas.openxmlformats.org/presentationml/2006/main">
   <p:cSld>
     <p:bg>
       <p:bgPr>
         <a:blipFill rotWithShape="1">
           <a:blip r:embed="rId2"/>
-          <a:srcRect l="0" t="0" r="0" b="0"/>
+          <a:srcRect/>
           <a:stretch>
             <a:fillRect/>
           </a:stretch>
         </a:blipFill>
+        <a:effectLst/>
       </p:bgPr>
     </p:bg>
     <p:spTree>
@@ -4747,7 +4861,9 @@
       <p:sp>
         <p:nvSpPr>
           <p:cNvPr id="166" name="Game Design"/>
-          <p:cNvSpPr txBox="1"/>
+          <p:cNvSpPr txBox="1">
+            <a:spLocks noGrp="1"/>
+          </p:cNvSpPr>
           <p:nvPr>
             <p:ph type="title"/>
           </p:nvPr>
@@ -4769,7 +4885,6 @@
             </a:lvl1pPr>
           </a:lstStyle>
           <a:p>
-            <a:pPr/>
             <a:r>
               <a:t>Game Design</a:t>
             </a:r>
@@ -4781,22 +4896,23 @@
   <p:clrMapOvr>
     <a:masterClrMapping/>
   </p:clrMapOvr>
-  <p:transition xmlns:p14="http://schemas.microsoft.com/office/powerpoint/2010/main" spd="med" advClick="1"/>
+  <p:transition spd="med"/>
 </p:sld>
 </file>
 
 <file path=ppt/slides/slide6.xml><?xml version="1.0" encoding="utf-8"?>
-<p:sld xmlns:a="http://schemas.openxmlformats.org/drawingml/2006/main" xmlns:r="http://schemas.openxmlformats.org/officeDocument/2006/relationships" xmlns:p="http://schemas.openxmlformats.org/presentationml/2006/main" xmlns:m="http://schemas.openxmlformats.org/officeDocument/2006/math" xmlns:a14="http://schemas.microsoft.com/office/drawing/2010/main" showMasterSp="1" showMasterPhAnim="1">
+<p:sld xmlns:a="http://schemas.openxmlformats.org/drawingml/2006/main" xmlns:r="http://schemas.openxmlformats.org/officeDocument/2006/relationships" xmlns:p="http://schemas.openxmlformats.org/presentationml/2006/main">
   <p:cSld>
     <p:bg>
       <p:bgPr>
         <a:blipFill rotWithShape="1">
           <a:blip r:embed="rId2"/>
-          <a:srcRect l="0" t="0" r="0" b="0"/>
+          <a:srcRect/>
           <a:stretch>
             <a:fillRect/>
           </a:stretch>
         </a:blipFill>
+        <a:effectLst/>
       </p:bgPr>
     </p:bg>
     <p:spTree>
@@ -4816,7 +4932,9 @@
       <p:sp>
         <p:nvSpPr>
           <p:cNvPr id="168" name="Game Design"/>
-          <p:cNvSpPr txBox="1"/>
+          <p:cNvSpPr txBox="1">
+            <a:spLocks noGrp="1"/>
+          </p:cNvSpPr>
           <p:nvPr>
             <p:ph type="title"/>
           </p:nvPr>
@@ -4838,7 +4956,6 @@
             </a:lvl1pPr>
           </a:lstStyle>
           <a:p>
-            <a:pPr/>
             <a:r>
               <a:t>Game Design</a:t>
             </a:r>
@@ -4850,22 +4967,23 @@
   <p:clrMapOvr>
     <a:masterClrMapping/>
   </p:clrMapOvr>
-  <p:transition xmlns:p14="http://schemas.microsoft.com/office/powerpoint/2010/main" spd="med" advClick="1"/>
+  <p:transition spd="med"/>
 </p:sld>
 </file>
 
 <file path=ppt/slides/slide7.xml><?xml version="1.0" encoding="utf-8"?>
-<p:sld xmlns:a="http://schemas.openxmlformats.org/drawingml/2006/main" xmlns:r="http://schemas.openxmlformats.org/officeDocument/2006/relationships" xmlns:p="http://schemas.openxmlformats.org/presentationml/2006/main" xmlns:m="http://schemas.openxmlformats.org/officeDocument/2006/math" xmlns:a14="http://schemas.microsoft.com/office/drawing/2010/main" showMasterSp="1" showMasterPhAnim="1">
+<p:sld xmlns:a="http://schemas.openxmlformats.org/drawingml/2006/main" xmlns:r="http://schemas.openxmlformats.org/officeDocument/2006/relationships" xmlns:p="http://schemas.openxmlformats.org/presentationml/2006/main">
   <p:cSld>
     <p:bg>
       <p:bgPr>
         <a:blipFill rotWithShape="1">
           <a:blip r:embed="rId2"/>
-          <a:srcRect l="0" t="0" r="0" b="0"/>
+          <a:srcRect/>
           <a:stretch>
             <a:fillRect/>
           </a:stretch>
         </a:blipFill>
+        <a:effectLst/>
       </p:bgPr>
     </p:bg>
     <p:spTree>
@@ -4885,7 +5003,9 @@
       <p:sp>
         <p:nvSpPr>
           <p:cNvPr id="170" name="Game Design"/>
-          <p:cNvSpPr txBox="1"/>
+          <p:cNvSpPr txBox="1">
+            <a:spLocks noGrp="1"/>
+          </p:cNvSpPr>
           <p:nvPr>
             <p:ph type="title"/>
           </p:nvPr>
@@ -4907,7 +5027,6 @@
             </a:lvl1pPr>
           </a:lstStyle>
           <a:p>
-            <a:pPr/>
             <a:r>
               <a:t>Game Design</a:t>
             </a:r>
@@ -4919,22 +5038,23 @@
   <p:clrMapOvr>
     <a:masterClrMapping/>
   </p:clrMapOvr>
-  <p:transition xmlns:p14="http://schemas.microsoft.com/office/powerpoint/2010/main" spd="med" advClick="1"/>
+  <p:transition spd="med"/>
 </p:sld>
 </file>
 
 <file path=ppt/slides/slide8.xml><?xml version="1.0" encoding="utf-8"?>
-<p:sld xmlns:a="http://schemas.openxmlformats.org/drawingml/2006/main" xmlns:r="http://schemas.openxmlformats.org/officeDocument/2006/relationships" xmlns:p="http://schemas.openxmlformats.org/presentationml/2006/main" xmlns:m="http://schemas.openxmlformats.org/officeDocument/2006/math" xmlns:a14="http://schemas.microsoft.com/office/drawing/2010/main" showMasterSp="1" showMasterPhAnim="1">
+<p:sld xmlns:a="http://schemas.openxmlformats.org/drawingml/2006/main" xmlns:r="http://schemas.openxmlformats.org/officeDocument/2006/relationships" xmlns:p="http://schemas.openxmlformats.org/presentationml/2006/main">
   <p:cSld>
     <p:bg>
       <p:bgPr>
         <a:blipFill rotWithShape="1">
           <a:blip r:embed="rId2"/>
-          <a:srcRect l="0" t="0" r="0" b="0"/>
+          <a:srcRect/>
           <a:stretch>
             <a:fillRect/>
           </a:stretch>
         </a:blipFill>
+        <a:effectLst/>
       </p:bgPr>
     </p:bg>
     <p:spTree>
@@ -4951,10 +5071,48 @@
           <a:chExt cx="0" cy="0"/>
         </a:xfrm>
       </p:grpSpPr>
+      <p:pic>
+        <p:nvPicPr>
+          <p:cNvPr id="11" name="Picture 10" descr="Graphical user interface&#10;&#10;Description automatically generated">
+            <a:extLst>
+              <a:ext uri="{FF2B5EF4-FFF2-40B4-BE49-F238E27FC236}">
+                <a16:creationId xmlns:a16="http://schemas.microsoft.com/office/drawing/2014/main" id="{85D465F3-AE6D-BEE5-085E-1F856E1FDE65}"/>
+              </a:ext>
+            </a:extLst>
+          </p:cNvPr>
+          <p:cNvPicPr>
+            <a:picLocks noChangeAspect="1"/>
+          </p:cNvPicPr>
+          <p:nvPr/>
+        </p:nvPicPr>
+        <p:blipFill>
+          <a:blip r:embed="rId3">
+            <a:extLst>
+              <a:ext uri="{28A0092B-C50C-407E-A947-70E740481C1C}">
+                <a14:useLocalDpi xmlns:a14="http://schemas.microsoft.com/office/drawing/2010/main" val="0"/>
+              </a:ext>
+            </a:extLst>
+          </a:blip>
+          <a:stretch>
+            <a:fillRect/>
+          </a:stretch>
+        </p:blipFill>
+        <p:spPr>
+          <a:xfrm>
+            <a:off x="-6071" y="0"/>
+            <a:ext cx="24390072" cy="13716000"/>
+          </a:xfrm>
+          <a:prstGeom prst="rect">
+            <a:avLst/>
+          </a:prstGeom>
+        </p:spPr>
+      </p:pic>
       <p:sp>
         <p:nvSpPr>
           <p:cNvPr id="172" name="implementation and Test"/>
-          <p:cNvSpPr txBox="1"/>
+          <p:cNvSpPr txBox="1">
+            <a:spLocks noGrp="1"/>
+          </p:cNvSpPr>
           <p:nvPr>
             <p:ph type="title"/>
           </p:nvPr>
@@ -4976,8 +5134,8 @@
             </a:lvl1pPr>
           </a:lstStyle>
           <a:p>
-            <a:pPr/>
             <a:r>
+              <a:rPr dirty="0"/>
               <a:t>Testing Implementation</a:t>
             </a:r>
           </a:p>
@@ -4988,12 +5146,12 @@
   <p:clrMapOvr>
     <a:masterClrMapping/>
   </p:clrMapOvr>
-  <p:transition xmlns:p14="http://schemas.microsoft.com/office/powerpoint/2010/main" spd="med" advClick="1"/>
+  <p:transition spd="med"/>
 </p:sld>
 </file>
 
 <file path=ppt/slides/slide9.xml><?xml version="1.0" encoding="utf-8"?>
-<p:sld xmlns:a="http://schemas.openxmlformats.org/drawingml/2006/main" xmlns:r="http://schemas.openxmlformats.org/officeDocument/2006/relationships" xmlns:p="http://schemas.openxmlformats.org/presentationml/2006/main" xmlns:m="http://schemas.openxmlformats.org/officeDocument/2006/math" xmlns:a14="http://schemas.microsoft.com/office/drawing/2010/main" showMasterSp="1" showMasterPhAnim="1">
+<p:sld xmlns:a="http://schemas.openxmlformats.org/drawingml/2006/main" xmlns:r="http://schemas.openxmlformats.org/officeDocument/2006/relationships" xmlns:p="http://schemas.openxmlformats.org/presentationml/2006/main">
   <p:cSld>
     <p:spTree>
       <p:nvGrpSpPr>
@@ -5012,7 +5170,9 @@
       <p:sp>
         <p:nvSpPr>
           <p:cNvPr id="174" name="Team Management"/>
-          <p:cNvSpPr txBox="1"/>
+          <p:cNvSpPr txBox="1">
+            <a:spLocks noGrp="1"/>
+          </p:cNvSpPr>
           <p:nvPr>
             <p:ph type="title"/>
           </p:nvPr>
@@ -5034,7 +5194,6 @@
             </a:lvl1pPr>
           </a:lstStyle>
           <a:p>
-            <a:pPr/>
             <a:r>
               <a:t>Team Management</a:t>
             </a:r>
@@ -5044,7 +5203,9 @@
       <p:sp>
         <p:nvSpPr>
           <p:cNvPr id="175" name="Get your group's contact info right away…"/>
-          <p:cNvSpPr txBox="1"/>
+          <p:cNvSpPr txBox="1">
+            <a:spLocks noGrp="1"/>
+          </p:cNvSpPr>
           <p:nvPr>
             <p:ph type="body" idx="21"/>
           </p:nvPr>
@@ -5059,7 +5220,7 @@
           </a:prstGeom>
           <a:extLst>
             <a:ext uri="{C572A759-6A51-4108-AA02-DFA0A04FC94B}">
-              <ma14:wrappingTextBoxFlag xmlns:ma14="http://schemas.microsoft.com/office/mac/drawingml/2011/main" val="1"/>
+              <ma14:wrappingTextBoxFlag xmlns:ma14="http://schemas.microsoft.com/office/mac/drawingml/2011/main" xmlns:a14="http://schemas.microsoft.com/office/drawing/2010/main" xmlns:m="http://schemas.openxmlformats.org/officeDocument/2006/math" xmlns="" val="1"/>
             </a:ext>
           </a:extLst>
         </p:spPr>
@@ -5071,21 +5232,19 @@
               <a:buSzTx/>
               <a:buNone/>
             </a:pPr>
-          </a:p>
-          <a:p>
-            <a:pPr/>
+            <a:endParaRPr/>
+          </a:p>
+          <a:p>
             <a:r>
               <a:t>Adequate communication</a:t>
             </a:r>
           </a:p>
           <a:p>
-            <a:pPr/>
             <a:r>
               <a:t>Set realistic deadlines and include buffer time</a:t>
             </a:r>
           </a:p>
           <a:p>
-            <a:pPr/>
             <a:r>
               <a:t>Having a unified understanding of the development process</a:t>
             </a:r>
@@ -5097,12 +5256,12 @@
   <p:clrMapOvr>
     <a:masterClrMapping/>
   </p:clrMapOvr>
-  <p:transition xmlns:p14="http://schemas.microsoft.com/office/powerpoint/2010/main" spd="med" advClick="1"/>
+  <p:transition spd="med"/>
 </p:sld>
 </file>
 
 <file path=ppt/theme/theme1.xml><?xml version="1.0" encoding="utf-8"?>
-<a:theme xmlns:a="http://schemas.openxmlformats.org/drawingml/2006/main" xmlns:r="http://schemas.openxmlformats.org/officeDocument/2006/relationships" name="20_BasicBlack">
+<a:theme xmlns:a="http://schemas.openxmlformats.org/drawingml/2006/main" name="20_BasicBlack">
   <a:themeElements>
     <a:clrScheme name="20_BasicBlack">
       <a:dk1>
@@ -5304,7 +5463,7 @@
         <a:effectLst/>
         <a:sp3d/>
       </a:spPr>
-      <a:bodyPr rot="0" spcFirstLastPara="1" vertOverflow="overflow" horzOverflow="overflow" vert="horz" wrap="square" lIns="50800" tIns="50800" rIns="50800" bIns="50800" numCol="1" spcCol="38100" rtlCol="0" anchor="ctr" upright="0">
+      <a:bodyPr rot="0" spcFirstLastPara="1" vertOverflow="overflow" horzOverflow="overflow" vert="horz" wrap="square" lIns="50800" tIns="50800" rIns="50800" bIns="50800" numCol="1" spcCol="38100" rtlCol="0" anchor="ctr">
         <a:spAutoFit/>
       </a:bodyPr>
       <a:lstStyle>
@@ -5323,7 +5482,7 @@
           <a:buFontTx/>
           <a:buNone/>
           <a:tabLst/>
-          <a:defRPr b="0" baseline="0" cap="none" i="0" spc="0" strike="noStrike" sz="2400" u="none" kumimoji="0" normalizeH="0">
+          <a:defRPr kumimoji="0" sz="2400" b="0" i="0" u="none" strike="noStrike" cap="none" spc="0" normalizeH="0" baseline="0">
             <a:ln>
               <a:noFill/>
             </a:ln>
@@ -5353,7 +5512,7 @@
           <a:buFontTx/>
           <a:buNone/>
           <a:tabLst/>
-          <a:defRPr b="0" baseline="0" cap="none" i="0" spc="0" strike="noStrike" sz="1800" u="none" kumimoji="0" normalizeH="0">
+          <a:defRPr kumimoji="0" sz="1800" b="0" i="0" u="none" strike="noStrike" cap="none" spc="0" normalizeH="0" baseline="0">
             <a:ln>
               <a:noFill/>
             </a:ln>
@@ -5379,7 +5538,7 @@
           <a:buFontTx/>
           <a:buNone/>
           <a:tabLst/>
-          <a:defRPr b="0" baseline="0" cap="none" i="0" spc="0" strike="noStrike" sz="1800" u="none" kumimoji="0" normalizeH="0">
+          <a:defRPr kumimoji="0" sz="1800" b="0" i="0" u="none" strike="noStrike" cap="none" spc="0" normalizeH="0" baseline="0">
             <a:ln>
               <a:noFill/>
             </a:ln>
@@ -5405,7 +5564,7 @@
           <a:buFontTx/>
           <a:buNone/>
           <a:tabLst/>
-          <a:defRPr b="0" baseline="0" cap="none" i="0" spc="0" strike="noStrike" sz="1800" u="none" kumimoji="0" normalizeH="0">
+          <a:defRPr kumimoji="0" sz="1800" b="0" i="0" u="none" strike="noStrike" cap="none" spc="0" normalizeH="0" baseline="0">
             <a:ln>
               <a:noFill/>
             </a:ln>
@@ -5431,7 +5590,7 @@
           <a:buFontTx/>
           <a:buNone/>
           <a:tabLst/>
-          <a:defRPr b="0" baseline="0" cap="none" i="0" spc="0" strike="noStrike" sz="1800" u="none" kumimoji="0" normalizeH="0">
+          <a:defRPr kumimoji="0" sz="1800" b="0" i="0" u="none" strike="noStrike" cap="none" spc="0" normalizeH="0" baseline="0">
             <a:ln>
               <a:noFill/>
             </a:ln>
@@ -5457,7 +5616,7 @@
           <a:buFontTx/>
           <a:buNone/>
           <a:tabLst/>
-          <a:defRPr b="0" baseline="0" cap="none" i="0" spc="0" strike="noStrike" sz="1800" u="none" kumimoji="0" normalizeH="0">
+          <a:defRPr kumimoji="0" sz="1800" b="0" i="0" u="none" strike="noStrike" cap="none" spc="0" normalizeH="0" baseline="0">
             <a:ln>
               <a:noFill/>
             </a:ln>
@@ -5483,7 +5642,7 @@
           <a:buFontTx/>
           <a:buNone/>
           <a:tabLst/>
-          <a:defRPr b="0" baseline="0" cap="none" i="0" spc="0" strike="noStrike" sz="1800" u="none" kumimoji="0" normalizeH="0">
+          <a:defRPr kumimoji="0" sz="1800" b="0" i="0" u="none" strike="noStrike" cap="none" spc="0" normalizeH="0" baseline="0">
             <a:ln>
               <a:noFill/>
             </a:ln>
@@ -5509,7 +5668,7 @@
           <a:buFontTx/>
           <a:buNone/>
           <a:tabLst/>
-          <a:defRPr b="0" baseline="0" cap="none" i="0" spc="0" strike="noStrike" sz="1800" u="none" kumimoji="0" normalizeH="0">
+          <a:defRPr kumimoji="0" sz="1800" b="0" i="0" u="none" strike="noStrike" cap="none" spc="0" normalizeH="0" baseline="0">
             <a:ln>
               <a:noFill/>
             </a:ln>
@@ -5535,7 +5694,7 @@
           <a:buFontTx/>
           <a:buNone/>
           <a:tabLst/>
-          <a:defRPr b="0" baseline="0" cap="none" i="0" spc="0" strike="noStrike" sz="1800" u="none" kumimoji="0" normalizeH="0">
+          <a:defRPr kumimoji="0" sz="1800" b="0" i="0" u="none" strike="noStrike" cap="none" spc="0" normalizeH="0" baseline="0">
             <a:ln>
               <a:noFill/>
             </a:ln>
@@ -5561,7 +5720,7 @@
           <a:buFontTx/>
           <a:buNone/>
           <a:tabLst/>
-          <a:defRPr b="0" baseline="0" cap="none" i="0" spc="0" strike="noStrike" sz="1800" u="none" kumimoji="0" normalizeH="0">
+          <a:defRPr kumimoji="0" sz="1800" b="0" i="0" u="none" strike="noStrike" cap="none" spc="0" normalizeH="0" baseline="0">
             <a:ln>
               <a:noFill/>
             </a:ln>
@@ -5574,9 +5733,15 @@
         </a:lvl9pPr>
       </a:lstStyle>
       <a:style>
-        <a:lnRef idx="0"/>
-        <a:fillRef idx="0"/>
-        <a:effectRef idx="0"/>
+        <a:lnRef idx="0">
+          <a:scrgbClr r="0" g="0" b="0"/>
+        </a:lnRef>
+        <a:fillRef idx="0">
+          <a:scrgbClr r="0" g="0" b="0"/>
+        </a:fillRef>
+        <a:effectRef idx="0">
+          <a:scrgbClr r="0" g="0" b="0"/>
+        </a:effectRef>
         <a:fontRef idx="none"/>
       </a:style>
     </a:spDef>
@@ -5593,7 +5758,7 @@
         <a:effectLst/>
         <a:sp3d/>
       </a:spPr>
-      <a:bodyPr rot="0" spcFirstLastPara="1" vertOverflow="overflow" horzOverflow="overflow" vert="horz" wrap="square" lIns="91439" tIns="45719" rIns="91439" bIns="45719" numCol="1" spcCol="38100" rtlCol="0" anchor="t" upright="0">
+      <a:bodyPr rot="0" spcFirstLastPara="1" vertOverflow="overflow" horzOverflow="overflow" vert="horz" wrap="square" lIns="91439" tIns="45719" rIns="91439" bIns="45719" numCol="1" spcCol="38100" rtlCol="0" anchor="t">
         <a:noAutofit/>
       </a:bodyPr>
       <a:lstStyle>
@@ -5612,7 +5777,7 @@
           <a:buFontTx/>
           <a:buNone/>
           <a:tabLst/>
-          <a:defRPr b="0" baseline="0" cap="none" i="0" spc="0" strike="noStrike" sz="1800" u="none" kumimoji="0" normalizeH="0">
+          <a:defRPr kumimoji="0" sz="1800" b="0" i="0" u="none" strike="noStrike" cap="none" spc="0" normalizeH="0" baseline="0">
             <a:ln>
               <a:noFill/>
             </a:ln>
@@ -5638,7 +5803,7 @@
           <a:buFontTx/>
           <a:buNone/>
           <a:tabLst/>
-          <a:defRPr b="0" baseline="0" cap="none" i="0" spc="0" strike="noStrike" sz="1800" u="none" kumimoji="0" normalizeH="0">
+          <a:defRPr kumimoji="0" sz="1800" b="0" i="0" u="none" strike="noStrike" cap="none" spc="0" normalizeH="0" baseline="0">
             <a:ln>
               <a:noFill/>
             </a:ln>
@@ -5664,7 +5829,7 @@
           <a:buFontTx/>
           <a:buNone/>
           <a:tabLst/>
-          <a:defRPr b="0" baseline="0" cap="none" i="0" spc="0" strike="noStrike" sz="1800" u="none" kumimoji="0" normalizeH="0">
+          <a:defRPr kumimoji="0" sz="1800" b="0" i="0" u="none" strike="noStrike" cap="none" spc="0" normalizeH="0" baseline="0">
             <a:ln>
               <a:noFill/>
             </a:ln>
@@ -5690,7 +5855,7 @@
           <a:buFontTx/>
           <a:buNone/>
           <a:tabLst/>
-          <a:defRPr b="0" baseline="0" cap="none" i="0" spc="0" strike="noStrike" sz="1800" u="none" kumimoji="0" normalizeH="0">
+          <a:defRPr kumimoji="0" sz="1800" b="0" i="0" u="none" strike="noStrike" cap="none" spc="0" normalizeH="0" baseline="0">
             <a:ln>
               <a:noFill/>
             </a:ln>
@@ -5716,7 +5881,7 @@
           <a:buFontTx/>
           <a:buNone/>
           <a:tabLst/>
-          <a:defRPr b="0" baseline="0" cap="none" i="0" spc="0" strike="noStrike" sz="1800" u="none" kumimoji="0" normalizeH="0">
+          <a:defRPr kumimoji="0" sz="1800" b="0" i="0" u="none" strike="noStrike" cap="none" spc="0" normalizeH="0" baseline="0">
             <a:ln>
               <a:noFill/>
             </a:ln>
@@ -5742,7 +5907,7 @@
           <a:buFontTx/>
           <a:buNone/>
           <a:tabLst/>
-          <a:defRPr b="0" baseline="0" cap="none" i="0" spc="0" strike="noStrike" sz="1800" u="none" kumimoji="0" normalizeH="0">
+          <a:defRPr kumimoji="0" sz="1800" b="0" i="0" u="none" strike="noStrike" cap="none" spc="0" normalizeH="0" baseline="0">
             <a:ln>
               <a:noFill/>
             </a:ln>
@@ -5768,7 +5933,7 @@
           <a:buFontTx/>
           <a:buNone/>
           <a:tabLst/>
-          <a:defRPr b="0" baseline="0" cap="none" i="0" spc="0" strike="noStrike" sz="1800" u="none" kumimoji="0" normalizeH="0">
+          <a:defRPr kumimoji="0" sz="1800" b="0" i="0" u="none" strike="noStrike" cap="none" spc="0" normalizeH="0" baseline="0">
             <a:ln>
               <a:noFill/>
             </a:ln>
@@ -5794,7 +5959,7 @@
           <a:buFontTx/>
           <a:buNone/>
           <a:tabLst/>
-          <a:defRPr b="0" baseline="0" cap="none" i="0" spc="0" strike="noStrike" sz="1800" u="none" kumimoji="0" normalizeH="0">
+          <a:defRPr kumimoji="0" sz="1800" b="0" i="0" u="none" strike="noStrike" cap="none" spc="0" normalizeH="0" baseline="0">
             <a:ln>
               <a:noFill/>
             </a:ln>
@@ -5820,7 +5985,7 @@
           <a:buFontTx/>
           <a:buNone/>
           <a:tabLst/>
-          <a:defRPr b="0" baseline="0" cap="none" i="0" spc="0" strike="noStrike" sz="1800" u="none" kumimoji="0" normalizeH="0">
+          <a:defRPr kumimoji="0" sz="1800" b="0" i="0" u="none" strike="noStrike" cap="none" spc="0" normalizeH="0" baseline="0">
             <a:ln>
               <a:noFill/>
             </a:ln>
@@ -5846,7 +6011,7 @@
           <a:buFontTx/>
           <a:buNone/>
           <a:tabLst/>
-          <a:defRPr b="0" baseline="0" cap="none" i="0" spc="0" strike="noStrike" sz="1800" u="none" kumimoji="0" normalizeH="0">
+          <a:defRPr kumimoji="0" sz="1800" b="0" i="0" u="none" strike="noStrike" cap="none" spc="0" normalizeH="0" baseline="0">
             <a:ln>
               <a:noFill/>
             </a:ln>
@@ -5859,9 +6024,15 @@
         </a:lvl9pPr>
       </a:lstStyle>
       <a:style>
-        <a:lnRef idx="0"/>
-        <a:fillRef idx="0"/>
-        <a:effectRef idx="0"/>
+        <a:lnRef idx="0">
+          <a:scrgbClr r="0" g="0" b="0"/>
+        </a:lnRef>
+        <a:fillRef idx="0">
+          <a:scrgbClr r="0" g="0" b="0"/>
+        </a:fillRef>
+        <a:effectRef idx="0">
+          <a:scrgbClr r="0" g="0" b="0"/>
+        </a:effectRef>
         <a:fontRef idx="none"/>
       </a:style>
     </a:lnDef>
@@ -5875,7 +6046,7 @@
         <a:effectLst/>
         <a:sp3d/>
       </a:spPr>
-      <a:bodyPr rot="0" spcFirstLastPara="1" vertOverflow="overflow" horzOverflow="overflow" vert="horz" wrap="square" lIns="50800" tIns="50800" rIns="50800" bIns="50800" numCol="1" spcCol="38100" rtlCol="0" anchor="ctr" upright="0">
+      <a:bodyPr rot="0" spcFirstLastPara="1" vertOverflow="overflow" horzOverflow="overflow" vert="horz" wrap="square" lIns="50800" tIns="50800" rIns="50800" bIns="50800" numCol="1" spcCol="38100" rtlCol="0" anchor="ctr">
         <a:spAutoFit/>
       </a:bodyPr>
       <a:lstStyle>
@@ -5894,7 +6065,7 @@
           <a:buFontTx/>
           <a:buNone/>
           <a:tabLst/>
-          <a:defRPr b="0" baseline="0" cap="none" i="0" spc="0" strike="noStrike" sz="2400" u="none" kumimoji="0" normalizeH="0">
+          <a:defRPr kumimoji="0" sz="2400" b="0" i="0" u="none" strike="noStrike" cap="none" spc="0" normalizeH="0" baseline="0">
             <a:ln>
               <a:noFill/>
             </a:ln>
@@ -5924,7 +6095,7 @@
           <a:buFontTx/>
           <a:buNone/>
           <a:tabLst/>
-          <a:defRPr b="0" baseline="0" cap="none" i="0" spc="0" strike="noStrike" sz="1800" u="none" kumimoji="0" normalizeH="0">
+          <a:defRPr kumimoji="0" sz="1800" b="0" i="0" u="none" strike="noStrike" cap="none" spc="0" normalizeH="0" baseline="0">
             <a:ln>
               <a:noFill/>
             </a:ln>
@@ -5950,7 +6121,7 @@
           <a:buFontTx/>
           <a:buNone/>
           <a:tabLst/>
-          <a:defRPr b="0" baseline="0" cap="none" i="0" spc="0" strike="noStrike" sz="1800" u="none" kumimoji="0" normalizeH="0">
+          <a:defRPr kumimoji="0" sz="1800" b="0" i="0" u="none" strike="noStrike" cap="none" spc="0" normalizeH="0" baseline="0">
             <a:ln>
               <a:noFill/>
             </a:ln>
@@ -5976,7 +6147,7 @@
           <a:buFontTx/>
           <a:buNone/>
           <a:tabLst/>
-          <a:defRPr b="0" baseline="0" cap="none" i="0" spc="0" strike="noStrike" sz="1800" u="none" kumimoji="0" normalizeH="0">
+          <a:defRPr kumimoji="0" sz="1800" b="0" i="0" u="none" strike="noStrike" cap="none" spc="0" normalizeH="0" baseline="0">
             <a:ln>
               <a:noFill/>
             </a:ln>
@@ -6002,7 +6173,7 @@
           <a:buFontTx/>
           <a:buNone/>
           <a:tabLst/>
-          <a:defRPr b="0" baseline="0" cap="none" i="0" spc="0" strike="noStrike" sz="1800" u="none" kumimoji="0" normalizeH="0">
+          <a:defRPr kumimoji="0" sz="1800" b="0" i="0" u="none" strike="noStrike" cap="none" spc="0" normalizeH="0" baseline="0">
             <a:ln>
               <a:noFill/>
             </a:ln>
@@ -6028,7 +6199,7 @@
           <a:buFontTx/>
           <a:buNone/>
           <a:tabLst/>
-          <a:defRPr b="0" baseline="0" cap="none" i="0" spc="0" strike="noStrike" sz="1800" u="none" kumimoji="0" normalizeH="0">
+          <a:defRPr kumimoji="0" sz="1800" b="0" i="0" u="none" strike="noStrike" cap="none" spc="0" normalizeH="0" baseline="0">
             <a:ln>
               <a:noFill/>
             </a:ln>
@@ -6054,7 +6225,7 @@
           <a:buFontTx/>
           <a:buNone/>
           <a:tabLst/>
-          <a:defRPr b="0" baseline="0" cap="none" i="0" spc="0" strike="noStrike" sz="1800" u="none" kumimoji="0" normalizeH="0">
+          <a:defRPr kumimoji="0" sz="1800" b="0" i="0" u="none" strike="noStrike" cap="none" spc="0" normalizeH="0" baseline="0">
             <a:ln>
               <a:noFill/>
             </a:ln>
@@ -6080,7 +6251,7 @@
           <a:buFontTx/>
           <a:buNone/>
           <a:tabLst/>
-          <a:defRPr b="0" baseline="0" cap="none" i="0" spc="0" strike="noStrike" sz="1800" u="none" kumimoji="0" normalizeH="0">
+          <a:defRPr kumimoji="0" sz="1800" b="0" i="0" u="none" strike="noStrike" cap="none" spc="0" normalizeH="0" baseline="0">
             <a:ln>
               <a:noFill/>
             </a:ln>
@@ -6106,7 +6277,7 @@
           <a:buFontTx/>
           <a:buNone/>
           <a:tabLst/>
-          <a:defRPr b="0" baseline="0" cap="none" i="0" spc="0" strike="noStrike" sz="1800" u="none" kumimoji="0" normalizeH="0">
+          <a:defRPr kumimoji="0" sz="1800" b="0" i="0" u="none" strike="noStrike" cap="none" spc="0" normalizeH="0" baseline="0">
             <a:ln>
               <a:noFill/>
             </a:ln>
@@ -6132,7 +6303,7 @@
           <a:buFontTx/>
           <a:buNone/>
           <a:tabLst/>
-          <a:defRPr b="0" baseline="0" cap="none" i="0" spc="0" strike="noStrike" sz="1800" u="none" kumimoji="0" normalizeH="0">
+          <a:defRPr kumimoji="0" sz="1800" b="0" i="0" u="none" strike="noStrike" cap="none" spc="0" normalizeH="0" baseline="0">
             <a:ln>
               <a:noFill/>
             </a:ln>
@@ -6145,18 +6316,25 @@
         </a:lvl9pPr>
       </a:lstStyle>
       <a:style>
-        <a:lnRef idx="0"/>
-        <a:fillRef idx="0"/>
-        <a:effectRef idx="0"/>
+        <a:lnRef idx="0">
+          <a:scrgbClr r="0" g="0" b="0"/>
+        </a:lnRef>
+        <a:fillRef idx="0">
+          <a:scrgbClr r="0" g="0" b="0"/>
+        </a:fillRef>
+        <a:effectRef idx="0">
+          <a:scrgbClr r="0" g="0" b="0"/>
+        </a:effectRef>
         <a:fontRef idx="none"/>
       </a:style>
     </a:txDef>
   </a:objectDefaults>
+  <a:extraClrSchemeLst/>
 </a:theme>
 </file>
 
 <file path=ppt/theme/theme2.xml><?xml version="1.0" encoding="utf-8"?>
-<a:theme xmlns:a="http://schemas.openxmlformats.org/drawingml/2006/main" xmlns:r="http://schemas.openxmlformats.org/officeDocument/2006/relationships" name="20_BasicBlack">
+<a:theme xmlns:a="http://schemas.openxmlformats.org/drawingml/2006/main" name="20_BasicBlack">
   <a:themeElements>
     <a:clrScheme name="20_BasicBlack">
       <a:dk1>
@@ -6358,7 +6536,7 @@
         <a:effectLst/>
         <a:sp3d/>
       </a:spPr>
-      <a:bodyPr rot="0" spcFirstLastPara="1" vertOverflow="overflow" horzOverflow="overflow" vert="horz" wrap="square" lIns="50800" tIns="50800" rIns="50800" bIns="50800" numCol="1" spcCol="38100" rtlCol="0" anchor="ctr" upright="0">
+      <a:bodyPr rot="0" spcFirstLastPara="1" vertOverflow="overflow" horzOverflow="overflow" vert="horz" wrap="square" lIns="50800" tIns="50800" rIns="50800" bIns="50800" numCol="1" spcCol="38100" rtlCol="0" anchor="ctr">
         <a:spAutoFit/>
       </a:bodyPr>
       <a:lstStyle>
@@ -6377,7 +6555,7 @@
           <a:buFontTx/>
           <a:buNone/>
           <a:tabLst/>
-          <a:defRPr b="0" baseline="0" cap="none" i="0" spc="0" strike="noStrike" sz="2400" u="none" kumimoji="0" normalizeH="0">
+          <a:defRPr kumimoji="0" sz="2400" b="0" i="0" u="none" strike="noStrike" cap="none" spc="0" normalizeH="0" baseline="0">
             <a:ln>
               <a:noFill/>
             </a:ln>
@@ -6407,7 +6585,7 @@
           <a:buFontTx/>
           <a:buNone/>
           <a:tabLst/>
-          <a:defRPr b="0" baseline="0" cap="none" i="0" spc="0" strike="noStrike" sz="1800" u="none" kumimoji="0" normalizeH="0">
+          <a:defRPr kumimoji="0" sz="1800" b="0" i="0" u="none" strike="noStrike" cap="none" spc="0" normalizeH="0" baseline="0">
             <a:ln>
               <a:noFill/>
             </a:ln>
@@ -6433,7 +6611,7 @@
           <a:buFontTx/>
           <a:buNone/>
           <a:tabLst/>
-          <a:defRPr b="0" baseline="0" cap="none" i="0" spc="0" strike="noStrike" sz="1800" u="none" kumimoji="0" normalizeH="0">
+          <a:defRPr kumimoji="0" sz="1800" b="0" i="0" u="none" strike="noStrike" cap="none" spc="0" normalizeH="0" baseline="0">
             <a:ln>
               <a:noFill/>
             </a:ln>
@@ -6459,7 +6637,7 @@
           <a:buFontTx/>
           <a:buNone/>
           <a:tabLst/>
-          <a:defRPr b="0" baseline="0" cap="none" i="0" spc="0" strike="noStrike" sz="1800" u="none" kumimoji="0" normalizeH="0">
+          <a:defRPr kumimoji="0" sz="1800" b="0" i="0" u="none" strike="noStrike" cap="none" spc="0" normalizeH="0" baseline="0">
             <a:ln>
               <a:noFill/>
             </a:ln>
@@ -6485,7 +6663,7 @@
           <a:buFontTx/>
           <a:buNone/>
           <a:tabLst/>
-          <a:defRPr b="0" baseline="0" cap="none" i="0" spc="0" strike="noStrike" sz="1800" u="none" kumimoji="0" normalizeH="0">
+          <a:defRPr kumimoji="0" sz="1800" b="0" i="0" u="none" strike="noStrike" cap="none" spc="0" normalizeH="0" baseline="0">
             <a:ln>
               <a:noFill/>
             </a:ln>
@@ -6511,7 +6689,7 @@
           <a:buFontTx/>
           <a:buNone/>
           <a:tabLst/>
-          <a:defRPr b="0" baseline="0" cap="none" i="0" spc="0" strike="noStrike" sz="1800" u="none" kumimoji="0" normalizeH="0">
+          <a:defRPr kumimoji="0" sz="1800" b="0" i="0" u="none" strike="noStrike" cap="none" spc="0" normalizeH="0" baseline="0">
             <a:ln>
               <a:noFill/>
             </a:ln>
@@ -6537,7 +6715,7 @@
           <a:buFontTx/>
           <a:buNone/>
           <a:tabLst/>
-          <a:defRPr b="0" baseline="0" cap="none" i="0" spc="0" strike="noStrike" sz="1800" u="none" kumimoji="0" normalizeH="0">
+          <a:defRPr kumimoji="0" sz="1800" b="0" i="0" u="none" strike="noStrike" cap="none" spc="0" normalizeH="0" baseline="0">
             <a:ln>
               <a:noFill/>
             </a:ln>
@@ -6563,7 +6741,7 @@
           <a:buFontTx/>
           <a:buNone/>
           <a:tabLst/>
-          <a:defRPr b="0" baseline="0" cap="none" i="0" spc="0" strike="noStrike" sz="1800" u="none" kumimoji="0" normalizeH="0">
+          <a:defRPr kumimoji="0" sz="1800" b="0" i="0" u="none" strike="noStrike" cap="none" spc="0" normalizeH="0" baseline="0">
             <a:ln>
               <a:noFill/>
             </a:ln>
@@ -6589,7 +6767,7 @@
           <a:buFontTx/>
           <a:buNone/>
           <a:tabLst/>
-          <a:defRPr b="0" baseline="0" cap="none" i="0" spc="0" strike="noStrike" sz="1800" u="none" kumimoji="0" normalizeH="0">
+          <a:defRPr kumimoji="0" sz="1800" b="0" i="0" u="none" strike="noStrike" cap="none" spc="0" normalizeH="0" baseline="0">
             <a:ln>
               <a:noFill/>
             </a:ln>
@@ -6615,7 +6793,7 @@
           <a:buFontTx/>
           <a:buNone/>
           <a:tabLst/>
-          <a:defRPr b="0" baseline="0" cap="none" i="0" spc="0" strike="noStrike" sz="1800" u="none" kumimoji="0" normalizeH="0">
+          <a:defRPr kumimoji="0" sz="1800" b="0" i="0" u="none" strike="noStrike" cap="none" spc="0" normalizeH="0" baseline="0">
             <a:ln>
               <a:noFill/>
             </a:ln>
@@ -6628,9 +6806,15 @@
         </a:lvl9pPr>
       </a:lstStyle>
       <a:style>
-        <a:lnRef idx="0"/>
-        <a:fillRef idx="0"/>
-        <a:effectRef idx="0"/>
+        <a:lnRef idx="0">
+          <a:scrgbClr r="0" g="0" b="0"/>
+        </a:lnRef>
+        <a:fillRef idx="0">
+          <a:scrgbClr r="0" g="0" b="0"/>
+        </a:fillRef>
+        <a:effectRef idx="0">
+          <a:scrgbClr r="0" g="0" b="0"/>
+        </a:effectRef>
         <a:fontRef idx="none"/>
       </a:style>
     </a:spDef>
@@ -6647,7 +6831,7 @@
         <a:effectLst/>
         <a:sp3d/>
       </a:spPr>
-      <a:bodyPr rot="0" spcFirstLastPara="1" vertOverflow="overflow" horzOverflow="overflow" vert="horz" wrap="square" lIns="91439" tIns="45719" rIns="91439" bIns="45719" numCol="1" spcCol="38100" rtlCol="0" anchor="t" upright="0">
+      <a:bodyPr rot="0" spcFirstLastPara="1" vertOverflow="overflow" horzOverflow="overflow" vert="horz" wrap="square" lIns="91439" tIns="45719" rIns="91439" bIns="45719" numCol="1" spcCol="38100" rtlCol="0" anchor="t">
         <a:noAutofit/>
       </a:bodyPr>
       <a:lstStyle>
@@ -6666,7 +6850,7 @@
           <a:buFontTx/>
           <a:buNone/>
           <a:tabLst/>
-          <a:defRPr b="0" baseline="0" cap="none" i="0" spc="0" strike="noStrike" sz="1800" u="none" kumimoji="0" normalizeH="0">
+          <a:defRPr kumimoji="0" sz="1800" b="0" i="0" u="none" strike="noStrike" cap="none" spc="0" normalizeH="0" baseline="0">
             <a:ln>
               <a:noFill/>
             </a:ln>
@@ -6692,7 +6876,7 @@
           <a:buFontTx/>
           <a:buNone/>
           <a:tabLst/>
-          <a:defRPr b="0" baseline="0" cap="none" i="0" spc="0" strike="noStrike" sz="1800" u="none" kumimoji="0" normalizeH="0">
+          <a:defRPr kumimoji="0" sz="1800" b="0" i="0" u="none" strike="noStrike" cap="none" spc="0" normalizeH="0" baseline="0">
             <a:ln>
               <a:noFill/>
             </a:ln>
@@ -6718,7 +6902,7 @@
           <a:buFontTx/>
           <a:buNone/>
           <a:tabLst/>
-          <a:defRPr b="0" baseline="0" cap="none" i="0" spc="0" strike="noStrike" sz="1800" u="none" kumimoji="0" normalizeH="0">
+          <a:defRPr kumimoji="0" sz="1800" b="0" i="0" u="none" strike="noStrike" cap="none" spc="0" normalizeH="0" baseline="0">
             <a:ln>
               <a:noFill/>
             </a:ln>
@@ -6744,7 +6928,7 @@
           <a:buFontTx/>
           <a:buNone/>
           <a:tabLst/>
-          <a:defRPr b="0" baseline="0" cap="none" i="0" spc="0" strike="noStrike" sz="1800" u="none" kumimoji="0" normalizeH="0">
+          <a:defRPr kumimoji="0" sz="1800" b="0" i="0" u="none" strike="noStrike" cap="none" spc="0" normalizeH="0" baseline="0">
             <a:ln>
               <a:noFill/>
             </a:ln>
@@ -6770,7 +6954,7 @@
           <a:buFontTx/>
           <a:buNone/>
           <a:tabLst/>
-          <a:defRPr b="0" baseline="0" cap="none" i="0" spc="0" strike="noStrike" sz="1800" u="none" kumimoji="0" normalizeH="0">
+          <a:defRPr kumimoji="0" sz="1800" b="0" i="0" u="none" strike="noStrike" cap="none" spc="0" normalizeH="0" baseline="0">
             <a:ln>
               <a:noFill/>
             </a:ln>
@@ -6796,7 +6980,7 @@
           <a:buFontTx/>
           <a:buNone/>
           <a:tabLst/>
-          <a:defRPr b="0" baseline="0" cap="none" i="0" spc="0" strike="noStrike" sz="1800" u="none" kumimoji="0" normalizeH="0">
+          <a:defRPr kumimoji="0" sz="1800" b="0" i="0" u="none" strike="noStrike" cap="none" spc="0" normalizeH="0" baseline="0">
             <a:ln>
               <a:noFill/>
             </a:ln>
@@ -6822,7 +7006,7 @@
           <a:buFontTx/>
           <a:buNone/>
           <a:tabLst/>
-          <a:defRPr b="0" baseline="0" cap="none" i="0" spc="0" strike="noStrike" sz="1800" u="none" kumimoji="0" normalizeH="0">
+          <a:defRPr kumimoji="0" sz="1800" b="0" i="0" u="none" strike="noStrike" cap="none" spc="0" normalizeH="0" baseline="0">
             <a:ln>
               <a:noFill/>
             </a:ln>
@@ -6848,7 +7032,7 @@
           <a:buFontTx/>
           <a:buNone/>
           <a:tabLst/>
-          <a:defRPr b="0" baseline="0" cap="none" i="0" spc="0" strike="noStrike" sz="1800" u="none" kumimoji="0" normalizeH="0">
+          <a:defRPr kumimoji="0" sz="1800" b="0" i="0" u="none" strike="noStrike" cap="none" spc="0" normalizeH="0" baseline="0">
             <a:ln>
               <a:noFill/>
             </a:ln>
@@ -6874,7 +7058,7 @@
           <a:buFontTx/>
           <a:buNone/>
           <a:tabLst/>
-          <a:defRPr b="0" baseline="0" cap="none" i="0" spc="0" strike="noStrike" sz="1800" u="none" kumimoji="0" normalizeH="0">
+          <a:defRPr kumimoji="0" sz="1800" b="0" i="0" u="none" strike="noStrike" cap="none" spc="0" normalizeH="0" baseline="0">
             <a:ln>
               <a:noFill/>
             </a:ln>
@@ -6900,7 +7084,7 @@
           <a:buFontTx/>
           <a:buNone/>
           <a:tabLst/>
-          <a:defRPr b="0" baseline="0" cap="none" i="0" spc="0" strike="noStrike" sz="1800" u="none" kumimoji="0" normalizeH="0">
+          <a:defRPr kumimoji="0" sz="1800" b="0" i="0" u="none" strike="noStrike" cap="none" spc="0" normalizeH="0" baseline="0">
             <a:ln>
               <a:noFill/>
             </a:ln>
@@ -6913,9 +7097,15 @@
         </a:lvl9pPr>
       </a:lstStyle>
       <a:style>
-        <a:lnRef idx="0"/>
-        <a:fillRef idx="0"/>
-        <a:effectRef idx="0"/>
+        <a:lnRef idx="0">
+          <a:scrgbClr r="0" g="0" b="0"/>
+        </a:lnRef>
+        <a:fillRef idx="0">
+          <a:scrgbClr r="0" g="0" b="0"/>
+        </a:fillRef>
+        <a:effectRef idx="0">
+          <a:scrgbClr r="0" g="0" b="0"/>
+        </a:effectRef>
         <a:fontRef idx="none"/>
       </a:style>
     </a:lnDef>
@@ -6929,7 +7119,7 @@
         <a:effectLst/>
         <a:sp3d/>
       </a:spPr>
-      <a:bodyPr rot="0" spcFirstLastPara="1" vertOverflow="overflow" horzOverflow="overflow" vert="horz" wrap="square" lIns="50800" tIns="50800" rIns="50800" bIns="50800" numCol="1" spcCol="38100" rtlCol="0" anchor="ctr" upright="0">
+      <a:bodyPr rot="0" spcFirstLastPara="1" vertOverflow="overflow" horzOverflow="overflow" vert="horz" wrap="square" lIns="50800" tIns="50800" rIns="50800" bIns="50800" numCol="1" spcCol="38100" rtlCol="0" anchor="ctr">
         <a:spAutoFit/>
       </a:bodyPr>
       <a:lstStyle>
@@ -6948,7 +7138,7 @@
           <a:buFontTx/>
           <a:buNone/>
           <a:tabLst/>
-          <a:defRPr b="0" baseline="0" cap="none" i="0" spc="0" strike="noStrike" sz="2400" u="none" kumimoji="0" normalizeH="0">
+          <a:defRPr kumimoji="0" sz="2400" b="0" i="0" u="none" strike="noStrike" cap="none" spc="0" normalizeH="0" baseline="0">
             <a:ln>
               <a:noFill/>
             </a:ln>
@@ -6978,7 +7168,7 @@
           <a:buFontTx/>
           <a:buNone/>
           <a:tabLst/>
-          <a:defRPr b="0" baseline="0" cap="none" i="0" spc="0" strike="noStrike" sz="1800" u="none" kumimoji="0" normalizeH="0">
+          <a:defRPr kumimoji="0" sz="1800" b="0" i="0" u="none" strike="noStrike" cap="none" spc="0" normalizeH="0" baseline="0">
             <a:ln>
               <a:noFill/>
             </a:ln>
@@ -7004,7 +7194,7 @@
           <a:buFontTx/>
           <a:buNone/>
           <a:tabLst/>
-          <a:defRPr b="0" baseline="0" cap="none" i="0" spc="0" strike="noStrike" sz="1800" u="none" kumimoji="0" normalizeH="0">
+          <a:defRPr kumimoji="0" sz="1800" b="0" i="0" u="none" strike="noStrike" cap="none" spc="0" normalizeH="0" baseline="0">
             <a:ln>
               <a:noFill/>
             </a:ln>
@@ -7030,7 +7220,7 @@
           <a:buFontTx/>
           <a:buNone/>
           <a:tabLst/>
-          <a:defRPr b="0" baseline="0" cap="none" i="0" spc="0" strike="noStrike" sz="1800" u="none" kumimoji="0" normalizeH="0">
+          <a:defRPr kumimoji="0" sz="1800" b="0" i="0" u="none" strike="noStrike" cap="none" spc="0" normalizeH="0" baseline="0">
             <a:ln>
               <a:noFill/>
             </a:ln>
@@ -7056,7 +7246,7 @@
           <a:buFontTx/>
           <a:buNone/>
           <a:tabLst/>
-          <a:defRPr b="0" baseline="0" cap="none" i="0" spc="0" strike="noStrike" sz="1800" u="none" kumimoji="0" normalizeH="0">
+          <a:defRPr kumimoji="0" sz="1800" b="0" i="0" u="none" strike="noStrike" cap="none" spc="0" normalizeH="0" baseline="0">
             <a:ln>
               <a:noFill/>
             </a:ln>
@@ -7082,7 +7272,7 @@
           <a:buFontTx/>
           <a:buNone/>
           <a:tabLst/>
-          <a:defRPr b="0" baseline="0" cap="none" i="0" spc="0" strike="noStrike" sz="1800" u="none" kumimoji="0" normalizeH="0">
+          <a:defRPr kumimoji="0" sz="1800" b="0" i="0" u="none" strike="noStrike" cap="none" spc="0" normalizeH="0" baseline="0">
             <a:ln>
               <a:noFill/>
             </a:ln>
@@ -7108,7 +7298,7 @@
           <a:buFontTx/>
           <a:buNone/>
           <a:tabLst/>
-          <a:defRPr b="0" baseline="0" cap="none" i="0" spc="0" strike="noStrike" sz="1800" u="none" kumimoji="0" normalizeH="0">
+          <a:defRPr kumimoji="0" sz="1800" b="0" i="0" u="none" strike="noStrike" cap="none" spc="0" normalizeH="0" baseline="0">
             <a:ln>
               <a:noFill/>
             </a:ln>
@@ -7134,7 +7324,7 @@
           <a:buFontTx/>
           <a:buNone/>
           <a:tabLst/>
-          <a:defRPr b="0" baseline="0" cap="none" i="0" spc="0" strike="noStrike" sz="1800" u="none" kumimoji="0" normalizeH="0">
+          <a:defRPr kumimoji="0" sz="1800" b="0" i="0" u="none" strike="noStrike" cap="none" spc="0" normalizeH="0" baseline="0">
             <a:ln>
               <a:noFill/>
             </a:ln>
@@ -7160,7 +7350,7 @@
           <a:buFontTx/>
           <a:buNone/>
           <a:tabLst/>
-          <a:defRPr b="0" baseline="0" cap="none" i="0" spc="0" strike="noStrike" sz="1800" u="none" kumimoji="0" normalizeH="0">
+          <a:defRPr kumimoji="0" sz="1800" b="0" i="0" u="none" strike="noStrike" cap="none" spc="0" normalizeH="0" baseline="0">
             <a:ln>
               <a:noFill/>
             </a:ln>
@@ -7186,7 +7376,7 @@
           <a:buFontTx/>
           <a:buNone/>
           <a:tabLst/>
-          <a:defRPr b="0" baseline="0" cap="none" i="0" spc="0" strike="noStrike" sz="1800" u="none" kumimoji="0" normalizeH="0">
+          <a:defRPr kumimoji="0" sz="1800" b="0" i="0" u="none" strike="noStrike" cap="none" spc="0" normalizeH="0" baseline="0">
             <a:ln>
               <a:noFill/>
             </a:ln>
@@ -7199,12 +7389,19 @@
         </a:lvl9pPr>
       </a:lstStyle>
       <a:style>
-        <a:lnRef idx="0"/>
-        <a:fillRef idx="0"/>
-        <a:effectRef idx="0"/>
+        <a:lnRef idx="0">
+          <a:scrgbClr r="0" g="0" b="0"/>
+        </a:lnRef>
+        <a:fillRef idx="0">
+          <a:scrgbClr r="0" g="0" b="0"/>
+        </a:fillRef>
+        <a:effectRef idx="0">
+          <a:scrgbClr r="0" g="0" b="0"/>
+        </a:effectRef>
         <a:fontRef idx="none"/>
       </a:style>
     </a:txDef>
   </a:objectDefaults>
+  <a:extraClrSchemeLst/>
 </a:theme>
 </file>